--- a/notes/10_protege/IDEs.pptx
+++ b/notes/10_protege/IDEs.pptx
@@ -5,10 +5,10 @@
     <p:sldMasterId id="2147483649" r:id="rId1"/>
   </p:sldMasterIdLst>
   <p:notesMasterIdLst>
-    <p:notesMasterId r:id="rId18"/>
+    <p:notesMasterId r:id="rId22"/>
   </p:notesMasterIdLst>
   <p:handoutMasterIdLst>
-    <p:handoutMasterId r:id="rId19"/>
+    <p:handoutMasterId r:id="rId23"/>
   </p:handoutMasterIdLst>
   <p:sldIdLst>
     <p:sldId id="257" r:id="rId2"/>
@@ -20,13 +20,17 @@
     <p:sldId id="261" r:id="rId8"/>
     <p:sldId id="262" r:id="rId9"/>
     <p:sldId id="263" r:id="rId10"/>
-    <p:sldId id="264" r:id="rId11"/>
-    <p:sldId id="265" r:id="rId12"/>
-    <p:sldId id="269" r:id="rId13"/>
-    <p:sldId id="268" r:id="rId14"/>
-    <p:sldId id="272" r:id="rId15"/>
-    <p:sldId id="266" r:id="rId16"/>
-    <p:sldId id="271" r:id="rId17"/>
+    <p:sldId id="275" r:id="rId11"/>
+    <p:sldId id="277" r:id="rId12"/>
+    <p:sldId id="279" r:id="rId13"/>
+    <p:sldId id="278" r:id="rId14"/>
+    <p:sldId id="264" r:id="rId15"/>
+    <p:sldId id="265" r:id="rId16"/>
+    <p:sldId id="269" r:id="rId17"/>
+    <p:sldId id="268" r:id="rId18"/>
+    <p:sldId id="272" r:id="rId19"/>
+    <p:sldId id="266" r:id="rId20"/>
+    <p:sldId id="271" r:id="rId21"/>
   </p:sldIdLst>
   <p:sldSz cx="9144000" cy="6858000" type="screen4x3"/>
   <p:notesSz cx="9601200" cy="7315200"/>
@@ -575,7 +579,7 @@
           </a:ln>
           <a:extLst>
             <a:ext uri="{FAA26D3D-D897-4be2-8F04-BA451C77F1D7}">
-              <ma14:placeholderFlag xmlns:ma14="http://schemas.microsoft.com/office/mac/drawingml/2011/main" val="1"/>
+              <ma14:placeholderFlag xmlns="" xmlns:ma14="http://schemas.microsoft.com/office/mac/drawingml/2011/main" val="1"/>
             </a:ext>
             <a:ext uri="{909E8E84-426E-40dd-AFC4-6F175D3DCCD1}">
               <a14:hiddenFill xmlns:a14="http://schemas.microsoft.com/office/drawing/2010/main" xmlns="">
@@ -1179,7 +1183,7 @@
           <a:ln/>
           <a:extLst>
             <a:ext uri="{FAA26D3D-D897-4be2-8F04-BA451C77F1D7}">
-              <ma14:placeholderFlag xmlns:ma14="http://schemas.microsoft.com/office/mac/drawingml/2011/main" val="1"/>
+              <ma14:placeholderFlag xmlns="" xmlns:ma14="http://schemas.microsoft.com/office/mac/drawingml/2011/main" val="1"/>
             </a:ext>
             <a:ext uri="{909E8E84-426E-40dd-AFC4-6F175D3DCCD1}">
               <a14:hiddenFill xmlns:a14="http://schemas.microsoft.com/office/drawing/2010/main" xmlns="">
@@ -1425,7 +1429,7 @@
           <a:ln/>
           <a:extLst>
             <a:ext uri="{FAA26D3D-D897-4be2-8F04-BA451C77F1D7}">
-              <ma14:placeholderFlag xmlns:ma14="http://schemas.microsoft.com/office/mac/drawingml/2011/main" val="1"/>
+              <ma14:placeholderFlag xmlns="" xmlns:ma14="http://schemas.microsoft.com/office/mac/drawingml/2011/main" val="1"/>
             </a:ext>
             <a:ext uri="{909E8E84-426E-40dd-AFC4-6F175D3DCCD1}">
               <a14:hiddenFill xmlns:a14="http://schemas.microsoft.com/office/drawing/2010/main" xmlns="">
@@ -1596,10 +1600,9 @@
           <a:lstStyle/>
           <a:p>
             <a:r>
-              <a:rPr lang="en-US" smtClean="0"/>
+              <a:rPr lang="en-US"/>
               <a:t>Click to edit Master title style</a:t>
             </a:r>
-            <a:endParaRPr lang="en-US"/>
           </a:p>
         </p:txBody>
       </p:sp>
@@ -1620,38 +1623,37 @@
           <a:p>
             <a:pPr lvl="0"/>
             <a:r>
-              <a:rPr lang="en-US" smtClean="0"/>
+              <a:rPr lang="en-US"/>
               <a:t>Click to edit Master text styles</a:t>
             </a:r>
           </a:p>
           <a:p>
             <a:pPr lvl="1"/>
             <a:r>
-              <a:rPr lang="en-US" smtClean="0"/>
+              <a:rPr lang="en-US"/>
               <a:t>Second level</a:t>
             </a:r>
           </a:p>
           <a:p>
             <a:pPr lvl="2"/>
             <a:r>
-              <a:rPr lang="en-US" smtClean="0"/>
+              <a:rPr lang="en-US"/>
               <a:t>Third level</a:t>
             </a:r>
           </a:p>
           <a:p>
             <a:pPr lvl="3"/>
             <a:r>
-              <a:rPr lang="en-US" smtClean="0"/>
+              <a:rPr lang="en-US"/>
               <a:t>Fourth level</a:t>
             </a:r>
           </a:p>
           <a:p>
             <a:pPr lvl="4"/>
             <a:r>
-              <a:rPr lang="en-US" smtClean="0"/>
+              <a:rPr lang="en-US"/>
               <a:t>Fifth level</a:t>
             </a:r>
-            <a:endParaRPr lang="en-US"/>
           </a:p>
         </p:txBody>
       </p:sp>
@@ -1706,10 +1708,9 @@
           <a:lstStyle/>
           <a:p>
             <a:r>
-              <a:rPr lang="en-US" smtClean="0"/>
+              <a:rPr lang="en-US"/>
               <a:t>Click to edit Master title style</a:t>
             </a:r>
-            <a:endParaRPr lang="en-US"/>
           </a:p>
         </p:txBody>
       </p:sp>
@@ -1735,38 +1736,37 @@
           <a:p>
             <a:pPr lvl="0"/>
             <a:r>
-              <a:rPr lang="en-US" smtClean="0"/>
+              <a:rPr lang="en-US"/>
               <a:t>Click to edit Master text styles</a:t>
             </a:r>
           </a:p>
           <a:p>
             <a:pPr lvl="1"/>
             <a:r>
-              <a:rPr lang="en-US" smtClean="0"/>
+              <a:rPr lang="en-US"/>
               <a:t>Second level</a:t>
             </a:r>
           </a:p>
           <a:p>
             <a:pPr lvl="2"/>
             <a:r>
-              <a:rPr lang="en-US" smtClean="0"/>
+              <a:rPr lang="en-US"/>
               <a:t>Third level</a:t>
             </a:r>
           </a:p>
           <a:p>
             <a:pPr lvl="3"/>
             <a:r>
-              <a:rPr lang="en-US" smtClean="0"/>
+              <a:rPr lang="en-US"/>
               <a:t>Fourth level</a:t>
             </a:r>
           </a:p>
           <a:p>
             <a:pPr lvl="4"/>
             <a:r>
-              <a:rPr lang="en-US" smtClean="0"/>
+              <a:rPr lang="en-US"/>
               <a:t>Fifth level</a:t>
             </a:r>
-            <a:endParaRPr lang="en-US"/>
           </a:p>
         </p:txBody>
       </p:sp>
@@ -1822,38 +1822,37 @@
           <a:p>
             <a:pPr lvl="0"/>
             <a:r>
-              <a:rPr lang="en-US" smtClean="0"/>
+              <a:rPr lang="en-US"/>
               <a:t>Click to edit Master text styles</a:t>
             </a:r>
           </a:p>
           <a:p>
             <a:pPr lvl="1"/>
             <a:r>
-              <a:rPr lang="en-US" smtClean="0"/>
+              <a:rPr lang="en-US"/>
               <a:t>Second level</a:t>
             </a:r>
           </a:p>
           <a:p>
             <a:pPr lvl="2"/>
             <a:r>
-              <a:rPr lang="en-US" smtClean="0"/>
+              <a:rPr lang="en-US"/>
               <a:t>Third level</a:t>
             </a:r>
           </a:p>
           <a:p>
             <a:pPr lvl="3"/>
             <a:r>
-              <a:rPr lang="en-US" smtClean="0"/>
+              <a:rPr lang="en-US"/>
               <a:t>Fourth level</a:t>
             </a:r>
           </a:p>
           <a:p>
             <a:pPr lvl="4"/>
             <a:r>
-              <a:rPr lang="en-US" smtClean="0"/>
+              <a:rPr lang="en-US"/>
               <a:t>Fifth level</a:t>
             </a:r>
-            <a:endParaRPr lang="en-US"/>
           </a:p>
         </p:txBody>
       </p:sp>
@@ -1907,10 +1906,9 @@
           </a:lstStyle>
           <a:p>
             <a:r>
-              <a:rPr lang="en-US" smtClean="0"/>
+              <a:rPr lang="en-US"/>
               <a:t>Click to edit Master title style</a:t>
             </a:r>
-            <a:endParaRPr lang="en-US"/>
           </a:p>
         </p:txBody>
       </p:sp>
@@ -1931,38 +1929,37 @@
           <a:p>
             <a:pPr lvl="0"/>
             <a:r>
-              <a:rPr lang="en-US" smtClean="0"/>
+              <a:rPr lang="en-US"/>
               <a:t>Click to edit Master text styles</a:t>
             </a:r>
           </a:p>
           <a:p>
             <a:pPr lvl="1"/>
             <a:r>
-              <a:rPr lang="en-US" smtClean="0"/>
+              <a:rPr lang="en-US"/>
               <a:t>Second level</a:t>
             </a:r>
           </a:p>
           <a:p>
             <a:pPr lvl="2"/>
             <a:r>
-              <a:rPr lang="en-US" smtClean="0"/>
+              <a:rPr lang="en-US"/>
               <a:t>Third level</a:t>
             </a:r>
           </a:p>
           <a:p>
             <a:pPr lvl="3"/>
             <a:r>
-              <a:rPr lang="en-US" smtClean="0"/>
+              <a:rPr lang="en-US"/>
               <a:t>Fourth level</a:t>
             </a:r>
           </a:p>
           <a:p>
             <a:pPr lvl="4"/>
             <a:r>
-              <a:rPr lang="en-US" smtClean="0"/>
+              <a:rPr lang="en-US"/>
               <a:t>Fifth level</a:t>
             </a:r>
-            <a:endParaRPr lang="en-US"/>
           </a:p>
         </p:txBody>
       </p:sp>
@@ -2021,10 +2018,9 @@
           </a:lstStyle>
           <a:p>
             <a:r>
-              <a:rPr lang="en-US" smtClean="0"/>
+              <a:rPr lang="en-US"/>
               <a:t>Click to edit Master title style</a:t>
             </a:r>
-            <a:endParaRPr lang="en-US"/>
           </a:p>
         </p:txBody>
       </p:sp>
@@ -2087,7 +2083,7 @@
           <a:p>
             <a:pPr lvl="0"/>
             <a:r>
-              <a:rPr lang="en-US" smtClean="0"/>
+              <a:rPr lang="en-US"/>
               <a:t>Click to edit Master text styles</a:t>
             </a:r>
           </a:p>
@@ -2139,10 +2135,9 @@
           <a:lstStyle/>
           <a:p>
             <a:r>
-              <a:rPr lang="en-US" smtClean="0"/>
+              <a:rPr lang="en-US"/>
               <a:t>Click to edit Master title style</a:t>
             </a:r>
-            <a:endParaRPr lang="en-US"/>
           </a:p>
         </p:txBody>
       </p:sp>
@@ -2196,38 +2191,37 @@
           <a:p>
             <a:pPr lvl="0"/>
             <a:r>
-              <a:rPr lang="en-US" smtClean="0"/>
+              <a:rPr lang="en-US"/>
               <a:t>Click to edit Master text styles</a:t>
             </a:r>
           </a:p>
           <a:p>
             <a:pPr lvl="1"/>
             <a:r>
-              <a:rPr lang="en-US" smtClean="0"/>
+              <a:rPr lang="en-US"/>
               <a:t>Second level</a:t>
             </a:r>
           </a:p>
           <a:p>
             <a:pPr lvl="2"/>
             <a:r>
-              <a:rPr lang="en-US" smtClean="0"/>
+              <a:rPr lang="en-US"/>
               <a:t>Third level</a:t>
             </a:r>
           </a:p>
           <a:p>
             <a:pPr lvl="3"/>
             <a:r>
-              <a:rPr lang="en-US" smtClean="0"/>
+              <a:rPr lang="en-US"/>
               <a:t>Fourth level</a:t>
             </a:r>
           </a:p>
           <a:p>
             <a:pPr lvl="4"/>
             <a:r>
-              <a:rPr lang="en-US" smtClean="0"/>
+              <a:rPr lang="en-US"/>
               <a:t>Fifth level</a:t>
             </a:r>
-            <a:endParaRPr lang="en-US"/>
           </a:p>
         </p:txBody>
       </p:sp>
@@ -2281,38 +2275,37 @@
           <a:p>
             <a:pPr lvl="0"/>
             <a:r>
-              <a:rPr lang="en-US" smtClean="0"/>
+              <a:rPr lang="en-US"/>
               <a:t>Click to edit Master text styles</a:t>
             </a:r>
           </a:p>
           <a:p>
             <a:pPr lvl="1"/>
             <a:r>
-              <a:rPr lang="en-US" smtClean="0"/>
+              <a:rPr lang="en-US"/>
               <a:t>Second level</a:t>
             </a:r>
           </a:p>
           <a:p>
             <a:pPr lvl="2"/>
             <a:r>
-              <a:rPr lang="en-US" smtClean="0"/>
+              <a:rPr lang="en-US"/>
               <a:t>Third level</a:t>
             </a:r>
           </a:p>
           <a:p>
             <a:pPr lvl="3"/>
             <a:r>
-              <a:rPr lang="en-US" smtClean="0"/>
+              <a:rPr lang="en-US"/>
               <a:t>Fourth level</a:t>
             </a:r>
           </a:p>
           <a:p>
             <a:pPr lvl="4"/>
             <a:r>
-              <a:rPr lang="en-US" smtClean="0"/>
+              <a:rPr lang="en-US"/>
               <a:t>Fifth level</a:t>
             </a:r>
-            <a:endParaRPr lang="en-US"/>
           </a:p>
         </p:txBody>
       </p:sp>
@@ -2371,10 +2364,9 @@
           </a:lstStyle>
           <a:p>
             <a:r>
-              <a:rPr lang="en-US" smtClean="0"/>
+              <a:rPr lang="en-US"/>
               <a:t>Click to edit Master title style</a:t>
             </a:r>
-            <a:endParaRPr lang="en-US"/>
           </a:p>
         </p:txBody>
       </p:sp>
@@ -2437,7 +2429,7 @@
           <a:p>
             <a:pPr lvl="0"/>
             <a:r>
-              <a:rPr lang="en-US" smtClean="0"/>
+              <a:rPr lang="en-US"/>
               <a:t>Click to edit Master text styles</a:t>
             </a:r>
           </a:p>
@@ -2493,38 +2485,37 @@
           <a:p>
             <a:pPr lvl="0"/>
             <a:r>
-              <a:rPr lang="en-US" smtClean="0"/>
+              <a:rPr lang="en-US"/>
               <a:t>Click to edit Master text styles</a:t>
             </a:r>
           </a:p>
           <a:p>
             <a:pPr lvl="1"/>
             <a:r>
-              <a:rPr lang="en-US" smtClean="0"/>
+              <a:rPr lang="en-US"/>
               <a:t>Second level</a:t>
             </a:r>
           </a:p>
           <a:p>
             <a:pPr lvl="2"/>
             <a:r>
-              <a:rPr lang="en-US" smtClean="0"/>
+              <a:rPr lang="en-US"/>
               <a:t>Third level</a:t>
             </a:r>
           </a:p>
           <a:p>
             <a:pPr lvl="3"/>
             <a:r>
-              <a:rPr lang="en-US" smtClean="0"/>
+              <a:rPr lang="en-US"/>
               <a:t>Fourth level</a:t>
             </a:r>
           </a:p>
           <a:p>
             <a:pPr lvl="4"/>
             <a:r>
-              <a:rPr lang="en-US" smtClean="0"/>
+              <a:rPr lang="en-US"/>
               <a:t>Fifth level</a:t>
             </a:r>
-            <a:endParaRPr lang="en-US"/>
           </a:p>
         </p:txBody>
       </p:sp>
@@ -2587,7 +2578,7 @@
           <a:p>
             <a:pPr lvl="0"/>
             <a:r>
-              <a:rPr lang="en-US" smtClean="0"/>
+              <a:rPr lang="en-US"/>
               <a:t>Click to edit Master text styles</a:t>
             </a:r>
           </a:p>
@@ -2643,38 +2634,37 @@
           <a:p>
             <a:pPr lvl="0"/>
             <a:r>
-              <a:rPr lang="en-US" smtClean="0"/>
+              <a:rPr lang="en-US"/>
               <a:t>Click to edit Master text styles</a:t>
             </a:r>
           </a:p>
           <a:p>
             <a:pPr lvl="1"/>
             <a:r>
-              <a:rPr lang="en-US" smtClean="0"/>
+              <a:rPr lang="en-US"/>
               <a:t>Second level</a:t>
             </a:r>
           </a:p>
           <a:p>
             <a:pPr lvl="2"/>
             <a:r>
-              <a:rPr lang="en-US" smtClean="0"/>
+              <a:rPr lang="en-US"/>
               <a:t>Third level</a:t>
             </a:r>
           </a:p>
           <a:p>
             <a:pPr lvl="3"/>
             <a:r>
-              <a:rPr lang="en-US" smtClean="0"/>
+              <a:rPr lang="en-US"/>
               <a:t>Fourth level</a:t>
             </a:r>
           </a:p>
           <a:p>
             <a:pPr lvl="4"/>
             <a:r>
-              <a:rPr lang="en-US" smtClean="0"/>
+              <a:rPr lang="en-US"/>
               <a:t>Fifth level</a:t>
             </a:r>
-            <a:endParaRPr lang="en-US"/>
           </a:p>
         </p:txBody>
       </p:sp>
@@ -2724,10 +2714,9 @@
           <a:lstStyle/>
           <a:p>
             <a:r>
-              <a:rPr lang="en-US" smtClean="0"/>
+              <a:rPr lang="en-US"/>
               <a:t>Click to edit Master title style</a:t>
             </a:r>
-            <a:endParaRPr lang="en-US"/>
           </a:p>
         </p:txBody>
       </p:sp>
@@ -2816,10 +2805,9 @@
           </a:lstStyle>
           <a:p>
             <a:r>
-              <a:rPr lang="en-US" smtClean="0"/>
+              <a:rPr lang="en-US"/>
               <a:t>Click to edit Master title style</a:t>
             </a:r>
-            <a:endParaRPr lang="en-US"/>
           </a:p>
         </p:txBody>
       </p:sp>
@@ -2873,38 +2861,37 @@
           <a:p>
             <a:pPr lvl="0"/>
             <a:r>
-              <a:rPr lang="en-US" smtClean="0"/>
+              <a:rPr lang="en-US"/>
               <a:t>Click to edit Master text styles</a:t>
             </a:r>
           </a:p>
           <a:p>
             <a:pPr lvl="1"/>
             <a:r>
-              <a:rPr lang="en-US" smtClean="0"/>
+              <a:rPr lang="en-US"/>
               <a:t>Second level</a:t>
             </a:r>
           </a:p>
           <a:p>
             <a:pPr lvl="2"/>
             <a:r>
-              <a:rPr lang="en-US" smtClean="0"/>
+              <a:rPr lang="en-US"/>
               <a:t>Third level</a:t>
             </a:r>
           </a:p>
           <a:p>
             <a:pPr lvl="3"/>
             <a:r>
-              <a:rPr lang="en-US" smtClean="0"/>
+              <a:rPr lang="en-US"/>
               <a:t>Fourth level</a:t>
             </a:r>
           </a:p>
           <a:p>
             <a:pPr lvl="4"/>
             <a:r>
-              <a:rPr lang="en-US" smtClean="0"/>
+              <a:rPr lang="en-US"/>
               <a:t>Fifth level</a:t>
             </a:r>
-            <a:endParaRPr lang="en-US"/>
           </a:p>
         </p:txBody>
       </p:sp>
@@ -2967,7 +2954,7 @@
           <a:p>
             <a:pPr lvl="0"/>
             <a:r>
-              <a:rPr lang="en-US" smtClean="0"/>
+              <a:rPr lang="en-US"/>
               <a:t>Click to edit Master text styles</a:t>
             </a:r>
           </a:p>
@@ -3028,10 +3015,9 @@
           </a:lstStyle>
           <a:p>
             <a:r>
-              <a:rPr lang="en-US" smtClean="0"/>
+              <a:rPr lang="en-US"/>
               <a:t>Click to edit Master title style</a:t>
             </a:r>
-            <a:endParaRPr lang="en-US"/>
           </a:p>
         </p:txBody>
       </p:sp>
@@ -3093,7 +3079,7 @@
           </a:lstStyle>
           <a:p>
             <a:pPr lvl="0"/>
-            <a:endParaRPr lang="en-US" noProof="0" smtClean="0"/>
+            <a:endParaRPr lang="en-US" noProof="0"/>
           </a:p>
         </p:txBody>
       </p:sp>
@@ -3156,7 +3142,7 @@
           <a:p>
             <a:pPr lvl="0"/>
             <a:r>
-              <a:rPr lang="en-US" smtClean="0"/>
+              <a:rPr lang="en-US"/>
               <a:t>Click to edit Master text styles</a:t>
             </a:r>
           </a:p>
@@ -3228,7 +3214,7 @@
           </a:ln>
           <a:extLst>
             <a:ext uri="{FAA26D3D-D897-4be2-8F04-BA451C77F1D7}">
-              <ma14:placeholderFlag xmlns:ma14="http://schemas.microsoft.com/office/mac/drawingml/2011/main" val="1"/>
+              <ma14:placeholderFlag xmlns="" xmlns:ma14="http://schemas.microsoft.com/office/mac/drawingml/2011/main" val="1"/>
             </a:ext>
             <a:ext uri="{91240B29-F687-4f45-9708-019B960494DF}">
               <a14:hiddenLine xmlns:a14="http://schemas.microsoft.com/office/drawing/2010/main" xmlns="" w="9525">
@@ -3323,7 +3309,7 @@
           </a:ln>
           <a:extLst>
             <a:ext uri="{FAA26D3D-D897-4be2-8F04-BA451C77F1D7}">
-              <ma14:placeholderFlag xmlns:ma14="http://schemas.microsoft.com/office/mac/drawingml/2011/main" val="1"/>
+              <ma14:placeholderFlag xmlns="" xmlns:ma14="http://schemas.microsoft.com/office/mac/drawingml/2011/main" val="1"/>
             </a:ext>
             <a:ext uri="{909E8E84-426E-40dd-AFC4-6F175D3DCCD1}">
               <a14:hiddenFill xmlns:a14="http://schemas.microsoft.com/office/drawing/2010/main" xmlns="">
@@ -3986,17 +3972,16 @@
           <a:p>
             <a:pPr eaLnBrk="1" hangingPunct="1"/>
             <a:r>
-              <a:rPr lang="en-US" sz="9100" b="1" dirty="0" smtClean="0"/>
+              <a:rPr lang="en-US" sz="9100" b="1" dirty="0"/>
               <a:t>Ontology</a:t>
             </a:r>
             <a:br>
-              <a:rPr lang="en-US" sz="9100" b="1" dirty="0" smtClean="0"/>
+              <a:rPr lang="en-US" sz="9100" b="1" dirty="0"/>
             </a:br>
             <a:r>
-              <a:rPr lang="en-US" sz="9100" b="1" dirty="0" smtClean="0"/>
+              <a:rPr lang="en-US" sz="9100" b="1" dirty="0"/>
               <a:t>Editors</a:t>
             </a:r>
-            <a:endParaRPr lang="en-US" sz="9100" b="1" dirty="0"/>
           </a:p>
         </p:txBody>
       </p:sp>
@@ -4005,13 +3990,6 @@
   <p:clrMapOvr>
     <a:masterClrMapping/>
   </p:clrMapOvr>
-  <p:timing>
-    <p:tnLst>
-      <p:par>
-        <p:cTn id="1" dur="indefinite" restart="never" nodeType="tmRoot"/>
-      </p:par>
-    </p:tnLst>
-  </p:timing>
 </p:sld>
 </file>
 
@@ -4051,7 +4029,1831 @@
               <a:rPr lang="en-US" b="1" dirty="0">
                 <a:cs typeface="Calibri Regular" charset="0"/>
               </a:rPr>
-              <a:t>Example</a:t>
+              <a:t>Example 1</a:t>
+            </a:r>
+          </a:p>
+        </p:txBody>
+      </p:sp>
+      <p:sp>
+        <p:nvSpPr>
+          <p:cNvPr id="8" name="Rectangle 7"/>
+          <p:cNvSpPr>
+            <a:spLocks noChangeArrowheads="1"/>
+          </p:cNvSpPr>
+          <p:nvPr/>
+        </p:nvSpPr>
+        <p:spPr bwMode="auto">
+          <a:xfrm>
+            <a:off x="708509" y="1569175"/>
+            <a:ext cx="7726982" cy="1077218"/>
+          </a:xfrm>
+          <a:prstGeom prst="rect">
+            <a:avLst/>
+          </a:prstGeom>
+          <a:noFill/>
+          <a:ln>
+            <a:noFill/>
+          </a:ln>
+          <a:extLst>
+            <a:ext uri="{909E8E84-426E-40dd-AFC4-6F175D3DCCD1}">
+              <a14:hiddenFill xmlns:a14="http://schemas.microsoft.com/office/drawing/2010/main" xmlns="">
+                <a:solidFill>
+                  <a:srgbClr val="FFFFFF"/>
+                </a:solidFill>
+              </a14:hiddenFill>
+            </a:ext>
+            <a:ext uri="{91240B29-F687-4f45-9708-019B960494DF}">
+              <a14:hiddenLine xmlns:a14="http://schemas.microsoft.com/office/drawing/2010/main" xmlns="" w="9525">
+                <a:solidFill>
+                  <a:srgbClr val="000000"/>
+                </a:solidFill>
+                <a:miter lim="800000"/>
+                <a:headEnd/>
+                <a:tailEnd/>
+              </a14:hiddenLine>
+            </a:ext>
+          </a:extLst>
+        </p:spPr>
+        <p:txBody>
+          <a:bodyPr wrap="square">
+            <a:spAutoFit/>
+          </a:bodyPr>
+          <a:lstStyle/>
+          <a:p>
+            <a:pPr eaLnBrk="0" hangingPunct="0"/>
+            <a:r>
+              <a:rPr lang="en-US" sz="3200" dirty="0">
+                <a:solidFill>
+                  <a:srgbClr val="000000"/>
+                </a:solidFill>
+                <a:latin typeface="Calibri Regular" charset="0"/>
+              </a:rPr>
+              <a:t>How can we define a class that is people who have children and all of them are male?</a:t>
+            </a:r>
+          </a:p>
+        </p:txBody>
+      </p:sp>
+      <p:sp>
+        <p:nvSpPr>
+          <p:cNvPr id="16391" name="Slide Number Placeholder 9"/>
+          <p:cNvSpPr>
+            <a:spLocks noGrp="1"/>
+          </p:cNvSpPr>
+          <p:nvPr>
+            <p:ph type="sldNum" sz="quarter" idx="4294967295"/>
+          </p:nvPr>
+        </p:nvSpPr>
+        <p:spPr>
+          <a:xfrm>
+            <a:off x="6705600" y="6477000"/>
+            <a:ext cx="1905000" cy="228600"/>
+          </a:xfrm>
+          <a:prstGeom prst="rect">
+            <a:avLst/>
+          </a:prstGeom>
+          <a:noFill/>
+          <a:ln/>
+          <a:extLst>
+            <a:ext uri="{909E8E84-426E-40dd-AFC4-6F175D3DCCD1}">
+              <a14:hiddenFill xmlns:a14="http://schemas.microsoft.com/office/drawing/2010/main" xmlns="">
+                <a:solidFill>
+                  <a:srgbClr val="FFFFFF"/>
+                </a:solidFill>
+              </a14:hiddenFill>
+            </a:ext>
+            <a:ext uri="{91240B29-F687-4f45-9708-019B960494DF}">
+              <a14:hiddenLine xmlns:a14="http://schemas.microsoft.com/office/drawing/2010/main" xmlns="" w="9525">
+                <a:solidFill>
+                  <a:srgbClr val="000000"/>
+                </a:solidFill>
+                <a:miter lim="800000"/>
+                <a:headEnd/>
+                <a:tailEnd/>
+              </a14:hiddenLine>
+            </a:ext>
+          </a:extLst>
+        </p:spPr>
+        <p:txBody>
+          <a:bodyPr/>
+          <a:lstStyle>
+            <a:lvl1pPr eaLnBrk="0" hangingPunct="0">
+              <a:defRPr sz="2400">
+                <a:solidFill>
+                  <a:schemeClr val="tx1"/>
+                </a:solidFill>
+                <a:latin typeface="Arial" charset="0"/>
+                <a:ea typeface="ＭＳ Ｐゴシック" charset="0"/>
+                <a:cs typeface="Arial" charset="0"/>
+              </a:defRPr>
+            </a:lvl1pPr>
+            <a:lvl2pPr marL="742950" indent="-285750" eaLnBrk="0" hangingPunct="0">
+              <a:defRPr sz="2400">
+                <a:solidFill>
+                  <a:schemeClr val="tx1"/>
+                </a:solidFill>
+                <a:latin typeface="Arial" charset="0"/>
+                <a:ea typeface="Arial" charset="0"/>
+                <a:cs typeface="Arial" charset="0"/>
+              </a:defRPr>
+            </a:lvl2pPr>
+            <a:lvl3pPr marL="1143000" indent="-228600" eaLnBrk="0" hangingPunct="0">
+              <a:defRPr sz="2400">
+                <a:solidFill>
+                  <a:schemeClr val="tx1"/>
+                </a:solidFill>
+                <a:latin typeface="Arial" charset="0"/>
+                <a:ea typeface="Arial" charset="0"/>
+                <a:cs typeface="Arial" charset="0"/>
+              </a:defRPr>
+            </a:lvl3pPr>
+            <a:lvl4pPr marL="1600200" indent="-228600" eaLnBrk="0" hangingPunct="0">
+              <a:defRPr sz="2400">
+                <a:solidFill>
+                  <a:schemeClr val="tx1"/>
+                </a:solidFill>
+                <a:latin typeface="Arial" charset="0"/>
+                <a:ea typeface="Arial" charset="0"/>
+                <a:cs typeface="Arial" charset="0"/>
+              </a:defRPr>
+            </a:lvl4pPr>
+            <a:lvl5pPr marL="2057400" indent="-228600" eaLnBrk="0" hangingPunct="0">
+              <a:defRPr sz="2400">
+                <a:solidFill>
+                  <a:schemeClr val="tx1"/>
+                </a:solidFill>
+                <a:latin typeface="Arial" charset="0"/>
+                <a:ea typeface="Arial" charset="0"/>
+                <a:cs typeface="Arial" charset="0"/>
+              </a:defRPr>
+            </a:lvl5pPr>
+            <a:lvl6pPr marL="2514600" indent="-228600" eaLnBrk="0" fontAlgn="base" hangingPunct="0">
+              <a:spcBef>
+                <a:spcPct val="0"/>
+              </a:spcBef>
+              <a:spcAft>
+                <a:spcPct val="0"/>
+              </a:spcAft>
+              <a:defRPr sz="2400">
+                <a:solidFill>
+                  <a:schemeClr val="tx1"/>
+                </a:solidFill>
+                <a:latin typeface="Arial" charset="0"/>
+                <a:ea typeface="Arial" charset="0"/>
+                <a:cs typeface="Arial" charset="0"/>
+              </a:defRPr>
+            </a:lvl6pPr>
+            <a:lvl7pPr marL="2971800" indent="-228600" eaLnBrk="0" fontAlgn="base" hangingPunct="0">
+              <a:spcBef>
+                <a:spcPct val="0"/>
+              </a:spcBef>
+              <a:spcAft>
+                <a:spcPct val="0"/>
+              </a:spcAft>
+              <a:defRPr sz="2400">
+                <a:solidFill>
+                  <a:schemeClr val="tx1"/>
+                </a:solidFill>
+                <a:latin typeface="Arial" charset="0"/>
+                <a:ea typeface="Arial" charset="0"/>
+                <a:cs typeface="Arial" charset="0"/>
+              </a:defRPr>
+            </a:lvl7pPr>
+            <a:lvl8pPr marL="3429000" indent="-228600" eaLnBrk="0" fontAlgn="base" hangingPunct="0">
+              <a:spcBef>
+                <a:spcPct val="0"/>
+              </a:spcBef>
+              <a:spcAft>
+                <a:spcPct val="0"/>
+              </a:spcAft>
+              <a:defRPr sz="2400">
+                <a:solidFill>
+                  <a:schemeClr val="tx1"/>
+                </a:solidFill>
+                <a:latin typeface="Arial" charset="0"/>
+                <a:ea typeface="Arial" charset="0"/>
+                <a:cs typeface="Arial" charset="0"/>
+              </a:defRPr>
+            </a:lvl8pPr>
+            <a:lvl9pPr marL="3886200" indent="-228600" eaLnBrk="0" fontAlgn="base" hangingPunct="0">
+              <a:spcBef>
+                <a:spcPct val="0"/>
+              </a:spcBef>
+              <a:spcAft>
+                <a:spcPct val="0"/>
+              </a:spcAft>
+              <a:defRPr sz="2400">
+                <a:solidFill>
+                  <a:schemeClr val="tx1"/>
+                </a:solidFill>
+                <a:latin typeface="Arial" charset="0"/>
+                <a:ea typeface="Arial" charset="0"/>
+                <a:cs typeface="Arial" charset="0"/>
+              </a:defRPr>
+            </a:lvl9pPr>
+          </a:lstStyle>
+          <a:p>
+            <a:fld id="{F629D9C0-C22E-F44B-A6AF-27613754447D}" type="slidenum">
+              <a:rPr lang="en-US" sz="1400">
+                <a:solidFill>
+                  <a:schemeClr val="bg1"/>
+                </a:solidFill>
+                <a:latin typeface="Calibri Regular" charset="0"/>
+                <a:cs typeface="Calibri Regular" charset="0"/>
+              </a:rPr>
+              <a:pPr/>
+              <a:t>10</a:t>
+            </a:fld>
+            <a:endParaRPr lang="en-US" sz="1400" dirty="0">
+              <a:solidFill>
+                <a:schemeClr val="bg1"/>
+              </a:solidFill>
+              <a:latin typeface="Calibri Regular" charset="0"/>
+              <a:cs typeface="Calibri Regular" charset="0"/>
+            </a:endParaRPr>
+          </a:p>
+        </p:txBody>
+      </p:sp>
+    </p:spTree>
+    <p:extLst>
+      <p:ext uri="{BB962C8B-B14F-4D97-AF65-F5344CB8AC3E}">
+        <p14:creationId xmlns:p14="http://schemas.microsoft.com/office/powerpoint/2010/main" val="3194561964"/>
+      </p:ext>
+    </p:extLst>
+  </p:cSld>
+  <p:clrMapOvr>
+    <a:masterClrMapping/>
+  </p:clrMapOvr>
+</p:sld>
+</file>
+
+<file path=ppt/slides/slide11.xml><?xml version="1.0" encoding="utf-8"?>
+<p:sld xmlns:a="http://schemas.openxmlformats.org/drawingml/2006/main" xmlns:r="http://schemas.openxmlformats.org/officeDocument/2006/relationships" xmlns:p="http://schemas.openxmlformats.org/presentationml/2006/main">
+  <p:cSld>
+    <p:spTree>
+      <p:nvGrpSpPr>
+        <p:cNvPr id="1" name=""/>
+        <p:cNvGrpSpPr/>
+        <p:nvPr/>
+      </p:nvGrpSpPr>
+      <p:grpSpPr>
+        <a:xfrm>
+          <a:off x="0" y="0"/>
+          <a:ext cx="0" cy="0"/>
+          <a:chOff x="0" y="0"/>
+          <a:chExt cx="0" cy="0"/>
+        </a:xfrm>
+      </p:grpSpPr>
+      <p:sp>
+        <p:nvSpPr>
+          <p:cNvPr id="16386" name="Title 1"/>
+          <p:cNvSpPr>
+            <a:spLocks noGrp="1"/>
+          </p:cNvSpPr>
+          <p:nvPr>
+            <p:ph type="title"/>
+          </p:nvPr>
+        </p:nvSpPr>
+        <p:spPr/>
+        <p:txBody>
+          <a:bodyPr/>
+          <a:lstStyle/>
+          <a:p>
+            <a:r>
+              <a:rPr lang="en-US" b="1" dirty="0">
+                <a:cs typeface="Calibri Regular" charset="0"/>
+              </a:rPr>
+              <a:t>Example: People with just boys</a:t>
+            </a:r>
+          </a:p>
+        </p:txBody>
+      </p:sp>
+      <p:sp>
+        <p:nvSpPr>
+          <p:cNvPr id="16388" name="Rectangle 6"/>
+          <p:cNvSpPr>
+            <a:spLocks noChangeArrowheads="1"/>
+          </p:cNvSpPr>
+          <p:nvPr/>
+        </p:nvSpPr>
+        <p:spPr bwMode="auto">
+          <a:xfrm>
+            <a:off x="805458" y="3283903"/>
+            <a:ext cx="7533084" cy="1964512"/>
+          </a:xfrm>
+          <a:prstGeom prst="rect">
+            <a:avLst/>
+          </a:prstGeom>
+          <a:noFill/>
+          <a:ln>
+            <a:noFill/>
+          </a:ln>
+          <a:extLst>
+            <a:ext uri="{909E8E84-426E-40dd-AFC4-6F175D3DCCD1}">
+              <a14:hiddenFill xmlns:a14="http://schemas.microsoft.com/office/drawing/2010/main" xmlns="">
+                <a:solidFill>
+                  <a:srgbClr val="FFFFFF"/>
+                </a:solidFill>
+              </a14:hiddenFill>
+            </a:ext>
+            <a:ext uri="{91240B29-F687-4f45-9708-019B960494DF}">
+              <a14:hiddenLine xmlns:a14="http://schemas.microsoft.com/office/drawing/2010/main" xmlns="" w="9525">
+                <a:solidFill>
+                  <a:srgbClr val="000000"/>
+                </a:solidFill>
+                <a:miter lim="800000"/>
+                <a:headEnd/>
+                <a:tailEnd/>
+              </a14:hiddenLine>
+            </a:ext>
+          </a:extLst>
+        </p:spPr>
+        <p:txBody>
+          <a:bodyPr wrap="square">
+            <a:spAutoFit/>
+          </a:bodyPr>
+          <a:lstStyle/>
+          <a:p>
+            <a:pPr eaLnBrk="0" hangingPunct="0">
+              <a:lnSpc>
+                <a:spcPct val="110000"/>
+              </a:lnSpc>
+            </a:pPr>
+            <a:r>
+              <a:rPr lang="en-US" sz="2800" dirty="0">
+                <a:solidFill>
+                  <a:srgbClr val="000000"/>
+                </a:solidFill>
+                <a:latin typeface="Calibri" panose="020F0502020204030204" pitchFamily="34" charset="0"/>
+                <a:cs typeface="Calibri" panose="020F0502020204030204" pitchFamily="34" charset="0"/>
+              </a:rPr>
+              <a:t>Define as the union of three classes</a:t>
+            </a:r>
+          </a:p>
+          <a:p>
+            <a:pPr marL="514350" indent="-514350" eaLnBrk="0" hangingPunct="0">
+              <a:lnSpc>
+                <a:spcPct val="110000"/>
+              </a:lnSpc>
+              <a:buFont typeface="+mj-lt"/>
+              <a:buAutoNum type="arabicPeriod"/>
+            </a:pPr>
+            <a:r>
+              <a:rPr lang="en-US" sz="2800" dirty="0">
+                <a:solidFill>
+                  <a:srgbClr val="000000"/>
+                </a:solidFill>
+                <a:latin typeface="Calibri" panose="020F0502020204030204" pitchFamily="34" charset="0"/>
+                <a:cs typeface="Calibri" panose="020F0502020204030204" pitchFamily="34" charset="0"/>
+              </a:rPr>
+              <a:t>Person</a:t>
+            </a:r>
+          </a:p>
+          <a:p>
+            <a:pPr marL="514350" indent="-514350" eaLnBrk="0" hangingPunct="0">
+              <a:lnSpc>
+                <a:spcPct val="110000"/>
+              </a:lnSpc>
+              <a:buFont typeface="+mj-lt"/>
+              <a:buAutoNum type="arabicPeriod"/>
+            </a:pPr>
+            <a:r>
+              <a:rPr lang="en-US" sz="2800" dirty="0">
+                <a:solidFill>
+                  <a:srgbClr val="000000"/>
+                </a:solidFill>
+                <a:latin typeface="Calibri" panose="020F0502020204030204" pitchFamily="34" charset="0"/>
+                <a:cs typeface="Calibri" panose="020F0502020204030204" pitchFamily="34" charset="0"/>
+              </a:rPr>
+              <a:t>Things that have children</a:t>
+            </a:r>
+          </a:p>
+          <a:p>
+            <a:pPr marL="514350" indent="-514350" eaLnBrk="0" hangingPunct="0">
+              <a:lnSpc>
+                <a:spcPct val="110000"/>
+              </a:lnSpc>
+              <a:buFont typeface="+mj-lt"/>
+              <a:buAutoNum type="arabicPeriod"/>
+            </a:pPr>
+            <a:r>
+              <a:rPr lang="en-US" sz="2800" dirty="0">
+                <a:solidFill>
+                  <a:srgbClr val="000000"/>
+                </a:solidFill>
+                <a:latin typeface="Calibri" panose="020F0502020204030204" pitchFamily="34" charset="0"/>
+                <a:cs typeface="Calibri" panose="020F0502020204030204" pitchFamily="34" charset="0"/>
+              </a:rPr>
+              <a:t>Things where all of their children are mail</a:t>
+            </a:r>
+            <a:endParaRPr lang="en-US" sz="2800" dirty="0">
+              <a:latin typeface="Calibri" panose="020F0502020204030204" pitchFamily="34" charset="0"/>
+              <a:cs typeface="Calibri" panose="020F0502020204030204" pitchFamily="34" charset="0"/>
+            </a:endParaRPr>
+          </a:p>
+        </p:txBody>
+      </p:sp>
+      <p:sp>
+        <p:nvSpPr>
+          <p:cNvPr id="8" name="Rectangle 7"/>
+          <p:cNvSpPr>
+            <a:spLocks noChangeArrowheads="1"/>
+          </p:cNvSpPr>
+          <p:nvPr/>
+        </p:nvSpPr>
+        <p:spPr bwMode="auto">
+          <a:xfrm>
+            <a:off x="708509" y="1569175"/>
+            <a:ext cx="7726982" cy="1077218"/>
+          </a:xfrm>
+          <a:prstGeom prst="rect">
+            <a:avLst/>
+          </a:prstGeom>
+          <a:noFill/>
+          <a:ln>
+            <a:noFill/>
+          </a:ln>
+          <a:extLst>
+            <a:ext uri="{909E8E84-426E-40dd-AFC4-6F175D3DCCD1}">
+              <a14:hiddenFill xmlns:a14="http://schemas.microsoft.com/office/drawing/2010/main" xmlns="">
+                <a:solidFill>
+                  <a:srgbClr val="FFFFFF"/>
+                </a:solidFill>
+              </a14:hiddenFill>
+            </a:ext>
+            <a:ext uri="{91240B29-F687-4f45-9708-019B960494DF}">
+              <a14:hiddenLine xmlns:a14="http://schemas.microsoft.com/office/drawing/2010/main" xmlns="" w="9525">
+                <a:solidFill>
+                  <a:srgbClr val="000000"/>
+                </a:solidFill>
+                <a:miter lim="800000"/>
+                <a:headEnd/>
+                <a:tailEnd/>
+              </a14:hiddenLine>
+            </a:ext>
+          </a:extLst>
+        </p:spPr>
+        <p:txBody>
+          <a:bodyPr wrap="square">
+            <a:spAutoFit/>
+          </a:bodyPr>
+          <a:lstStyle/>
+          <a:p>
+            <a:pPr eaLnBrk="0" hangingPunct="0"/>
+            <a:r>
+              <a:rPr lang="en-US" sz="3200" dirty="0">
+                <a:solidFill>
+                  <a:srgbClr val="000000"/>
+                </a:solidFill>
+                <a:latin typeface="Calibri Regular" charset="0"/>
+              </a:rPr>
+              <a:t>How can we define a class that is people who have children and all of them are male?</a:t>
+            </a:r>
+          </a:p>
+        </p:txBody>
+      </p:sp>
+      <p:sp>
+        <p:nvSpPr>
+          <p:cNvPr id="16391" name="Slide Number Placeholder 9"/>
+          <p:cNvSpPr>
+            <a:spLocks noGrp="1"/>
+          </p:cNvSpPr>
+          <p:nvPr>
+            <p:ph type="sldNum" sz="quarter" idx="4294967295"/>
+          </p:nvPr>
+        </p:nvSpPr>
+        <p:spPr>
+          <a:xfrm>
+            <a:off x="6705600" y="6477000"/>
+            <a:ext cx="1905000" cy="228600"/>
+          </a:xfrm>
+          <a:prstGeom prst="rect">
+            <a:avLst/>
+          </a:prstGeom>
+          <a:noFill/>
+          <a:ln/>
+          <a:extLst>
+            <a:ext uri="{909E8E84-426E-40dd-AFC4-6F175D3DCCD1}">
+              <a14:hiddenFill xmlns:a14="http://schemas.microsoft.com/office/drawing/2010/main" xmlns="">
+                <a:solidFill>
+                  <a:srgbClr val="FFFFFF"/>
+                </a:solidFill>
+              </a14:hiddenFill>
+            </a:ext>
+            <a:ext uri="{91240B29-F687-4f45-9708-019B960494DF}">
+              <a14:hiddenLine xmlns:a14="http://schemas.microsoft.com/office/drawing/2010/main" xmlns="" w="9525">
+                <a:solidFill>
+                  <a:srgbClr val="000000"/>
+                </a:solidFill>
+                <a:miter lim="800000"/>
+                <a:headEnd/>
+                <a:tailEnd/>
+              </a14:hiddenLine>
+            </a:ext>
+          </a:extLst>
+        </p:spPr>
+        <p:txBody>
+          <a:bodyPr/>
+          <a:lstStyle>
+            <a:lvl1pPr eaLnBrk="0" hangingPunct="0">
+              <a:defRPr sz="2400">
+                <a:solidFill>
+                  <a:schemeClr val="tx1"/>
+                </a:solidFill>
+                <a:latin typeface="Arial" charset="0"/>
+                <a:ea typeface="ＭＳ Ｐゴシック" charset="0"/>
+                <a:cs typeface="Arial" charset="0"/>
+              </a:defRPr>
+            </a:lvl1pPr>
+            <a:lvl2pPr marL="742950" indent="-285750" eaLnBrk="0" hangingPunct="0">
+              <a:defRPr sz="2400">
+                <a:solidFill>
+                  <a:schemeClr val="tx1"/>
+                </a:solidFill>
+                <a:latin typeface="Arial" charset="0"/>
+                <a:ea typeface="Arial" charset="0"/>
+                <a:cs typeface="Arial" charset="0"/>
+              </a:defRPr>
+            </a:lvl2pPr>
+            <a:lvl3pPr marL="1143000" indent="-228600" eaLnBrk="0" hangingPunct="0">
+              <a:defRPr sz="2400">
+                <a:solidFill>
+                  <a:schemeClr val="tx1"/>
+                </a:solidFill>
+                <a:latin typeface="Arial" charset="0"/>
+                <a:ea typeface="Arial" charset="0"/>
+                <a:cs typeface="Arial" charset="0"/>
+              </a:defRPr>
+            </a:lvl3pPr>
+            <a:lvl4pPr marL="1600200" indent="-228600" eaLnBrk="0" hangingPunct="0">
+              <a:defRPr sz="2400">
+                <a:solidFill>
+                  <a:schemeClr val="tx1"/>
+                </a:solidFill>
+                <a:latin typeface="Arial" charset="0"/>
+                <a:ea typeface="Arial" charset="0"/>
+                <a:cs typeface="Arial" charset="0"/>
+              </a:defRPr>
+            </a:lvl4pPr>
+            <a:lvl5pPr marL="2057400" indent="-228600" eaLnBrk="0" hangingPunct="0">
+              <a:defRPr sz="2400">
+                <a:solidFill>
+                  <a:schemeClr val="tx1"/>
+                </a:solidFill>
+                <a:latin typeface="Arial" charset="0"/>
+                <a:ea typeface="Arial" charset="0"/>
+                <a:cs typeface="Arial" charset="0"/>
+              </a:defRPr>
+            </a:lvl5pPr>
+            <a:lvl6pPr marL="2514600" indent="-228600" eaLnBrk="0" fontAlgn="base" hangingPunct="0">
+              <a:spcBef>
+                <a:spcPct val="0"/>
+              </a:spcBef>
+              <a:spcAft>
+                <a:spcPct val="0"/>
+              </a:spcAft>
+              <a:defRPr sz="2400">
+                <a:solidFill>
+                  <a:schemeClr val="tx1"/>
+                </a:solidFill>
+                <a:latin typeface="Arial" charset="0"/>
+                <a:ea typeface="Arial" charset="0"/>
+                <a:cs typeface="Arial" charset="0"/>
+              </a:defRPr>
+            </a:lvl6pPr>
+            <a:lvl7pPr marL="2971800" indent="-228600" eaLnBrk="0" fontAlgn="base" hangingPunct="0">
+              <a:spcBef>
+                <a:spcPct val="0"/>
+              </a:spcBef>
+              <a:spcAft>
+                <a:spcPct val="0"/>
+              </a:spcAft>
+              <a:defRPr sz="2400">
+                <a:solidFill>
+                  <a:schemeClr val="tx1"/>
+                </a:solidFill>
+                <a:latin typeface="Arial" charset="0"/>
+                <a:ea typeface="Arial" charset="0"/>
+                <a:cs typeface="Arial" charset="0"/>
+              </a:defRPr>
+            </a:lvl7pPr>
+            <a:lvl8pPr marL="3429000" indent="-228600" eaLnBrk="0" fontAlgn="base" hangingPunct="0">
+              <a:spcBef>
+                <a:spcPct val="0"/>
+              </a:spcBef>
+              <a:spcAft>
+                <a:spcPct val="0"/>
+              </a:spcAft>
+              <a:defRPr sz="2400">
+                <a:solidFill>
+                  <a:schemeClr val="tx1"/>
+                </a:solidFill>
+                <a:latin typeface="Arial" charset="0"/>
+                <a:ea typeface="Arial" charset="0"/>
+                <a:cs typeface="Arial" charset="0"/>
+              </a:defRPr>
+            </a:lvl8pPr>
+            <a:lvl9pPr marL="3886200" indent="-228600" eaLnBrk="0" fontAlgn="base" hangingPunct="0">
+              <a:spcBef>
+                <a:spcPct val="0"/>
+              </a:spcBef>
+              <a:spcAft>
+                <a:spcPct val="0"/>
+              </a:spcAft>
+              <a:defRPr sz="2400">
+                <a:solidFill>
+                  <a:schemeClr val="tx1"/>
+                </a:solidFill>
+                <a:latin typeface="Arial" charset="0"/>
+                <a:ea typeface="Arial" charset="0"/>
+                <a:cs typeface="Arial" charset="0"/>
+              </a:defRPr>
+            </a:lvl9pPr>
+          </a:lstStyle>
+          <a:p>
+            <a:fld id="{F629D9C0-C22E-F44B-A6AF-27613754447D}" type="slidenum">
+              <a:rPr lang="en-US" sz="1400">
+                <a:solidFill>
+                  <a:schemeClr val="bg1"/>
+                </a:solidFill>
+                <a:latin typeface="Calibri Regular" charset="0"/>
+                <a:cs typeface="Calibri Regular" charset="0"/>
+              </a:rPr>
+              <a:pPr/>
+              <a:t>11</a:t>
+            </a:fld>
+            <a:endParaRPr lang="en-US" sz="1400" dirty="0">
+              <a:solidFill>
+                <a:schemeClr val="bg1"/>
+              </a:solidFill>
+              <a:latin typeface="Calibri Regular" charset="0"/>
+              <a:cs typeface="Calibri Regular" charset="0"/>
+            </a:endParaRPr>
+          </a:p>
+        </p:txBody>
+      </p:sp>
+    </p:spTree>
+    <p:extLst>
+      <p:ext uri="{BB962C8B-B14F-4D97-AF65-F5344CB8AC3E}">
+        <p14:creationId xmlns:p14="http://schemas.microsoft.com/office/powerpoint/2010/main" val="2811838388"/>
+      </p:ext>
+    </p:extLst>
+  </p:cSld>
+  <p:clrMapOvr>
+    <a:masterClrMapping/>
+  </p:clrMapOvr>
+</p:sld>
+</file>
+
+<file path=ppt/slides/slide12.xml><?xml version="1.0" encoding="utf-8"?>
+<p:sld xmlns:a="http://schemas.openxmlformats.org/drawingml/2006/main" xmlns:r="http://schemas.openxmlformats.org/officeDocument/2006/relationships" xmlns:p="http://schemas.openxmlformats.org/presentationml/2006/main">
+  <p:cSld>
+    <p:spTree>
+      <p:nvGrpSpPr>
+        <p:cNvPr id="1" name=""/>
+        <p:cNvGrpSpPr/>
+        <p:nvPr/>
+      </p:nvGrpSpPr>
+      <p:grpSpPr>
+        <a:xfrm>
+          <a:off x="0" y="0"/>
+          <a:ext cx="0" cy="0"/>
+          <a:chOff x="0" y="0"/>
+          <a:chExt cx="0" cy="0"/>
+        </a:xfrm>
+      </p:grpSpPr>
+      <p:sp>
+        <p:nvSpPr>
+          <p:cNvPr id="16386" name="Title 1"/>
+          <p:cNvSpPr>
+            <a:spLocks noGrp="1"/>
+          </p:cNvSpPr>
+          <p:nvPr>
+            <p:ph type="title"/>
+          </p:nvPr>
+        </p:nvSpPr>
+        <p:spPr/>
+        <p:txBody>
+          <a:bodyPr/>
+          <a:lstStyle/>
+          <a:p>
+            <a:r>
+              <a:rPr lang="en-US" dirty="0">
+                <a:cs typeface="Calibri Regular" charset="0"/>
+              </a:rPr>
+              <a:t>Example: People with just boys</a:t>
+            </a:r>
+            <a:endParaRPr lang="en-US" b="1" dirty="0">
+              <a:cs typeface="Calibri Regular" charset="0"/>
+            </a:endParaRPr>
+          </a:p>
+        </p:txBody>
+      </p:sp>
+      <p:sp>
+        <p:nvSpPr>
+          <p:cNvPr id="16388" name="Rectangle 6"/>
+          <p:cNvSpPr>
+            <a:spLocks noChangeArrowheads="1"/>
+          </p:cNvSpPr>
+          <p:nvPr/>
+        </p:nvSpPr>
+        <p:spPr bwMode="auto">
+          <a:xfrm>
+            <a:off x="805458" y="3283903"/>
+            <a:ext cx="7533084" cy="1964512"/>
+          </a:xfrm>
+          <a:prstGeom prst="rect">
+            <a:avLst/>
+          </a:prstGeom>
+          <a:noFill/>
+          <a:ln>
+            <a:noFill/>
+          </a:ln>
+          <a:extLst>
+            <a:ext uri="{909E8E84-426E-40dd-AFC4-6F175D3DCCD1}">
+              <a14:hiddenFill xmlns:a14="http://schemas.microsoft.com/office/drawing/2010/main" xmlns="">
+                <a:solidFill>
+                  <a:srgbClr val="FFFFFF"/>
+                </a:solidFill>
+              </a14:hiddenFill>
+            </a:ext>
+            <a:ext uri="{91240B29-F687-4f45-9708-019B960494DF}">
+              <a14:hiddenLine xmlns:a14="http://schemas.microsoft.com/office/drawing/2010/main" xmlns="" w="9525">
+                <a:solidFill>
+                  <a:srgbClr val="000000"/>
+                </a:solidFill>
+                <a:miter lim="800000"/>
+                <a:headEnd/>
+                <a:tailEnd/>
+              </a14:hiddenLine>
+            </a:ext>
+          </a:extLst>
+        </p:spPr>
+        <p:txBody>
+          <a:bodyPr wrap="square">
+            <a:spAutoFit/>
+          </a:bodyPr>
+          <a:lstStyle/>
+          <a:p>
+            <a:pPr eaLnBrk="0" hangingPunct="0">
+              <a:lnSpc>
+                <a:spcPct val="110000"/>
+              </a:lnSpc>
+            </a:pPr>
+            <a:r>
+              <a:rPr lang="en-US" sz="2800" dirty="0">
+                <a:solidFill>
+                  <a:srgbClr val="000000"/>
+                </a:solidFill>
+                <a:latin typeface="Calibri" panose="020F0502020204030204" pitchFamily="34" charset="0"/>
+                <a:cs typeface="Calibri" panose="020F0502020204030204" pitchFamily="34" charset="0"/>
+              </a:rPr>
+              <a:t>Define as the union of three classes</a:t>
+            </a:r>
+          </a:p>
+          <a:p>
+            <a:pPr marL="514350" indent="-514350" eaLnBrk="0" hangingPunct="0">
+              <a:lnSpc>
+                <a:spcPct val="110000"/>
+              </a:lnSpc>
+              <a:buFont typeface="+mj-lt"/>
+              <a:buAutoNum type="arabicPeriod"/>
+            </a:pPr>
+            <a:r>
+              <a:rPr lang="en-US" sz="2800" dirty="0">
+                <a:solidFill>
+                  <a:srgbClr val="000000"/>
+                </a:solidFill>
+                <a:latin typeface="Calibri" panose="020F0502020204030204" pitchFamily="34" charset="0"/>
+                <a:cs typeface="Calibri" panose="020F0502020204030204" pitchFamily="34" charset="0"/>
+              </a:rPr>
+              <a:t>Person</a:t>
+            </a:r>
+          </a:p>
+          <a:p>
+            <a:pPr marL="514350" indent="-514350" eaLnBrk="0" hangingPunct="0">
+              <a:lnSpc>
+                <a:spcPct val="110000"/>
+              </a:lnSpc>
+              <a:buFont typeface="+mj-lt"/>
+              <a:buAutoNum type="arabicPeriod"/>
+            </a:pPr>
+            <a:r>
+              <a:rPr lang="en-US" sz="2800" dirty="0">
+                <a:solidFill>
+                  <a:srgbClr val="000000"/>
+                </a:solidFill>
+                <a:latin typeface="Calibri" panose="020F0502020204030204" pitchFamily="34" charset="0"/>
+                <a:cs typeface="Calibri" panose="020F0502020204030204" pitchFamily="34" charset="0"/>
+              </a:rPr>
+              <a:t>Things that have children</a:t>
+            </a:r>
+          </a:p>
+          <a:p>
+            <a:pPr marL="514350" indent="-514350" eaLnBrk="0" hangingPunct="0">
+              <a:lnSpc>
+                <a:spcPct val="110000"/>
+              </a:lnSpc>
+              <a:buFont typeface="+mj-lt"/>
+              <a:buAutoNum type="arabicPeriod"/>
+            </a:pPr>
+            <a:r>
+              <a:rPr lang="en-US" sz="2800" dirty="0">
+                <a:solidFill>
+                  <a:srgbClr val="000000"/>
+                </a:solidFill>
+                <a:latin typeface="Calibri" panose="020F0502020204030204" pitchFamily="34" charset="0"/>
+                <a:cs typeface="Calibri" panose="020F0502020204030204" pitchFamily="34" charset="0"/>
+              </a:rPr>
+              <a:t>Things where all of their children are male</a:t>
+            </a:r>
+            <a:endParaRPr lang="en-US" sz="2800" dirty="0">
+              <a:latin typeface="Calibri" panose="020F0502020204030204" pitchFamily="34" charset="0"/>
+              <a:cs typeface="Calibri" panose="020F0502020204030204" pitchFamily="34" charset="0"/>
+            </a:endParaRPr>
+          </a:p>
+        </p:txBody>
+      </p:sp>
+      <p:sp>
+        <p:nvSpPr>
+          <p:cNvPr id="8" name="Rectangle 7"/>
+          <p:cNvSpPr>
+            <a:spLocks noChangeArrowheads="1"/>
+          </p:cNvSpPr>
+          <p:nvPr/>
+        </p:nvSpPr>
+        <p:spPr bwMode="auto">
+          <a:xfrm>
+            <a:off x="708509" y="1569175"/>
+            <a:ext cx="7726982" cy="1077218"/>
+          </a:xfrm>
+          <a:prstGeom prst="rect">
+            <a:avLst/>
+          </a:prstGeom>
+          <a:noFill/>
+          <a:ln>
+            <a:noFill/>
+          </a:ln>
+          <a:extLst>
+            <a:ext uri="{909E8E84-426E-40dd-AFC4-6F175D3DCCD1}">
+              <a14:hiddenFill xmlns:a14="http://schemas.microsoft.com/office/drawing/2010/main" xmlns="">
+                <a:solidFill>
+                  <a:srgbClr val="FFFFFF"/>
+                </a:solidFill>
+              </a14:hiddenFill>
+            </a:ext>
+            <a:ext uri="{91240B29-F687-4f45-9708-019B960494DF}">
+              <a14:hiddenLine xmlns:a14="http://schemas.microsoft.com/office/drawing/2010/main" xmlns="" w="9525">
+                <a:solidFill>
+                  <a:srgbClr val="000000"/>
+                </a:solidFill>
+                <a:miter lim="800000"/>
+                <a:headEnd/>
+                <a:tailEnd/>
+              </a14:hiddenLine>
+            </a:ext>
+          </a:extLst>
+        </p:spPr>
+        <p:txBody>
+          <a:bodyPr wrap="square">
+            <a:spAutoFit/>
+          </a:bodyPr>
+          <a:lstStyle/>
+          <a:p>
+            <a:pPr eaLnBrk="0" hangingPunct="0"/>
+            <a:r>
+              <a:rPr lang="en-US" sz="3200" dirty="0">
+                <a:solidFill>
+                  <a:srgbClr val="000000"/>
+                </a:solidFill>
+                <a:latin typeface="Calibri Regular" charset="0"/>
+              </a:rPr>
+              <a:t>How can we define a class that is people who have children and all of them are male?</a:t>
+            </a:r>
+          </a:p>
+        </p:txBody>
+      </p:sp>
+      <p:sp>
+        <p:nvSpPr>
+          <p:cNvPr id="16391" name="Slide Number Placeholder 9"/>
+          <p:cNvSpPr>
+            <a:spLocks noGrp="1"/>
+          </p:cNvSpPr>
+          <p:nvPr>
+            <p:ph type="sldNum" sz="quarter" idx="4294967295"/>
+          </p:nvPr>
+        </p:nvSpPr>
+        <p:spPr>
+          <a:xfrm>
+            <a:off x="6705600" y="6477000"/>
+            <a:ext cx="1905000" cy="228600"/>
+          </a:xfrm>
+          <a:prstGeom prst="rect">
+            <a:avLst/>
+          </a:prstGeom>
+          <a:noFill/>
+          <a:ln/>
+          <a:extLst>
+            <a:ext uri="{909E8E84-426E-40dd-AFC4-6F175D3DCCD1}">
+              <a14:hiddenFill xmlns:a14="http://schemas.microsoft.com/office/drawing/2010/main" xmlns="">
+                <a:solidFill>
+                  <a:srgbClr val="FFFFFF"/>
+                </a:solidFill>
+              </a14:hiddenFill>
+            </a:ext>
+            <a:ext uri="{91240B29-F687-4f45-9708-019B960494DF}">
+              <a14:hiddenLine xmlns:a14="http://schemas.microsoft.com/office/drawing/2010/main" xmlns="" w="9525">
+                <a:solidFill>
+                  <a:srgbClr val="000000"/>
+                </a:solidFill>
+                <a:miter lim="800000"/>
+                <a:headEnd/>
+                <a:tailEnd/>
+              </a14:hiddenLine>
+            </a:ext>
+          </a:extLst>
+        </p:spPr>
+        <p:txBody>
+          <a:bodyPr/>
+          <a:lstStyle>
+            <a:lvl1pPr eaLnBrk="0" hangingPunct="0">
+              <a:defRPr sz="2400">
+                <a:solidFill>
+                  <a:schemeClr val="tx1"/>
+                </a:solidFill>
+                <a:latin typeface="Arial" charset="0"/>
+                <a:ea typeface="ＭＳ Ｐゴシック" charset="0"/>
+                <a:cs typeface="Arial" charset="0"/>
+              </a:defRPr>
+            </a:lvl1pPr>
+            <a:lvl2pPr marL="742950" indent="-285750" eaLnBrk="0" hangingPunct="0">
+              <a:defRPr sz="2400">
+                <a:solidFill>
+                  <a:schemeClr val="tx1"/>
+                </a:solidFill>
+                <a:latin typeface="Arial" charset="0"/>
+                <a:ea typeface="Arial" charset="0"/>
+                <a:cs typeface="Arial" charset="0"/>
+              </a:defRPr>
+            </a:lvl2pPr>
+            <a:lvl3pPr marL="1143000" indent="-228600" eaLnBrk="0" hangingPunct="0">
+              <a:defRPr sz="2400">
+                <a:solidFill>
+                  <a:schemeClr val="tx1"/>
+                </a:solidFill>
+                <a:latin typeface="Arial" charset="0"/>
+                <a:ea typeface="Arial" charset="0"/>
+                <a:cs typeface="Arial" charset="0"/>
+              </a:defRPr>
+            </a:lvl3pPr>
+            <a:lvl4pPr marL="1600200" indent="-228600" eaLnBrk="0" hangingPunct="0">
+              <a:defRPr sz="2400">
+                <a:solidFill>
+                  <a:schemeClr val="tx1"/>
+                </a:solidFill>
+                <a:latin typeface="Arial" charset="0"/>
+                <a:ea typeface="Arial" charset="0"/>
+                <a:cs typeface="Arial" charset="0"/>
+              </a:defRPr>
+            </a:lvl4pPr>
+            <a:lvl5pPr marL="2057400" indent="-228600" eaLnBrk="0" hangingPunct="0">
+              <a:defRPr sz="2400">
+                <a:solidFill>
+                  <a:schemeClr val="tx1"/>
+                </a:solidFill>
+                <a:latin typeface="Arial" charset="0"/>
+                <a:ea typeface="Arial" charset="0"/>
+                <a:cs typeface="Arial" charset="0"/>
+              </a:defRPr>
+            </a:lvl5pPr>
+            <a:lvl6pPr marL="2514600" indent="-228600" eaLnBrk="0" fontAlgn="base" hangingPunct="0">
+              <a:spcBef>
+                <a:spcPct val="0"/>
+              </a:spcBef>
+              <a:spcAft>
+                <a:spcPct val="0"/>
+              </a:spcAft>
+              <a:defRPr sz="2400">
+                <a:solidFill>
+                  <a:schemeClr val="tx1"/>
+                </a:solidFill>
+                <a:latin typeface="Arial" charset="0"/>
+                <a:ea typeface="Arial" charset="0"/>
+                <a:cs typeface="Arial" charset="0"/>
+              </a:defRPr>
+            </a:lvl6pPr>
+            <a:lvl7pPr marL="2971800" indent="-228600" eaLnBrk="0" fontAlgn="base" hangingPunct="0">
+              <a:spcBef>
+                <a:spcPct val="0"/>
+              </a:spcBef>
+              <a:spcAft>
+                <a:spcPct val="0"/>
+              </a:spcAft>
+              <a:defRPr sz="2400">
+                <a:solidFill>
+                  <a:schemeClr val="tx1"/>
+                </a:solidFill>
+                <a:latin typeface="Arial" charset="0"/>
+                <a:ea typeface="Arial" charset="0"/>
+                <a:cs typeface="Arial" charset="0"/>
+              </a:defRPr>
+            </a:lvl7pPr>
+            <a:lvl8pPr marL="3429000" indent="-228600" eaLnBrk="0" fontAlgn="base" hangingPunct="0">
+              <a:spcBef>
+                <a:spcPct val="0"/>
+              </a:spcBef>
+              <a:spcAft>
+                <a:spcPct val="0"/>
+              </a:spcAft>
+              <a:defRPr sz="2400">
+                <a:solidFill>
+                  <a:schemeClr val="tx1"/>
+                </a:solidFill>
+                <a:latin typeface="Arial" charset="0"/>
+                <a:ea typeface="Arial" charset="0"/>
+                <a:cs typeface="Arial" charset="0"/>
+              </a:defRPr>
+            </a:lvl8pPr>
+            <a:lvl9pPr marL="3886200" indent="-228600" eaLnBrk="0" fontAlgn="base" hangingPunct="0">
+              <a:spcBef>
+                <a:spcPct val="0"/>
+              </a:spcBef>
+              <a:spcAft>
+                <a:spcPct val="0"/>
+              </a:spcAft>
+              <a:defRPr sz="2400">
+                <a:solidFill>
+                  <a:schemeClr val="tx1"/>
+                </a:solidFill>
+                <a:latin typeface="Arial" charset="0"/>
+                <a:ea typeface="Arial" charset="0"/>
+                <a:cs typeface="Arial" charset="0"/>
+              </a:defRPr>
+            </a:lvl9pPr>
+          </a:lstStyle>
+          <a:p>
+            <a:fld id="{F629D9C0-C22E-F44B-A6AF-27613754447D}" type="slidenum">
+              <a:rPr lang="en-US" sz="1400">
+                <a:solidFill>
+                  <a:schemeClr val="bg1"/>
+                </a:solidFill>
+                <a:latin typeface="Calibri Regular" charset="0"/>
+                <a:cs typeface="Calibri Regular" charset="0"/>
+              </a:rPr>
+              <a:pPr/>
+              <a:t>12</a:t>
+            </a:fld>
+            <a:endParaRPr lang="en-US" sz="1400" dirty="0">
+              <a:solidFill>
+                <a:schemeClr val="bg1"/>
+              </a:solidFill>
+              <a:latin typeface="Calibri Regular" charset="0"/>
+              <a:cs typeface="Calibri Regular" charset="0"/>
+            </a:endParaRPr>
+          </a:p>
+        </p:txBody>
+      </p:sp>
+      <p:sp>
+        <p:nvSpPr>
+          <p:cNvPr id="2" name="Rounded Rectangular Callout 1">
+            <a:extLst>
+              <a:ext uri="{FF2B5EF4-FFF2-40B4-BE49-F238E27FC236}">
+                <a16:creationId xmlns:a16="http://schemas.microsoft.com/office/drawing/2014/main" id="{A0913C18-67F0-6145-9FB6-B6FBDCB172C7}"/>
+              </a:ext>
+            </a:extLst>
+          </p:cNvPr>
+          <p:cNvSpPr/>
+          <p:nvPr/>
+        </p:nvSpPr>
+        <p:spPr>
+          <a:xfrm>
+            <a:off x="6084168" y="2646393"/>
+            <a:ext cx="2735982" cy="784225"/>
+          </a:xfrm>
+          <a:prstGeom prst="wedgeRoundRectCallout">
+            <a:avLst>
+              <a:gd name="adj1" fmla="val -87788"/>
+              <a:gd name="adj2" fmla="val 190568"/>
+              <a:gd name="adj3" fmla="val 16667"/>
+            </a:avLst>
+          </a:prstGeom>
+        </p:spPr>
+        <p:style>
+          <a:lnRef idx="1">
+            <a:schemeClr val="accent1"/>
+          </a:lnRef>
+          <a:fillRef idx="3">
+            <a:schemeClr val="accent1"/>
+          </a:fillRef>
+          <a:effectRef idx="2">
+            <a:schemeClr val="accent1"/>
+          </a:effectRef>
+          <a:fontRef idx="minor">
+            <a:schemeClr val="lt1"/>
+          </a:fontRef>
+        </p:style>
+        <p:txBody>
+          <a:bodyPr rtlCol="0" anchor="ctr"/>
+          <a:lstStyle/>
+          <a:p>
+            <a:pPr algn="ctr"/>
+            <a:r>
+              <a:rPr lang="en-US" sz="1600" dirty="0">
+                <a:solidFill>
+                  <a:schemeClr val="tx1"/>
+                </a:solidFill>
+              </a:rPr>
+              <a:t>An  </a:t>
+            </a:r>
+            <a:r>
+              <a:rPr lang="en-US" sz="1600" b="1" dirty="0" err="1">
+                <a:solidFill>
+                  <a:schemeClr val="tx1"/>
+                </a:solidFill>
+              </a:rPr>
+              <a:t>owl</a:t>
+            </a:r>
+            <a:r>
+              <a:rPr lang="en-US" sz="1600" dirty="0" err="1">
+                <a:solidFill>
+                  <a:schemeClr val="tx1"/>
+                </a:solidFill>
+              </a:rPr>
+              <a:t>:someValuesFrom</a:t>
+            </a:r>
+            <a:r>
+              <a:rPr lang="en-US" sz="1600" dirty="0">
+                <a:solidFill>
+                  <a:schemeClr val="tx1"/>
+                </a:solidFill>
+              </a:rPr>
+              <a:t> restriction on </a:t>
+            </a:r>
+            <a:r>
+              <a:rPr lang="en-US" sz="1600" dirty="0" err="1">
+                <a:solidFill>
+                  <a:schemeClr val="tx1"/>
+                </a:solidFill>
+              </a:rPr>
+              <a:t>hasChild</a:t>
+            </a:r>
+            <a:r>
+              <a:rPr lang="en-US" sz="1600" dirty="0">
+                <a:solidFill>
+                  <a:schemeClr val="tx1"/>
+                </a:solidFill>
+              </a:rPr>
+              <a:t> property</a:t>
+            </a:r>
+          </a:p>
+        </p:txBody>
+      </p:sp>
+      <p:sp>
+        <p:nvSpPr>
+          <p:cNvPr id="7" name="Rounded Rectangular Callout 6">
+            <a:extLst>
+              <a:ext uri="{FF2B5EF4-FFF2-40B4-BE49-F238E27FC236}">
+                <a16:creationId xmlns:a16="http://schemas.microsoft.com/office/drawing/2014/main" id="{06B38E66-1A2B-E641-AC24-0CD39C01E903}"/>
+              </a:ext>
+            </a:extLst>
+          </p:cNvPr>
+          <p:cNvSpPr/>
+          <p:nvPr/>
+        </p:nvSpPr>
+        <p:spPr>
+          <a:xfrm>
+            <a:off x="4932040" y="5813425"/>
+            <a:ext cx="2726060" cy="784225"/>
+          </a:xfrm>
+          <a:prstGeom prst="wedgeRoundRectCallout">
+            <a:avLst>
+              <a:gd name="adj1" fmla="val 38544"/>
+              <a:gd name="adj2" fmla="val -137090"/>
+              <a:gd name="adj3" fmla="val 16667"/>
+            </a:avLst>
+          </a:prstGeom>
+        </p:spPr>
+        <p:style>
+          <a:lnRef idx="1">
+            <a:schemeClr val="accent1"/>
+          </a:lnRef>
+          <a:fillRef idx="3">
+            <a:schemeClr val="accent1"/>
+          </a:fillRef>
+          <a:effectRef idx="2">
+            <a:schemeClr val="accent1"/>
+          </a:effectRef>
+          <a:fontRef idx="minor">
+            <a:schemeClr val="lt1"/>
+          </a:fontRef>
+        </p:style>
+        <p:txBody>
+          <a:bodyPr rtlCol="0" anchor="ctr"/>
+          <a:lstStyle/>
+          <a:p>
+            <a:pPr algn="ctr"/>
+            <a:r>
+              <a:rPr lang="en-US" sz="1600" dirty="0">
+                <a:solidFill>
+                  <a:schemeClr val="tx1"/>
+                </a:solidFill>
+              </a:rPr>
+              <a:t>An  </a:t>
+            </a:r>
+            <a:r>
+              <a:rPr lang="en-US" sz="1600" b="1" dirty="0" err="1">
+                <a:solidFill>
+                  <a:schemeClr val="tx1"/>
+                </a:solidFill>
+              </a:rPr>
+              <a:t>owl</a:t>
+            </a:r>
+            <a:r>
+              <a:rPr lang="en-US" sz="1600" dirty="0" err="1">
+                <a:solidFill>
+                  <a:schemeClr val="tx1"/>
+                </a:solidFill>
+              </a:rPr>
+              <a:t>:allValuesFrom</a:t>
+            </a:r>
+            <a:r>
+              <a:rPr lang="en-US" sz="1600" dirty="0">
+                <a:solidFill>
+                  <a:schemeClr val="tx1"/>
+                </a:solidFill>
+              </a:rPr>
+              <a:t> restriction on </a:t>
+            </a:r>
+            <a:r>
+              <a:rPr lang="en-US" sz="1600" dirty="0" err="1">
+                <a:solidFill>
+                  <a:schemeClr val="tx1"/>
+                </a:solidFill>
+              </a:rPr>
+              <a:t>hasChild</a:t>
+            </a:r>
+            <a:r>
+              <a:rPr lang="en-US" sz="1600" dirty="0">
+                <a:solidFill>
+                  <a:schemeClr val="tx1"/>
+                </a:solidFill>
+              </a:rPr>
+              <a:t> property</a:t>
+            </a:r>
+          </a:p>
+        </p:txBody>
+      </p:sp>
+    </p:spTree>
+    <p:extLst>
+      <p:ext uri="{BB962C8B-B14F-4D97-AF65-F5344CB8AC3E}">
+        <p14:creationId xmlns:p14="http://schemas.microsoft.com/office/powerpoint/2010/main" val="2368646275"/>
+      </p:ext>
+    </p:extLst>
+  </p:cSld>
+  <p:clrMapOvr>
+    <a:masterClrMapping/>
+  </p:clrMapOvr>
+</p:sld>
+</file>
+
+<file path=ppt/slides/slide13.xml><?xml version="1.0" encoding="utf-8"?>
+<p:sld xmlns:a="http://schemas.openxmlformats.org/drawingml/2006/main" xmlns:r="http://schemas.openxmlformats.org/officeDocument/2006/relationships" xmlns:p="http://schemas.openxmlformats.org/presentationml/2006/main">
+  <p:cSld>
+    <p:spTree>
+      <p:nvGrpSpPr>
+        <p:cNvPr id="1" name=""/>
+        <p:cNvGrpSpPr/>
+        <p:nvPr/>
+      </p:nvGrpSpPr>
+      <p:grpSpPr>
+        <a:xfrm>
+          <a:off x="0" y="0"/>
+          <a:ext cx="0" cy="0"/>
+          <a:chOff x="0" y="0"/>
+          <a:chExt cx="0" cy="0"/>
+        </a:xfrm>
+      </p:grpSpPr>
+      <p:sp>
+        <p:nvSpPr>
+          <p:cNvPr id="16386" name="Title 1"/>
+          <p:cNvSpPr>
+            <a:spLocks noGrp="1"/>
+          </p:cNvSpPr>
+          <p:nvPr>
+            <p:ph type="title"/>
+          </p:nvPr>
+        </p:nvSpPr>
+        <p:spPr/>
+        <p:txBody>
+          <a:bodyPr/>
+          <a:lstStyle/>
+          <a:p>
+            <a:r>
+              <a:rPr lang="en-US" dirty="0">
+                <a:cs typeface="Calibri Regular" charset="0"/>
+              </a:rPr>
+              <a:t>Example: People with just boys</a:t>
+            </a:r>
+            <a:endParaRPr lang="en-US" b="1" dirty="0">
+              <a:cs typeface="Calibri Regular" charset="0"/>
+            </a:endParaRPr>
+          </a:p>
+        </p:txBody>
+      </p:sp>
+      <p:sp>
+        <p:nvSpPr>
+          <p:cNvPr id="16388" name="Rectangle 6"/>
+          <p:cNvSpPr>
+            <a:spLocks noChangeArrowheads="1"/>
+          </p:cNvSpPr>
+          <p:nvPr/>
+        </p:nvSpPr>
+        <p:spPr bwMode="auto">
+          <a:xfrm>
+            <a:off x="805458" y="3283903"/>
+            <a:ext cx="7533084" cy="1503489"/>
+          </a:xfrm>
+          <a:prstGeom prst="rect">
+            <a:avLst/>
+          </a:prstGeom>
+          <a:noFill/>
+          <a:ln>
+            <a:noFill/>
+          </a:ln>
+          <a:extLst>
+            <a:ext uri="{909E8E84-426E-40dd-AFC4-6F175D3DCCD1}">
+              <a14:hiddenFill xmlns:a14="http://schemas.microsoft.com/office/drawing/2010/main" xmlns="">
+                <a:solidFill>
+                  <a:srgbClr val="FFFFFF"/>
+                </a:solidFill>
+              </a14:hiddenFill>
+            </a:ext>
+            <a:ext uri="{91240B29-F687-4f45-9708-019B960494DF}">
+              <a14:hiddenLine xmlns:a14="http://schemas.microsoft.com/office/drawing/2010/main" xmlns="" w="9525">
+                <a:solidFill>
+                  <a:srgbClr val="000000"/>
+                </a:solidFill>
+                <a:miter lim="800000"/>
+                <a:headEnd/>
+                <a:tailEnd/>
+              </a14:hiddenLine>
+            </a:ext>
+          </a:extLst>
+        </p:spPr>
+        <p:txBody>
+          <a:bodyPr wrap="square">
+            <a:spAutoFit/>
+          </a:bodyPr>
+          <a:lstStyle/>
+          <a:p>
+            <a:pPr eaLnBrk="0" hangingPunct="0">
+              <a:lnSpc>
+                <a:spcPct val="110000"/>
+              </a:lnSpc>
+            </a:pPr>
+            <a:r>
+              <a:rPr lang="en-US" sz="2800" b="1" dirty="0">
+                <a:solidFill>
+                  <a:srgbClr val="000000"/>
+                </a:solidFill>
+                <a:latin typeface="Courier New" charset="0"/>
+              </a:rPr>
+              <a:t>Person </a:t>
+            </a:r>
+            <a:r>
+              <a:rPr lang="en-US" sz="2800" b="1" dirty="0">
+                <a:solidFill>
+                  <a:srgbClr val="00B2B2"/>
+                </a:solidFill>
+                <a:latin typeface="Courier New" charset="0"/>
+              </a:rPr>
+              <a:t>and</a:t>
+            </a:r>
+            <a:r>
+              <a:rPr lang="en-US" sz="2800" b="1" dirty="0">
+                <a:solidFill>
+                  <a:srgbClr val="000000"/>
+                </a:solidFill>
+                <a:latin typeface="Courier New" charset="0"/>
+              </a:rPr>
+              <a:t> </a:t>
+            </a:r>
+          </a:p>
+          <a:p>
+            <a:pPr eaLnBrk="0" hangingPunct="0">
+              <a:lnSpc>
+                <a:spcPct val="110000"/>
+              </a:lnSpc>
+            </a:pPr>
+            <a:r>
+              <a:rPr lang="en-US" sz="2800" b="1" dirty="0">
+                <a:solidFill>
+                  <a:srgbClr val="000000"/>
+                </a:solidFill>
+                <a:latin typeface="Courier New" charset="0"/>
+              </a:rPr>
+              <a:t>  (</a:t>
+            </a:r>
+            <a:r>
+              <a:rPr lang="en-US" sz="2800" b="1" dirty="0" err="1">
+                <a:solidFill>
+                  <a:srgbClr val="000000"/>
+                </a:solidFill>
+                <a:latin typeface="Courier New" charset="0"/>
+              </a:rPr>
+              <a:t>hasChild</a:t>
+            </a:r>
+            <a:r>
+              <a:rPr lang="en-US" sz="2800" b="1" dirty="0">
+                <a:solidFill>
+                  <a:srgbClr val="000000"/>
+                </a:solidFill>
+                <a:latin typeface="Courier New" charset="0"/>
+              </a:rPr>
+              <a:t> </a:t>
+            </a:r>
+            <a:r>
+              <a:rPr lang="en-US" sz="2800" b="1" dirty="0">
+                <a:solidFill>
+                  <a:srgbClr val="B200B2"/>
+                </a:solidFill>
+                <a:latin typeface="Courier New" charset="0"/>
+              </a:rPr>
+              <a:t>only</a:t>
+            </a:r>
+            <a:r>
+              <a:rPr lang="en-US" sz="2800" b="1" dirty="0">
+                <a:solidFill>
+                  <a:srgbClr val="000000"/>
+                </a:solidFill>
+                <a:latin typeface="Courier New" charset="0"/>
+              </a:rPr>
+              <a:t> Man)</a:t>
+            </a:r>
+            <a:r>
+              <a:rPr lang="en-US" sz="2800" b="1" dirty="0">
+                <a:solidFill>
+                  <a:srgbClr val="00B2B2"/>
+                </a:solidFill>
+                <a:latin typeface="Courier New" charset="0"/>
+              </a:rPr>
+              <a:t>and</a:t>
+            </a:r>
+            <a:r>
+              <a:rPr lang="en-US" sz="2800" b="1" dirty="0">
+                <a:solidFill>
+                  <a:srgbClr val="000000"/>
+                </a:solidFill>
+                <a:latin typeface="Courier New" charset="0"/>
+              </a:rPr>
+              <a:t> </a:t>
+            </a:r>
+          </a:p>
+          <a:p>
+            <a:pPr eaLnBrk="0" hangingPunct="0">
+              <a:lnSpc>
+                <a:spcPct val="110000"/>
+              </a:lnSpc>
+            </a:pPr>
+            <a:r>
+              <a:rPr lang="en-US" sz="2800" b="1" dirty="0">
+                <a:solidFill>
+                  <a:srgbClr val="000000"/>
+                </a:solidFill>
+                <a:latin typeface="Courier New" charset="0"/>
+              </a:rPr>
+              <a:t>  (</a:t>
+            </a:r>
+            <a:r>
+              <a:rPr lang="en-US" sz="2800" b="1" dirty="0" err="1">
+                <a:solidFill>
+                  <a:srgbClr val="000000"/>
+                </a:solidFill>
+                <a:latin typeface="Courier New" charset="0"/>
+              </a:rPr>
+              <a:t>hasChild</a:t>
+            </a:r>
+            <a:r>
+              <a:rPr lang="en-US" sz="2800" b="1" dirty="0">
+                <a:solidFill>
+                  <a:srgbClr val="000000"/>
+                </a:solidFill>
+                <a:latin typeface="Courier New" charset="0"/>
+              </a:rPr>
+              <a:t> </a:t>
+            </a:r>
+            <a:r>
+              <a:rPr lang="en-US" sz="2800" b="1" dirty="0">
+                <a:solidFill>
+                  <a:srgbClr val="B200B2"/>
+                </a:solidFill>
+                <a:latin typeface="Courier New" charset="0"/>
+              </a:rPr>
+              <a:t>some</a:t>
+            </a:r>
+            <a:r>
+              <a:rPr lang="en-US" sz="2800" b="1" dirty="0">
+                <a:solidFill>
+                  <a:srgbClr val="000000"/>
+                </a:solidFill>
+                <a:latin typeface="Courier New" charset="0"/>
+              </a:rPr>
+              <a:t> Person)</a:t>
+            </a:r>
+            <a:endParaRPr lang="en-US" sz="2800" b="1" dirty="0">
+              <a:latin typeface="Calibri Regular" charset="0"/>
+            </a:endParaRPr>
+          </a:p>
+        </p:txBody>
+      </p:sp>
+      <p:sp>
+        <p:nvSpPr>
+          <p:cNvPr id="8" name="Rectangle 7"/>
+          <p:cNvSpPr>
+            <a:spLocks noChangeArrowheads="1"/>
+          </p:cNvSpPr>
+          <p:nvPr/>
+        </p:nvSpPr>
+        <p:spPr bwMode="auto">
+          <a:xfrm>
+            <a:off x="708509" y="1569175"/>
+            <a:ext cx="7726982" cy="1077218"/>
+          </a:xfrm>
+          <a:prstGeom prst="rect">
+            <a:avLst/>
+          </a:prstGeom>
+          <a:noFill/>
+          <a:ln>
+            <a:noFill/>
+          </a:ln>
+          <a:extLst>
+            <a:ext uri="{909E8E84-426E-40dd-AFC4-6F175D3DCCD1}">
+              <a14:hiddenFill xmlns:a14="http://schemas.microsoft.com/office/drawing/2010/main" xmlns="">
+                <a:solidFill>
+                  <a:srgbClr val="FFFFFF"/>
+                </a:solidFill>
+              </a14:hiddenFill>
+            </a:ext>
+            <a:ext uri="{91240B29-F687-4f45-9708-019B960494DF}">
+              <a14:hiddenLine xmlns:a14="http://schemas.microsoft.com/office/drawing/2010/main" xmlns="" w="9525">
+                <a:solidFill>
+                  <a:srgbClr val="000000"/>
+                </a:solidFill>
+                <a:miter lim="800000"/>
+                <a:headEnd/>
+                <a:tailEnd/>
+              </a14:hiddenLine>
+            </a:ext>
+          </a:extLst>
+        </p:spPr>
+        <p:txBody>
+          <a:bodyPr wrap="square">
+            <a:spAutoFit/>
+          </a:bodyPr>
+          <a:lstStyle/>
+          <a:p>
+            <a:pPr eaLnBrk="0" hangingPunct="0"/>
+            <a:r>
+              <a:rPr lang="en-US" sz="3200" dirty="0">
+                <a:solidFill>
+                  <a:srgbClr val="000000"/>
+                </a:solidFill>
+                <a:latin typeface="Calibri Regular" charset="0"/>
+              </a:rPr>
+              <a:t>How can we define a class that is people who have children and all of them are male?</a:t>
+            </a:r>
+          </a:p>
+        </p:txBody>
+      </p:sp>
+      <p:sp>
+        <p:nvSpPr>
+          <p:cNvPr id="16391" name="Slide Number Placeholder 9"/>
+          <p:cNvSpPr>
+            <a:spLocks noGrp="1"/>
+          </p:cNvSpPr>
+          <p:nvPr>
+            <p:ph type="sldNum" sz="quarter" idx="4294967295"/>
+          </p:nvPr>
+        </p:nvSpPr>
+        <p:spPr>
+          <a:xfrm>
+            <a:off x="6705600" y="6477000"/>
+            <a:ext cx="1905000" cy="228600"/>
+          </a:xfrm>
+          <a:prstGeom prst="rect">
+            <a:avLst/>
+          </a:prstGeom>
+          <a:noFill/>
+          <a:ln/>
+          <a:extLst>
+            <a:ext uri="{909E8E84-426E-40dd-AFC4-6F175D3DCCD1}">
+              <a14:hiddenFill xmlns:a14="http://schemas.microsoft.com/office/drawing/2010/main" xmlns="">
+                <a:solidFill>
+                  <a:srgbClr val="FFFFFF"/>
+                </a:solidFill>
+              </a14:hiddenFill>
+            </a:ext>
+            <a:ext uri="{91240B29-F687-4f45-9708-019B960494DF}">
+              <a14:hiddenLine xmlns:a14="http://schemas.microsoft.com/office/drawing/2010/main" xmlns="" w="9525">
+                <a:solidFill>
+                  <a:srgbClr val="000000"/>
+                </a:solidFill>
+                <a:miter lim="800000"/>
+                <a:headEnd/>
+                <a:tailEnd/>
+              </a14:hiddenLine>
+            </a:ext>
+          </a:extLst>
+        </p:spPr>
+        <p:txBody>
+          <a:bodyPr/>
+          <a:lstStyle>
+            <a:lvl1pPr eaLnBrk="0" hangingPunct="0">
+              <a:defRPr sz="2400">
+                <a:solidFill>
+                  <a:schemeClr val="tx1"/>
+                </a:solidFill>
+                <a:latin typeface="Arial" charset="0"/>
+                <a:ea typeface="ＭＳ Ｐゴシック" charset="0"/>
+                <a:cs typeface="Arial" charset="0"/>
+              </a:defRPr>
+            </a:lvl1pPr>
+            <a:lvl2pPr marL="742950" indent="-285750" eaLnBrk="0" hangingPunct="0">
+              <a:defRPr sz="2400">
+                <a:solidFill>
+                  <a:schemeClr val="tx1"/>
+                </a:solidFill>
+                <a:latin typeface="Arial" charset="0"/>
+                <a:ea typeface="Arial" charset="0"/>
+                <a:cs typeface="Arial" charset="0"/>
+              </a:defRPr>
+            </a:lvl2pPr>
+            <a:lvl3pPr marL="1143000" indent="-228600" eaLnBrk="0" hangingPunct="0">
+              <a:defRPr sz="2400">
+                <a:solidFill>
+                  <a:schemeClr val="tx1"/>
+                </a:solidFill>
+                <a:latin typeface="Arial" charset="0"/>
+                <a:ea typeface="Arial" charset="0"/>
+                <a:cs typeface="Arial" charset="0"/>
+              </a:defRPr>
+            </a:lvl3pPr>
+            <a:lvl4pPr marL="1600200" indent="-228600" eaLnBrk="0" hangingPunct="0">
+              <a:defRPr sz="2400">
+                <a:solidFill>
+                  <a:schemeClr val="tx1"/>
+                </a:solidFill>
+                <a:latin typeface="Arial" charset="0"/>
+                <a:ea typeface="Arial" charset="0"/>
+                <a:cs typeface="Arial" charset="0"/>
+              </a:defRPr>
+            </a:lvl4pPr>
+            <a:lvl5pPr marL="2057400" indent="-228600" eaLnBrk="0" hangingPunct="0">
+              <a:defRPr sz="2400">
+                <a:solidFill>
+                  <a:schemeClr val="tx1"/>
+                </a:solidFill>
+                <a:latin typeface="Arial" charset="0"/>
+                <a:ea typeface="Arial" charset="0"/>
+                <a:cs typeface="Arial" charset="0"/>
+              </a:defRPr>
+            </a:lvl5pPr>
+            <a:lvl6pPr marL="2514600" indent="-228600" eaLnBrk="0" fontAlgn="base" hangingPunct="0">
+              <a:spcBef>
+                <a:spcPct val="0"/>
+              </a:spcBef>
+              <a:spcAft>
+                <a:spcPct val="0"/>
+              </a:spcAft>
+              <a:defRPr sz="2400">
+                <a:solidFill>
+                  <a:schemeClr val="tx1"/>
+                </a:solidFill>
+                <a:latin typeface="Arial" charset="0"/>
+                <a:ea typeface="Arial" charset="0"/>
+                <a:cs typeface="Arial" charset="0"/>
+              </a:defRPr>
+            </a:lvl6pPr>
+            <a:lvl7pPr marL="2971800" indent="-228600" eaLnBrk="0" fontAlgn="base" hangingPunct="0">
+              <a:spcBef>
+                <a:spcPct val="0"/>
+              </a:spcBef>
+              <a:spcAft>
+                <a:spcPct val="0"/>
+              </a:spcAft>
+              <a:defRPr sz="2400">
+                <a:solidFill>
+                  <a:schemeClr val="tx1"/>
+                </a:solidFill>
+                <a:latin typeface="Arial" charset="0"/>
+                <a:ea typeface="Arial" charset="0"/>
+                <a:cs typeface="Arial" charset="0"/>
+              </a:defRPr>
+            </a:lvl7pPr>
+            <a:lvl8pPr marL="3429000" indent="-228600" eaLnBrk="0" fontAlgn="base" hangingPunct="0">
+              <a:spcBef>
+                <a:spcPct val="0"/>
+              </a:spcBef>
+              <a:spcAft>
+                <a:spcPct val="0"/>
+              </a:spcAft>
+              <a:defRPr sz="2400">
+                <a:solidFill>
+                  <a:schemeClr val="tx1"/>
+                </a:solidFill>
+                <a:latin typeface="Arial" charset="0"/>
+                <a:ea typeface="Arial" charset="0"/>
+                <a:cs typeface="Arial" charset="0"/>
+              </a:defRPr>
+            </a:lvl8pPr>
+            <a:lvl9pPr marL="3886200" indent="-228600" eaLnBrk="0" fontAlgn="base" hangingPunct="0">
+              <a:spcBef>
+                <a:spcPct val="0"/>
+              </a:spcBef>
+              <a:spcAft>
+                <a:spcPct val="0"/>
+              </a:spcAft>
+              <a:defRPr sz="2400">
+                <a:solidFill>
+                  <a:schemeClr val="tx1"/>
+                </a:solidFill>
+                <a:latin typeface="Arial" charset="0"/>
+                <a:ea typeface="Arial" charset="0"/>
+                <a:cs typeface="Arial" charset="0"/>
+              </a:defRPr>
+            </a:lvl9pPr>
+          </a:lstStyle>
+          <a:p>
+            <a:fld id="{F629D9C0-C22E-F44B-A6AF-27613754447D}" type="slidenum">
+              <a:rPr lang="en-US" sz="1400">
+                <a:solidFill>
+                  <a:schemeClr val="bg1"/>
+                </a:solidFill>
+                <a:latin typeface="Calibri Regular" charset="0"/>
+                <a:cs typeface="Calibri Regular" charset="0"/>
+              </a:rPr>
+              <a:pPr/>
+              <a:t>13</a:t>
+            </a:fld>
+            <a:endParaRPr lang="en-US" sz="1400" dirty="0">
+              <a:solidFill>
+                <a:schemeClr val="bg1"/>
+              </a:solidFill>
+              <a:latin typeface="Calibri Regular" charset="0"/>
+              <a:cs typeface="Calibri Regular" charset="0"/>
+            </a:endParaRPr>
+          </a:p>
+        </p:txBody>
+      </p:sp>
+    </p:spTree>
+    <p:extLst>
+      <p:ext uri="{BB962C8B-B14F-4D97-AF65-F5344CB8AC3E}">
+        <p14:creationId xmlns:p14="http://schemas.microsoft.com/office/powerpoint/2010/main" val="2283171206"/>
+      </p:ext>
+    </p:extLst>
+  </p:cSld>
+  <p:clrMapOvr>
+    <a:masterClrMapping/>
+  </p:clrMapOvr>
+</p:sld>
+</file>
+
+<file path=ppt/slides/slide14.xml><?xml version="1.0" encoding="utf-8"?>
+<p:sld xmlns:a="http://schemas.openxmlformats.org/drawingml/2006/main" xmlns:r="http://schemas.openxmlformats.org/officeDocument/2006/relationships" xmlns:p="http://schemas.openxmlformats.org/presentationml/2006/main">
+  <p:cSld>
+    <p:spTree>
+      <p:nvGrpSpPr>
+        <p:cNvPr id="1" name=""/>
+        <p:cNvGrpSpPr/>
+        <p:nvPr/>
+      </p:nvGrpSpPr>
+      <p:grpSpPr>
+        <a:xfrm>
+          <a:off x="0" y="0"/>
+          <a:ext cx="0" cy="0"/>
+          <a:chOff x="0" y="0"/>
+          <a:chExt cx="0" cy="0"/>
+        </a:xfrm>
+      </p:grpSpPr>
+      <p:sp>
+        <p:nvSpPr>
+          <p:cNvPr id="16386" name="Title 1"/>
+          <p:cNvSpPr>
+            <a:spLocks noGrp="1"/>
+          </p:cNvSpPr>
+          <p:nvPr>
+            <p:ph type="title"/>
+          </p:nvPr>
+        </p:nvSpPr>
+        <p:spPr/>
+        <p:txBody>
+          <a:bodyPr/>
+          <a:lstStyle/>
+          <a:p>
+            <a:r>
+              <a:rPr lang="en-US" b="1" dirty="0">
+                <a:cs typeface="Calibri Regular" charset="0"/>
+              </a:rPr>
+              <a:t>Example 2</a:t>
             </a:r>
           </a:p>
         </p:txBody>
@@ -4134,12 +5936,6 @@
               </a:rPr>
               <a:t> </a:t>
             </a:r>
-            <a:endParaRPr lang="en-US" sz="2800" b="1" dirty="0" smtClean="0">
-              <a:solidFill>
-                <a:srgbClr val="000000"/>
-              </a:solidFill>
-              <a:latin typeface="Courier New" charset="0"/>
-            </a:endParaRPr>
           </a:p>
           <a:p>
             <a:pPr eaLnBrk="0" hangingPunct="0">
@@ -4148,7 +5944,7 @@
               </a:lnSpc>
             </a:pPr>
             <a:r>
-              <a:rPr lang="en-US" sz="2800" b="1" dirty="0" smtClean="0">
+              <a:rPr lang="en-US" sz="2800" b="1" dirty="0">
                 <a:solidFill>
                   <a:srgbClr val="000000"/>
                 </a:solidFill>
@@ -4157,7 +5953,7 @@
               <a:t>  </a:t>
             </a:r>
             <a:r>
-              <a:rPr lang="en-US" sz="2800" b="1" dirty="0" err="1" smtClean="0">
+              <a:rPr lang="en-US" sz="2800" b="1" dirty="0" err="1">
                 <a:solidFill>
                   <a:srgbClr val="000000"/>
                 </a:solidFill>
@@ -4192,12 +5988,6 @@
               </a:rPr>
               <a:t> </a:t>
             </a:r>
-            <a:endParaRPr lang="en-US" sz="2800" b="1" dirty="0" smtClean="0">
-              <a:solidFill>
-                <a:srgbClr val="000000"/>
-              </a:solidFill>
-              <a:latin typeface="Courier New" charset="0"/>
-            </a:endParaRPr>
           </a:p>
           <a:p>
             <a:pPr eaLnBrk="0" hangingPunct="0">
@@ -4212,25 +6002,7 @@
                 </a:solidFill>
                 <a:latin typeface="Courier New" charset="0"/>
               </a:rPr>
-              <a:t> </a:t>
-            </a:r>
-            <a:r>
-              <a:rPr lang="en-US" sz="2800" b="1" dirty="0" smtClean="0">
-                <a:solidFill>
-                  <a:srgbClr val="000000"/>
-                </a:solidFill>
-                <a:latin typeface="Courier New" charset="0"/>
-              </a:rPr>
-              <a:t>   (</a:t>
-            </a:r>
-            <a:r>
-              <a:rPr lang="en-US" sz="2800" b="1" dirty="0">
-                <a:solidFill>
-                  <a:srgbClr val="000000"/>
-                </a:solidFill>
-                <a:latin typeface="Courier New" charset="0"/>
-              </a:rPr>
-              <a:t>Person </a:t>
+              <a:t>    (Person </a:t>
             </a:r>
             <a:r>
               <a:rPr lang="en-US" sz="2800" b="1" dirty="0">
@@ -4250,12 +6022,6 @@
               </a:rPr>
               <a:t> </a:t>
             </a:r>
-            <a:endParaRPr lang="en-US" sz="2800" b="1" dirty="0" smtClean="0">
-              <a:solidFill>
-                <a:srgbClr val="000000"/>
-              </a:solidFill>
-              <a:latin typeface="Courier New" charset="0"/>
-            </a:endParaRPr>
           </a:p>
           <a:p>
             <a:pPr eaLnBrk="0" hangingPunct="0">
@@ -4270,16 +6036,7 @@
                 </a:solidFill>
                 <a:latin typeface="Courier New" charset="0"/>
               </a:rPr>
-              <a:t> </a:t>
-            </a:r>
-            <a:r>
-              <a:rPr lang="en-US" sz="2800" b="1" dirty="0" smtClean="0">
-                <a:solidFill>
-                  <a:srgbClr val="000000"/>
-                </a:solidFill>
-                <a:latin typeface="Courier New" charset="0"/>
-              </a:rPr>
-              <a:t>      (</a:t>
+              <a:t>       (</a:t>
             </a:r>
             <a:r>
               <a:rPr lang="en-US" sz="2800" b="1" dirty="0" err="1">
@@ -4335,12 +6092,6 @@
               </a:rPr>
               <a:t> </a:t>
             </a:r>
-            <a:endParaRPr lang="en-US" sz="2800" b="1" dirty="0" smtClean="0">
-              <a:solidFill>
-                <a:srgbClr val="000000"/>
-              </a:solidFill>
-              <a:latin typeface="Courier New" charset="0"/>
-            </a:endParaRPr>
           </a:p>
           <a:p>
             <a:pPr eaLnBrk="0" hangingPunct="0">
@@ -4355,16 +6106,7 @@
                 </a:solidFill>
                 <a:latin typeface="Courier New" charset="0"/>
               </a:rPr>
-              <a:t> </a:t>
-            </a:r>
-            <a:r>
-              <a:rPr lang="en-US" sz="2800" b="1" dirty="0" smtClean="0">
-                <a:solidFill>
-                  <a:srgbClr val="000000"/>
-                </a:solidFill>
-                <a:latin typeface="Courier New" charset="0"/>
-              </a:rPr>
-              <a:t>        (</a:t>
+              <a:t>         (</a:t>
             </a:r>
             <a:r>
               <a:rPr lang="en-US" sz="2800" b="1" dirty="0" err="1">
@@ -4462,16 +6204,16 @@
                 </a:solidFill>
                 <a:latin typeface="Calibri Regular" charset="0"/>
               </a:rPr>
-              <a:t>T</a:t>
-            </a:r>
-            <a:r>
-              <a:rPr lang="en-US" sz="3200" dirty="0" smtClean="0">
+              <a:t>The set of people who have at least one child that has some children that are only men (i.e., grandparents that only have a </a:t>
+            </a:r>
+            <a:r>
+              <a:rPr lang="en-US" sz="3200" dirty="0" err="1">
                 <a:solidFill>
                   <a:srgbClr val="000000"/>
                 </a:solidFill>
                 <a:latin typeface="Calibri Regular" charset="0"/>
               </a:rPr>
-              <a:t>he </a:t>
+              <a:t>Pjb</a:t>
             </a:r>
             <a:r>
               <a:rPr lang="en-US" sz="3200" dirty="0">
@@ -4480,25 +6222,7 @@
                 </a:solidFill>
                 <a:latin typeface="Calibri Regular" charset="0"/>
               </a:rPr>
-              <a:t>set of people who have at least one child that has some children that are only men (i.e</a:t>
-            </a:r>
-            <a:r>
-              <a:rPr lang="en-US" sz="3200" dirty="0" smtClean="0">
-                <a:solidFill>
-                  <a:srgbClr val="000000"/>
-                </a:solidFill>
-                <a:latin typeface="Calibri Regular" charset="0"/>
-              </a:rPr>
-              <a:t>., </a:t>
-            </a:r>
-            <a:r>
-              <a:rPr lang="en-US" sz="3200" dirty="0">
-                <a:solidFill>
-                  <a:srgbClr val="000000"/>
-                </a:solidFill>
-                <a:latin typeface="Calibri Regular" charset="0"/>
-              </a:rPr>
-              <a:t>grandparents that only have grandsons)</a:t>
+              <a:t>)</a:t>
             </a:r>
           </a:p>
         </p:txBody>
@@ -4671,7 +6395,7 @@
                 <a:cs typeface="Calibri Regular" charset="0"/>
               </a:rPr>
               <a:pPr/>
-              <a:t>10</a:t>
+              <a:t>14</a:t>
             </a:fld>
             <a:endParaRPr lang="en-US" sz="1400" dirty="0">
               <a:solidFill>
@@ -4693,146 +6417,10 @@
   <p:clrMapOvr>
     <a:masterClrMapping/>
   </p:clrMapOvr>
-  <p:timing>
-    <p:tnLst>
-      <p:par>
-        <p:cTn id="1" dur="indefinite" restart="never" nodeType="tmRoot">
-          <p:childTnLst>
-            <p:seq concurrent="1" nextAc="seek">
-              <p:cTn id="2" dur="indefinite" nodeType="mainSeq">
-                <p:childTnLst>
-                  <p:par>
-                    <p:cTn id="3" fill="hold" nodeType="clickPar">
-                      <p:stCondLst>
-                        <p:cond delay="indefinite"/>
-                      </p:stCondLst>
-                      <p:childTnLst>
-                        <p:par>
-                          <p:cTn id="4" fill="hold" nodeType="withGroup">
-                            <p:stCondLst>
-                              <p:cond delay="0"/>
-                            </p:stCondLst>
-                            <p:childTnLst>
-                              <p:par>
-                                <p:cTn id="5" presetID="2" presetClass="entr" presetSubtype="4" fill="hold" grpId="0" nodeType="clickEffect">
-                                  <p:stCondLst>
-                                    <p:cond delay="0"/>
-                                  </p:stCondLst>
-                                  <p:childTnLst>
-                                    <p:set>
-                                      <p:cBhvr>
-                                        <p:cTn id="6" dur="1" fill="hold">
-                                          <p:stCondLst>
-                                            <p:cond delay="0"/>
-                                          </p:stCondLst>
-                                        </p:cTn>
-                                        <p:tgtEl>
-                                          <p:spTgt spid="8">
-                                            <p:txEl>
-                                              <p:pRg st="0" end="0"/>
-                                            </p:txEl>
-                                          </p:spTgt>
-                                        </p:tgtEl>
-                                        <p:attrNameLst>
-                                          <p:attrName>style.visibility</p:attrName>
-                                        </p:attrNameLst>
-                                      </p:cBhvr>
-                                      <p:to>
-                                        <p:strVal val="visible"/>
-                                      </p:to>
-                                    </p:set>
-                                    <p:anim calcmode="lin" valueType="num">
-                                      <p:cBhvr additive="base">
-                                        <p:cTn id="7" dur="500" fill="hold"/>
-                                        <p:tgtEl>
-                                          <p:spTgt spid="8">
-                                            <p:txEl>
-                                              <p:pRg st="0" end="0"/>
-                                            </p:txEl>
-                                          </p:spTgt>
-                                        </p:tgtEl>
-                                        <p:attrNameLst>
-                                          <p:attrName>ppt_x</p:attrName>
-                                        </p:attrNameLst>
-                                      </p:cBhvr>
-                                      <p:tavLst>
-                                        <p:tav tm="0">
-                                          <p:val>
-                                            <p:strVal val="#ppt_x"/>
-                                          </p:val>
-                                        </p:tav>
-                                        <p:tav tm="100000">
-                                          <p:val>
-                                            <p:strVal val="#ppt_x"/>
-                                          </p:val>
-                                        </p:tav>
-                                      </p:tavLst>
-                                    </p:anim>
-                                    <p:anim calcmode="lin" valueType="num">
-                                      <p:cBhvr additive="base">
-                                        <p:cTn id="8" dur="500" fill="hold"/>
-                                        <p:tgtEl>
-                                          <p:spTgt spid="8">
-                                            <p:txEl>
-                                              <p:pRg st="0" end="0"/>
-                                            </p:txEl>
-                                          </p:spTgt>
-                                        </p:tgtEl>
-                                        <p:attrNameLst>
-                                          <p:attrName>ppt_y</p:attrName>
-                                        </p:attrNameLst>
-                                      </p:cBhvr>
-                                      <p:tavLst>
-                                        <p:tav tm="0">
-                                          <p:val>
-                                            <p:strVal val="1+#ppt_h/2"/>
-                                          </p:val>
-                                        </p:tav>
-                                        <p:tav tm="100000">
-                                          <p:val>
-                                            <p:strVal val="#ppt_y"/>
-                                          </p:val>
-                                        </p:tav>
-                                      </p:tavLst>
-                                    </p:anim>
-                                  </p:childTnLst>
-                                </p:cTn>
-                              </p:par>
-                            </p:childTnLst>
-                          </p:cTn>
-                        </p:par>
-                      </p:childTnLst>
-                    </p:cTn>
-                  </p:par>
-                </p:childTnLst>
-              </p:cTn>
-              <p:prevCondLst>
-                <p:cond evt="onPrev" delay="0">
-                  <p:tgtEl>
-                    <p:sldTgt/>
-                  </p:tgtEl>
-                </p:cond>
-              </p:prevCondLst>
-              <p:nextCondLst>
-                <p:cond evt="onNext" delay="0">
-                  <p:tgtEl>
-                    <p:sldTgt/>
-                  </p:tgtEl>
-                </p:cond>
-              </p:nextCondLst>
-            </p:seq>
-          </p:childTnLst>
-        </p:cTn>
-      </p:par>
-    </p:tnLst>
-    <p:bldLst>
-      <p:bldP spid="8" grpId="0" build="allAtOnce"/>
-    </p:bldLst>
-  </p:timing>
 </p:sld>
 </file>
 
-<file path=ppt/slides/slide11.xml><?xml version="1.0" encoding="utf-8"?>
+<file path=ppt/slides/slide15.xml><?xml version="1.0" encoding="utf-8"?>
 <p:sld xmlns:a="http://schemas.openxmlformats.org/drawingml/2006/main" xmlns:r="http://schemas.openxmlformats.org/officeDocument/2006/relationships" xmlns:p="http://schemas.openxmlformats.org/presentationml/2006/main">
   <p:cSld>
     <p:spTree>
@@ -4866,18 +6454,10 @@
           <a:p>
             <a:r>
               <a:rPr lang="en-US" dirty="0"/>
-              <a:t>Data v</a:t>
-            </a:r>
-            <a:r>
-              <a:rPr lang="en-US" dirty="0" smtClean="0"/>
-              <a:t>alues </a:t>
-            </a:r>
-            <a:r>
-              <a:rPr lang="en-US" dirty="0"/>
-              <a:t>and </a:t>
-            </a:r>
-            <a:r>
-              <a:rPr lang="en-US" dirty="0" err="1" smtClean="0"/>
+              <a:t>Data values and </a:t>
+            </a:r>
+            <a:r>
+              <a:rPr lang="en-US" dirty="0" err="1"/>
               <a:t>datatypes</a:t>
             </a:r>
             <a:endParaRPr lang="en-US" dirty="0"/>
@@ -4897,7 +6477,7 @@
         <p:spPr>
           <a:xfrm>
             <a:off x="395536" y="1340769"/>
-            <a:ext cx="8568952" cy="2448272"/>
+            <a:ext cx="8640960" cy="2448272"/>
           </a:xfrm>
         </p:spPr>
         <p:txBody>
@@ -4907,27 +6487,15 @@
             <a:pPr marL="228600" indent="-228600"/>
             <a:r>
               <a:rPr lang="en-US" dirty="0"/>
-              <a:t>Data </a:t>
-            </a:r>
-            <a:r>
-              <a:rPr lang="en-US" dirty="0" smtClean="0"/>
-              <a:t>values typed or </a:t>
-            </a:r>
-            <a:r>
-              <a:rPr lang="en-US" dirty="0" err="1" smtClean="0"/>
+              <a:t>Data values typed or </a:t>
+            </a:r>
+            <a:r>
+              <a:rPr lang="en-US" dirty="0" err="1"/>
               <a:t>untyped</a:t>
             </a:r>
             <a:r>
-              <a:rPr lang="en-US" dirty="0" smtClean="0"/>
-              <a:t> </a:t>
-            </a:r>
-            <a:r>
               <a:rPr lang="en-US" dirty="0"/>
-              <a:t>(</a:t>
-            </a:r>
-            <a:r>
-              <a:rPr lang="en-US" dirty="0" smtClean="0"/>
-              <a:t>e.g., </a:t>
+              <a:t> (e.g., </a:t>
             </a:r>
             <a:r>
               <a:rPr lang="en-US" dirty="0" err="1"/>
@@ -4943,19 +6511,14 @@
             </a:r>
             <a:r>
               <a:rPr lang="en-US" dirty="0"/>
-              <a:t>, </a:t>
-            </a:r>
-            <a:r>
-              <a:rPr lang="en-US" dirty="0" smtClean="0"/>
-              <a:t>float)</a:t>
-            </a:r>
-            <a:endParaRPr lang="en-US" dirty="0"/>
+              <a:t>, float)</a:t>
+            </a:r>
           </a:p>
           <a:p>
             <a:pPr marL="228600" indent="-228600"/>
             <a:r>
-              <a:rPr lang="en-US" dirty="0" smtClean="0"/>
-              <a:t>Constants with or w/o type, e.g.: </a:t>
+              <a:rPr lang="en-US" dirty="0"/>
+              <a:t>Constants w/ or w/o type, e.g.: </a:t>
             </a:r>
             <a:r>
               <a:rPr lang="en-US" dirty="0" err="1"/>
@@ -4969,28 +6532,24 @@
           <a:p>
             <a:pPr marL="228600" indent="-228600"/>
             <a:r>
-              <a:rPr lang="en-US" dirty="0" smtClean="0"/>
+              <a:rPr lang="en-US" dirty="0"/>
               <a:t>Use </a:t>
             </a:r>
             <a:r>
-              <a:rPr lang="en-US" dirty="0" err="1" smtClean="0"/>
+              <a:rPr lang="en-US" dirty="0" err="1"/>
               <a:t>datatype</a:t>
             </a:r>
             <a:r>
-              <a:rPr lang="en-US" dirty="0" smtClean="0"/>
+              <a:rPr lang="en-US" dirty="0"/>
               <a:t> names as classes: </a:t>
             </a:r>
             <a:r>
-              <a:rPr lang="en-US" dirty="0" err="1" smtClean="0"/>
+              <a:rPr lang="en-US" dirty="0" err="1"/>
               <a:t>hasAge</a:t>
             </a:r>
             <a:r>
-              <a:rPr lang="en-US" dirty="0" smtClean="0"/>
-              <a:t> </a:t>
-            </a:r>
-            <a:r>
               <a:rPr lang="en-US" dirty="0"/>
-              <a:t>some </a:t>
+              <a:t> some </a:t>
             </a:r>
             <a:r>
               <a:rPr lang="en-US" dirty="0" err="1"/>
@@ -5001,18 +6560,14 @@
           <a:p>
             <a:pPr marL="228600" indent="-228600"/>
             <a:r>
-              <a:rPr lang="en-US" dirty="0" smtClean="0">
+              <a:rPr lang="en-US" dirty="0">
                 <a:hlinkClick r:id="rId2"/>
               </a:rPr>
               <a:t>XSD facets</a:t>
             </a:r>
             <a:r>
-              <a:rPr lang="en-US" dirty="0" smtClean="0"/>
-              <a:t>, e.g.: Person </a:t>
-            </a:r>
-            <a:r>
               <a:rPr lang="en-US" dirty="0"/>
-              <a:t>and </a:t>
+              <a:t>, e.g.: Person and </a:t>
             </a:r>
             <a:r>
               <a:rPr lang="en-US" dirty="0" err="1"/>
@@ -5035,15 +6590,7 @@
             <a:pPr marL="228600" indent="-228600"/>
             <a:r>
               <a:rPr lang="en-US" dirty="0"/>
-              <a:t>R</a:t>
-            </a:r>
-            <a:r>
-              <a:rPr lang="en-US" dirty="0" smtClean="0"/>
-              <a:t>anges: </a:t>
-            </a:r>
-            <a:r>
-              <a:rPr lang="en-US" dirty="0"/>
-              <a:t>Person and </a:t>
+              <a:t>Ranges: Person and </a:t>
             </a:r>
             <a:r>
               <a:rPr lang="en-US" dirty="0" err="1"/>
@@ -5059,13 +6606,8 @@
             </a:r>
             <a:r>
               <a:rPr lang="en-US" dirty="0"/>
-              <a:t>[&gt;= 18, &lt;= 30</a:t>
-            </a:r>
-            <a:r>
-              <a:rPr lang="en-US" dirty="0" smtClean="0"/>
-              <a:t>]</a:t>
-            </a:r>
-            <a:endParaRPr lang="en-US" dirty="0"/>
+              <a:t>[&gt;= 18, &lt;= 30]</a:t>
+            </a:r>
           </a:p>
         </p:txBody>
       </p:sp>
@@ -5109,747 +6651,6 @@
   <p:clrMapOvr>
     <a:masterClrMapping/>
   </p:clrMapOvr>
-  <p:timing>
-    <p:tnLst>
-      <p:par>
-        <p:cTn id="1" dur="indefinite" restart="never" nodeType="tmRoot"/>
-      </p:par>
-    </p:tnLst>
-  </p:timing>
-</p:sld>
-</file>
-
-<file path=ppt/slides/slide12.xml><?xml version="1.0" encoding="utf-8"?>
-<p:sld xmlns:a="http://schemas.openxmlformats.org/drawingml/2006/main" xmlns:r="http://schemas.openxmlformats.org/officeDocument/2006/relationships" xmlns:p="http://schemas.openxmlformats.org/presentationml/2006/main">
-  <p:cSld>
-    <p:spTree>
-      <p:nvGrpSpPr>
-        <p:cNvPr id="1" name=""/>
-        <p:cNvGrpSpPr/>
-        <p:nvPr/>
-      </p:nvGrpSpPr>
-      <p:grpSpPr>
-        <a:xfrm>
-          <a:off x="0" y="0"/>
-          <a:ext cx="0" cy="0"/>
-          <a:chOff x="0" y="0"/>
-          <a:chExt cx="0" cy="0"/>
-        </a:xfrm>
-      </p:grpSpPr>
-      <p:sp>
-        <p:nvSpPr>
-          <p:cNvPr id="2" name="Title 1"/>
-          <p:cNvSpPr>
-            <a:spLocks noGrp="1"/>
-          </p:cNvSpPr>
-          <p:nvPr>
-            <p:ph type="title"/>
-          </p:nvPr>
-        </p:nvSpPr>
-        <p:spPr/>
-        <p:txBody>
-          <a:bodyPr/>
-          <a:lstStyle/>
-          <a:p>
-            <a:r>
-              <a:rPr lang="en-US" dirty="0" smtClean="0"/>
-              <a:t>Demonstration</a:t>
-            </a:r>
-            <a:endParaRPr lang="en-US" dirty="0"/>
-          </a:p>
-        </p:txBody>
-      </p:sp>
-      <p:sp>
-        <p:nvSpPr>
-          <p:cNvPr id="3" name="Content Placeholder 2"/>
-          <p:cNvSpPr>
-            <a:spLocks noGrp="1"/>
-          </p:cNvSpPr>
-          <p:nvPr>
-            <p:ph idx="1"/>
-          </p:nvPr>
-        </p:nvSpPr>
-        <p:spPr/>
-        <p:txBody>
-          <a:bodyPr/>
-          <a:lstStyle/>
-          <a:p>
-            <a:r>
-              <a:rPr lang="en-US" sz="3200" dirty="0" smtClean="0"/>
-              <a:t>We’ll use Protégé OWL </a:t>
-            </a:r>
-            <a:r>
-              <a:rPr lang="en-US" sz="3200" dirty="0" smtClean="0"/>
-              <a:t>v5.2 </a:t>
-            </a:r>
-            <a:r>
-              <a:rPr lang="en-US" sz="3200" dirty="0" smtClean="0"/>
-              <a:t>to implement a tiny ontology for people</a:t>
-            </a:r>
-          </a:p>
-          <a:p>
-            <a:r>
-              <a:rPr lang="en-US" sz="3200" dirty="0" smtClean="0"/>
-              <a:t>Start by downloading and installing Protégé </a:t>
-            </a:r>
-            <a:r>
-              <a:rPr lang="en-US" sz="3200" dirty="0" smtClean="0"/>
-              <a:t>5.2(</a:t>
-            </a:r>
-            <a:r>
-              <a:rPr lang="en-US" sz="2800" dirty="0" smtClean="0"/>
-              <a:t>You </a:t>
-            </a:r>
-            <a:r>
-              <a:rPr lang="en-US" sz="2800" dirty="0" smtClean="0"/>
-              <a:t>will need Java)</a:t>
-            </a:r>
-          </a:p>
-          <a:p>
-            <a:r>
-              <a:rPr lang="en-US" sz="3200" dirty="0" smtClean="0"/>
-              <a:t>You may want to install </a:t>
-            </a:r>
-            <a:r>
-              <a:rPr lang="en-US" sz="3200" dirty="0" err="1" smtClean="0"/>
-              <a:t>Graphviz</a:t>
-            </a:r>
-            <a:endParaRPr lang="en-US" sz="3200" dirty="0" smtClean="0"/>
-          </a:p>
-          <a:p>
-            <a:r>
-              <a:rPr lang="en-US" sz="3200" dirty="0" smtClean="0"/>
-              <a:t>Configure Protégé </a:t>
-            </a:r>
-          </a:p>
-          <a:p>
-            <a:pPr lvl="1"/>
-            <a:r>
-              <a:rPr lang="en-US" sz="3200" dirty="0" smtClean="0"/>
-              <a:t>E.g., select a reasoner to use (e.g., </a:t>
-            </a:r>
-            <a:r>
-              <a:rPr lang="en-US" sz="3200" dirty="0" err="1" smtClean="0"/>
-              <a:t>HermiT</a:t>
-            </a:r>
-            <a:r>
-              <a:rPr lang="en-US" sz="3200" dirty="0" smtClean="0"/>
-              <a:t>)</a:t>
-            </a:r>
-            <a:endParaRPr lang="en-US" sz="3200" dirty="0"/>
-          </a:p>
-        </p:txBody>
-      </p:sp>
-    </p:spTree>
-    <p:extLst>
-      <p:ext uri="{BB962C8B-B14F-4D97-AF65-F5344CB8AC3E}">
-        <p14:creationId xmlns:p14="http://schemas.microsoft.com/office/powerpoint/2010/main" val="690464537"/>
-      </p:ext>
-    </p:extLst>
-  </p:cSld>
-  <p:clrMapOvr>
-    <a:masterClrMapping/>
-  </p:clrMapOvr>
-  <p:timing>
-    <p:tnLst>
-      <p:par>
-        <p:cTn id="1" dur="indefinite" restart="never" nodeType="tmRoot"/>
-      </p:par>
-    </p:tnLst>
-  </p:timing>
-</p:sld>
-</file>
-
-<file path=ppt/slides/slide13.xml><?xml version="1.0" encoding="utf-8"?>
-<p:sld xmlns:a="http://schemas.openxmlformats.org/drawingml/2006/main" xmlns:r="http://schemas.openxmlformats.org/officeDocument/2006/relationships" xmlns:p="http://schemas.openxmlformats.org/presentationml/2006/main">
-  <p:cSld>
-    <p:spTree>
-      <p:nvGrpSpPr>
-        <p:cNvPr id="1" name=""/>
-        <p:cNvGrpSpPr/>
-        <p:nvPr/>
-      </p:nvGrpSpPr>
-      <p:grpSpPr>
-        <a:xfrm>
-          <a:off x="0" y="0"/>
-          <a:ext cx="0" cy="0"/>
-          <a:chOff x="0" y="0"/>
-          <a:chExt cx="0" cy="0"/>
-        </a:xfrm>
-      </p:grpSpPr>
-      <p:sp>
-        <p:nvSpPr>
-          <p:cNvPr id="2" name="Title 1"/>
-          <p:cNvSpPr>
-            <a:spLocks noGrp="1"/>
-          </p:cNvSpPr>
-          <p:nvPr>
-            <p:ph type="title"/>
-          </p:nvPr>
-        </p:nvSpPr>
-        <p:spPr/>
-        <p:txBody>
-          <a:bodyPr/>
-          <a:lstStyle/>
-          <a:p>
-            <a:r>
-              <a:rPr lang="en-US" dirty="0"/>
-              <a:t>A</a:t>
-            </a:r>
-            <a:r>
-              <a:rPr lang="en-US" dirty="0" smtClean="0"/>
-              <a:t> basic workflow</a:t>
-            </a:r>
-            <a:endParaRPr lang="en-US" dirty="0"/>
-          </a:p>
-        </p:txBody>
-      </p:sp>
-      <p:sp>
-        <p:nvSpPr>
-          <p:cNvPr id="3" name="Content Placeholder 2"/>
-          <p:cNvSpPr>
-            <a:spLocks noGrp="1"/>
-          </p:cNvSpPr>
-          <p:nvPr>
-            <p:ph idx="1"/>
-          </p:nvPr>
-        </p:nvSpPr>
-        <p:spPr>
-          <a:xfrm>
-            <a:off x="467544" y="1268760"/>
-            <a:ext cx="8496943" cy="5184576"/>
-          </a:xfrm>
-        </p:spPr>
-        <p:txBody>
-          <a:bodyPr/>
-          <a:lstStyle/>
-          <a:p>
-            <a:r>
-              <a:rPr lang="en-US" dirty="0" smtClean="0"/>
-              <a:t>Think about </a:t>
-            </a:r>
-            <a:r>
-              <a:rPr lang="en-US" dirty="0" err="1" smtClean="0"/>
-              <a:t>usecases</a:t>
-            </a:r>
-            <a:endParaRPr lang="en-US" dirty="0" smtClean="0"/>
-          </a:p>
-          <a:p>
-            <a:r>
-              <a:rPr lang="en-US" dirty="0" smtClean="0"/>
-              <a:t>Preliminaries</a:t>
-            </a:r>
-          </a:p>
-          <a:p>
-            <a:pPr lvl="1"/>
-            <a:r>
-              <a:rPr lang="en-US" dirty="0"/>
-              <a:t>C</a:t>
-            </a:r>
-            <a:r>
-              <a:rPr lang="en-US" dirty="0" smtClean="0"/>
-              <a:t>hoose namespace URL, import other ontologies used</a:t>
-            </a:r>
-          </a:p>
-          <a:p>
-            <a:r>
-              <a:rPr lang="en-US" dirty="0" smtClean="0"/>
-              <a:t>Identify and define classes</a:t>
-            </a:r>
-          </a:p>
-          <a:p>
-            <a:pPr lvl="1"/>
-            <a:r>
-              <a:rPr lang="en-US" dirty="0" smtClean="0"/>
-              <a:t>Place in hierarchy, add </a:t>
-            </a:r>
-            <a:r>
-              <a:rPr lang="en-US" b="1" dirty="0" smtClean="0"/>
-              <a:t>axioms</a:t>
-            </a:r>
-            <a:r>
-              <a:rPr lang="en-US" dirty="0" smtClean="0"/>
-              <a:t> and run reasoner to check for errors or omissions</a:t>
-            </a:r>
-          </a:p>
-          <a:p>
-            <a:r>
-              <a:rPr lang="en-US" dirty="0" smtClean="0"/>
-              <a:t>Identify and define properties</a:t>
-            </a:r>
-          </a:p>
-          <a:p>
-            <a:pPr lvl="1"/>
-            <a:r>
-              <a:rPr lang="en-US" dirty="0"/>
-              <a:t>Place in </a:t>
-            </a:r>
-            <a:r>
-              <a:rPr lang="en-US" dirty="0" smtClean="0"/>
-              <a:t>hierarchy, add </a:t>
-            </a:r>
-            <a:r>
-              <a:rPr lang="en-US" b="1" dirty="0" smtClean="0"/>
-              <a:t>axioms</a:t>
-            </a:r>
-            <a:r>
-              <a:rPr lang="en-US" dirty="0" smtClean="0"/>
-              <a:t>, run reasoner</a:t>
-            </a:r>
-          </a:p>
-          <a:p>
-            <a:r>
-              <a:rPr lang="en-US" dirty="0" smtClean="0"/>
-              <a:t>Add individuals &amp; reasoner to check for problems</a:t>
-            </a:r>
-          </a:p>
-          <a:p>
-            <a:r>
-              <a:rPr lang="en-US" dirty="0" smtClean="0"/>
-              <a:t>Add comments and labels</a:t>
-            </a:r>
-          </a:p>
-          <a:p>
-            <a:r>
-              <a:rPr lang="en-US" dirty="0" smtClean="0"/>
-              <a:t>Export in desired formats, maybe upload to Web</a:t>
-            </a:r>
-            <a:endParaRPr lang="en-US" dirty="0"/>
-          </a:p>
-          <a:p>
-            <a:pPr lvl="1"/>
-            <a:endParaRPr lang="en-US" dirty="0" smtClean="0"/>
-          </a:p>
-        </p:txBody>
-      </p:sp>
-    </p:spTree>
-    <p:extLst>
-      <p:ext uri="{BB962C8B-B14F-4D97-AF65-F5344CB8AC3E}">
-        <p14:creationId xmlns:p14="http://schemas.microsoft.com/office/powerpoint/2010/main" val="3614103858"/>
-      </p:ext>
-    </p:extLst>
-  </p:cSld>
-  <p:clrMapOvr>
-    <a:masterClrMapping/>
-  </p:clrMapOvr>
-  <p:timing>
-    <p:tnLst>
-      <p:par>
-        <p:cTn id="1" dur="indefinite" restart="never" nodeType="tmRoot"/>
-      </p:par>
-    </p:tnLst>
-  </p:timing>
-</p:sld>
-</file>
-
-<file path=ppt/slides/slide14.xml><?xml version="1.0" encoding="utf-8"?>
-<p:sld xmlns:a="http://schemas.openxmlformats.org/drawingml/2006/main" xmlns:r="http://schemas.openxmlformats.org/officeDocument/2006/relationships" xmlns:p="http://schemas.openxmlformats.org/presentationml/2006/main">
-  <p:cSld>
-    <p:spTree>
-      <p:nvGrpSpPr>
-        <p:cNvPr id="1" name=""/>
-        <p:cNvGrpSpPr/>
-        <p:nvPr/>
-      </p:nvGrpSpPr>
-      <p:grpSpPr>
-        <a:xfrm>
-          <a:off x="0" y="0"/>
-          <a:ext cx="0" cy="0"/>
-          <a:chOff x="0" y="0"/>
-          <a:chExt cx="0" cy="0"/>
-        </a:xfrm>
-      </p:grpSpPr>
-      <p:sp>
-        <p:nvSpPr>
-          <p:cNvPr id="2" name="Title 1"/>
-          <p:cNvSpPr>
-            <a:spLocks noGrp="1"/>
-          </p:cNvSpPr>
-          <p:nvPr>
-            <p:ph type="title"/>
-          </p:nvPr>
-        </p:nvSpPr>
-        <p:spPr/>
-        <p:txBody>
-          <a:bodyPr/>
-          <a:lstStyle/>
-          <a:p>
-            <a:r>
-              <a:rPr lang="en-US" dirty="0" smtClean="0"/>
-              <a:t>More workflow steps</a:t>
-            </a:r>
-            <a:endParaRPr lang="en-US" dirty="0"/>
-          </a:p>
-        </p:txBody>
-      </p:sp>
-      <p:sp>
-        <p:nvSpPr>
-          <p:cNvPr id="3" name="Content Placeholder 2"/>
-          <p:cNvSpPr>
-            <a:spLocks noGrp="1"/>
-          </p:cNvSpPr>
-          <p:nvPr>
-            <p:ph idx="1"/>
-          </p:nvPr>
-        </p:nvSpPr>
-        <p:spPr>
-          <a:xfrm>
-            <a:off x="467544" y="1268760"/>
-            <a:ext cx="8496943" cy="5184576"/>
-          </a:xfrm>
-        </p:spPr>
-        <p:txBody>
-          <a:bodyPr/>
-          <a:lstStyle/>
-          <a:p>
-            <a:r>
-              <a:rPr lang="en-US" sz="3200" dirty="0" smtClean="0"/>
-              <a:t>Use </a:t>
-            </a:r>
-            <a:r>
-              <a:rPr lang="en-US" sz="3200" dirty="0" smtClean="0">
-                <a:hlinkClick r:id="rId2"/>
-              </a:rPr>
-              <a:t>OOPS</a:t>
-            </a:r>
-            <a:r>
-              <a:rPr lang="en-US" sz="3200" dirty="0" smtClean="0"/>
-              <a:t> to find common ontology pitfalls</a:t>
-            </a:r>
-          </a:p>
-          <a:p>
-            <a:r>
-              <a:rPr lang="en-US" sz="3200" dirty="0" smtClean="0"/>
-              <a:t>Link </a:t>
-            </a:r>
-            <a:r>
-              <a:rPr lang="en-US" sz="3200" dirty="0"/>
-              <a:t>concepts </a:t>
-            </a:r>
-            <a:r>
-              <a:rPr lang="en-US" sz="3200" dirty="0" smtClean="0"/>
-              <a:t>(and individuals) to </a:t>
-            </a:r>
-            <a:r>
-              <a:rPr lang="en-US" sz="3200" dirty="0"/>
-              <a:t>common ontologies (e.g., </a:t>
-            </a:r>
-            <a:r>
-              <a:rPr lang="en-US" sz="3200" dirty="0" smtClean="0"/>
-              <a:t>DBpedia, Freebase, foaf)</a:t>
-            </a:r>
-          </a:p>
-          <a:p>
-            <a:pPr lvl="1"/>
-            <a:r>
-              <a:rPr lang="en-US" dirty="0" smtClean="0"/>
-              <a:t>Use owl:sameAs</a:t>
-            </a:r>
-            <a:endParaRPr lang="en-US" dirty="0"/>
-          </a:p>
-          <a:p>
-            <a:r>
-              <a:rPr lang="en-US" sz="3200" dirty="0" smtClean="0"/>
-              <a:t>Generate visualizations</a:t>
-            </a:r>
-          </a:p>
-          <a:p>
-            <a:r>
-              <a:rPr lang="en-US" sz="3200" dirty="0" smtClean="0"/>
-              <a:t>Produce documentation</a:t>
-            </a:r>
-          </a:p>
-          <a:p>
-            <a:r>
-              <a:rPr lang="en-US" sz="3200" dirty="0" smtClean="0"/>
-              <a:t>Develop examples with your use case(s)</a:t>
-            </a:r>
-          </a:p>
-          <a:p>
-            <a:r>
-              <a:rPr lang="en-US" sz="3200" dirty="0" smtClean="0"/>
-              <a:t>Encode data, describe in </a:t>
-            </a:r>
-            <a:r>
-              <a:rPr lang="en-US" sz="3200" dirty="0" smtClean="0">
-                <a:hlinkClick r:id="rId3"/>
-              </a:rPr>
-              <a:t>VoID</a:t>
-            </a:r>
-            <a:r>
-              <a:rPr lang="en-US" sz="3200" dirty="0"/>
-              <a:t> (</a:t>
-            </a:r>
-            <a:r>
-              <a:rPr lang="en-US" sz="3200" dirty="0" smtClean="0"/>
-              <a:t>Vocabulary </a:t>
-            </a:r>
-            <a:r>
-              <a:rPr lang="en-US" sz="3200" dirty="0"/>
-              <a:t>of Interlinked Datasets)</a:t>
-            </a:r>
-            <a:r>
-              <a:rPr lang="en-US" sz="3200" dirty="0" smtClean="0"/>
-              <a:t>,  add to LOD cloud</a:t>
-            </a:r>
-          </a:p>
-        </p:txBody>
-      </p:sp>
-    </p:spTree>
-    <p:extLst>
-      <p:ext uri="{BB962C8B-B14F-4D97-AF65-F5344CB8AC3E}">
-        <p14:creationId xmlns:p14="http://schemas.microsoft.com/office/powerpoint/2010/main" val="2052901144"/>
-      </p:ext>
-    </p:extLst>
-  </p:cSld>
-  <p:clrMapOvr>
-    <a:masterClrMapping/>
-  </p:clrMapOvr>
-  <p:timing>
-    <p:tnLst>
-      <p:par>
-        <p:cTn id="1" dur="indefinite" restart="never" nodeType="tmRoot"/>
-      </p:par>
-    </p:tnLst>
-  </p:timing>
-</p:sld>
-</file>
-
-<file path=ppt/slides/slide15.xml><?xml version="1.0" encoding="utf-8"?>
-<p:sld xmlns:a="http://schemas.openxmlformats.org/drawingml/2006/main" xmlns:r="http://schemas.openxmlformats.org/officeDocument/2006/relationships" xmlns:p="http://schemas.openxmlformats.org/presentationml/2006/main">
-  <p:cSld>
-    <p:spTree>
-      <p:nvGrpSpPr>
-        <p:cNvPr id="1" name=""/>
-        <p:cNvGrpSpPr/>
-        <p:nvPr/>
-      </p:nvGrpSpPr>
-      <p:grpSpPr>
-        <a:xfrm>
-          <a:off x="0" y="0"/>
-          <a:ext cx="0" cy="0"/>
-          <a:chOff x="0" y="0"/>
-          <a:chExt cx="0" cy="0"/>
-        </a:xfrm>
-      </p:grpSpPr>
-      <p:sp>
-        <p:nvSpPr>
-          <p:cNvPr id="2" name="Title 1"/>
-          <p:cNvSpPr>
-            <a:spLocks noGrp="1"/>
-          </p:cNvSpPr>
-          <p:nvPr>
-            <p:ph type="title"/>
-          </p:nvPr>
-        </p:nvSpPr>
-        <p:spPr/>
-        <p:txBody>
-          <a:bodyPr/>
-          <a:lstStyle/>
-          <a:p>
-            <a:r>
-              <a:rPr lang="en-US" dirty="0" smtClean="0"/>
-              <a:t>Demonstration/HW4</a:t>
-            </a:r>
-            <a:endParaRPr lang="en-US" dirty="0"/>
-          </a:p>
-        </p:txBody>
-      </p:sp>
-      <p:sp>
-        <p:nvSpPr>
-          <p:cNvPr id="3" name="Content Placeholder 2"/>
-          <p:cNvSpPr>
-            <a:spLocks noGrp="1"/>
-          </p:cNvSpPr>
-          <p:nvPr>
-            <p:ph idx="1"/>
-          </p:nvPr>
-        </p:nvSpPr>
-        <p:spPr>
-          <a:xfrm>
-            <a:off x="395289" y="1412874"/>
-            <a:ext cx="8353176" cy="5328493"/>
-          </a:xfrm>
-        </p:spPr>
-        <p:txBody>
-          <a:bodyPr/>
-          <a:lstStyle/>
-          <a:p>
-            <a:pPr marL="0" indent="0">
-              <a:buNone/>
-            </a:pPr>
-            <a:r>
-              <a:rPr lang="en-US" dirty="0"/>
-              <a:t>U</a:t>
-            </a:r>
-            <a:r>
-              <a:rPr lang="en-US" dirty="0" smtClean="0"/>
-              <a:t>se Protégé OWL (</a:t>
-            </a:r>
-            <a:r>
-              <a:rPr lang="en-US" dirty="0" smtClean="0"/>
-              <a:t>v5.2) </a:t>
-            </a:r>
-            <a:r>
-              <a:rPr lang="en-US" dirty="0" smtClean="0"/>
-              <a:t>to build a simple ontology for people based on the following</a:t>
-            </a:r>
-          </a:p>
-          <a:p>
-            <a:pPr marL="457200" lvl="1" indent="-228600"/>
-            <a:r>
-              <a:rPr lang="en-US" dirty="0"/>
-              <a:t>People have </a:t>
-            </a:r>
-            <a:r>
-              <a:rPr lang="en-US" dirty="0" smtClean="0"/>
-              <a:t>just one sex that’s </a:t>
-            </a:r>
-            <a:r>
-              <a:rPr lang="en-US" dirty="0"/>
-              <a:t>either </a:t>
-            </a:r>
-            <a:r>
-              <a:rPr lang="en-US" i="1" dirty="0" smtClean="0"/>
-              <a:t>male</a:t>
-            </a:r>
-            <a:r>
-              <a:rPr lang="en-US" dirty="0" smtClean="0"/>
-              <a:t> </a:t>
-            </a:r>
-            <a:r>
-              <a:rPr lang="en-US" dirty="0"/>
-              <a:t>or </a:t>
-            </a:r>
-            <a:r>
-              <a:rPr lang="en-US" i="1" dirty="0" smtClean="0"/>
-              <a:t>female</a:t>
-            </a:r>
-            <a:r>
-              <a:rPr lang="en-US" dirty="0" smtClean="0"/>
-              <a:t>, an integer age, and two parents, one male, one female</a:t>
-            </a:r>
-          </a:p>
-          <a:p>
-            <a:pPr marL="457200" lvl="1" indent="-228600"/>
-            <a:r>
-              <a:rPr lang="en-US" dirty="0" smtClean="0"/>
-              <a:t>A person’s grandparent is the parent of their parent</a:t>
-            </a:r>
-            <a:endParaRPr lang="en-US" dirty="0"/>
-          </a:p>
-          <a:p>
-            <a:pPr marL="457200" lvl="1" indent="-228600"/>
-            <a:r>
-              <a:rPr lang="en-US" dirty="0"/>
-              <a:t>Every person is either a man or a woman but not </a:t>
-            </a:r>
-            <a:r>
-              <a:rPr lang="en-US" dirty="0" smtClean="0"/>
-              <a:t>both</a:t>
-            </a:r>
-            <a:endParaRPr lang="en-US" dirty="0"/>
-          </a:p>
-          <a:p>
-            <a:pPr marL="457200" lvl="1" indent="-228600"/>
-            <a:r>
-              <a:rPr lang="en-US" dirty="0"/>
-              <a:t>A man is defined as any person whose </a:t>
-            </a:r>
-            <a:r>
-              <a:rPr lang="en-US" dirty="0" smtClean="0"/>
-              <a:t>sex </a:t>
-            </a:r>
-            <a:r>
-              <a:rPr lang="en-US" dirty="0"/>
-              <a:t>is </a:t>
-            </a:r>
-            <a:r>
-              <a:rPr lang="en-US" dirty="0" smtClean="0"/>
-              <a:t>male </a:t>
-            </a:r>
-            <a:r>
-              <a:rPr lang="en-US" dirty="0"/>
-              <a:t>and a woman as any person </a:t>
-            </a:r>
-            <a:r>
-              <a:rPr lang="en-US" dirty="0" smtClean="0"/>
-              <a:t>whose sex </a:t>
-            </a:r>
-            <a:r>
-              <a:rPr lang="en-US" dirty="0"/>
-              <a:t>is </a:t>
-            </a:r>
-            <a:r>
-              <a:rPr lang="en-US" dirty="0" smtClean="0"/>
-              <a:t>female</a:t>
-            </a:r>
-            <a:endParaRPr lang="en-US" dirty="0"/>
-          </a:p>
-          <a:p>
-            <a:pPr marL="457200" lvl="1" indent="-228600"/>
-            <a:r>
-              <a:rPr lang="en-US" dirty="0"/>
-              <a:t>A boy is defined as a person </a:t>
-            </a:r>
-            <a:r>
-              <a:rPr lang="en-US" dirty="0" smtClean="0"/>
-              <a:t>whose sex </a:t>
-            </a:r>
-            <a:r>
-              <a:rPr lang="en-US" dirty="0"/>
-              <a:t>is </a:t>
-            </a:r>
-            <a:r>
-              <a:rPr lang="en-US" dirty="0" smtClean="0"/>
-              <a:t>male </a:t>
-            </a:r>
-            <a:r>
-              <a:rPr lang="en-US" dirty="0"/>
-              <a:t>and whose age is less than </a:t>
-            </a:r>
-            <a:r>
-              <a:rPr lang="en-US" dirty="0" smtClean="0"/>
-              <a:t>18, a girl is …</a:t>
-            </a:r>
-          </a:p>
-          <a:p>
-            <a:pPr marL="457200" lvl="1" indent="-228600"/>
-            <a:r>
-              <a:rPr lang="en-US" dirty="0" smtClean="0"/>
-              <a:t>A person is either an adult or (age &gt;18), minor (age &lt;18), </a:t>
-            </a:r>
-            <a:r>
-              <a:rPr lang="is-IS" dirty="0" smtClean="0"/>
-              <a:t>…</a:t>
-            </a:r>
-            <a:endParaRPr lang="en-US" dirty="0"/>
-          </a:p>
-          <a:p>
-            <a:pPr marL="228600" lvl="1" indent="0">
-              <a:buNone/>
-            </a:pPr>
-            <a:endParaRPr lang="en-US" dirty="0"/>
-          </a:p>
-        </p:txBody>
-      </p:sp>
-    </p:spTree>
-    <p:extLst>
-      <p:ext uri="{BB962C8B-B14F-4D97-AF65-F5344CB8AC3E}">
-        <p14:creationId xmlns:p14="http://schemas.microsoft.com/office/powerpoint/2010/main" val="974337007"/>
-      </p:ext>
-    </p:extLst>
-  </p:cSld>
-  <p:clrMapOvr>
-    <a:masterClrMapping/>
-  </p:clrMapOvr>
-  <p:timing>
-    <p:tnLst>
-      <p:par>
-        <p:cTn id="1" dur="indefinite" restart="never" nodeType="tmRoot"/>
-      </p:par>
-    </p:tnLst>
-  </p:timing>
 </p:sld>
 </file>
 
@@ -5886,10 +6687,9 @@
           <a:lstStyle/>
           <a:p>
             <a:r>
-              <a:rPr lang="en-US" dirty="0" smtClean="0"/>
-              <a:t>Test cases</a:t>
-            </a:r>
-            <a:endParaRPr lang="en-US" dirty="0"/>
+              <a:rPr lang="en-US" dirty="0"/>
+              <a:t>Demonstration</a:t>
+            </a:r>
           </a:p>
         </p:txBody>
       </p:sp>
@@ -5900,238 +6700,545 @@
             <a:spLocks noGrp="1"/>
           </p:cNvSpPr>
           <p:nvPr>
-            <p:ph sz="half" idx="1"/>
+            <p:ph idx="1"/>
           </p:nvPr>
         </p:nvSpPr>
-        <p:spPr>
-          <a:xfrm>
-            <a:off x="395288" y="1412875"/>
-            <a:ext cx="3312616" cy="4967288"/>
-          </a:xfrm>
-          <a:ln>
-            <a:solidFill>
-              <a:schemeClr val="bg2">
-                <a:lumMod val="20000"/>
-                <a:lumOff val="80000"/>
-              </a:schemeClr>
-            </a:solidFill>
-          </a:ln>
-        </p:spPr>
+        <p:spPr/>
         <p:txBody>
           <a:bodyPr/>
           <a:lstStyle/>
           <a:p>
-            <a:pPr marL="0" indent="0">
-              <a:buNone/>
-            </a:pPr>
-            <a:r>
-              <a:rPr lang="en-US" b="1" dirty="0" err="1" smtClean="0"/>
-              <a:t>AllDifferent</a:t>
-            </a:r>
-            <a:r>
-              <a:rPr lang="en-US" b="1" dirty="0" smtClean="0"/>
-              <a:t> </a:t>
-            </a:r>
-            <a:r>
-              <a:rPr lang="en-US" b="1" dirty="0"/>
-              <a:t>p</a:t>
-            </a:r>
-            <a:r>
-              <a:rPr lang="en-US" b="1" dirty="0" smtClean="0"/>
-              <a:t>eople</a:t>
-            </a:r>
-          </a:p>
-          <a:p>
-            <a:pPr marL="114300" lvl="1" indent="0">
-              <a:buNone/>
-            </a:pPr>
-            <a:r>
-              <a:rPr lang="en-US" b="1" dirty="0" smtClean="0"/>
-              <a:t>Alice F</a:t>
-            </a:r>
-          </a:p>
-          <a:p>
-            <a:pPr marL="114300" lvl="1" indent="0">
-              <a:buNone/>
-            </a:pPr>
-            <a:r>
-              <a:rPr lang="en-US" b="1" dirty="0" smtClean="0"/>
-              <a:t>Bob M</a:t>
-            </a:r>
-          </a:p>
-          <a:p>
-            <a:pPr marL="114300" lvl="1" indent="0">
-              <a:buNone/>
-            </a:pPr>
-            <a:r>
-              <a:rPr lang="en-US" b="1" dirty="0" smtClean="0"/>
-              <a:t>Carol F</a:t>
-            </a:r>
-          </a:p>
-          <a:p>
-            <a:pPr marL="114300" lvl="1" indent="0">
-              <a:buNone/>
-            </a:pPr>
-            <a:r>
-              <a:rPr lang="en-US" b="1" dirty="0" smtClean="0"/>
-              <a:t>Don M</a:t>
-            </a:r>
-          </a:p>
-          <a:p>
-            <a:pPr marL="114300" lvl="1" indent="0">
-              <a:buNone/>
-            </a:pPr>
-            <a:r>
-              <a:rPr lang="en-US" b="1" dirty="0" smtClean="0"/>
-              <a:t>Edith F</a:t>
-            </a:r>
-          </a:p>
-          <a:p>
-            <a:pPr marL="114300" lvl="1" indent="0">
-              <a:buNone/>
-            </a:pPr>
-            <a:r>
-              <a:rPr lang="en-US" b="1" dirty="0" smtClean="0"/>
-              <a:t>Pat ?</a:t>
-            </a:r>
-          </a:p>
-          <a:p>
-            <a:pPr marL="0" indent="-287337">
-              <a:buNone/>
-            </a:pPr>
-            <a:r>
-              <a:rPr lang="en-US" b="1" dirty="0" smtClean="0"/>
-              <a:t>Other people</a:t>
-            </a:r>
-          </a:p>
-          <a:p>
-            <a:pPr marL="114300" lvl="1" indent="0">
-              <a:buNone/>
-            </a:pPr>
-            <a:r>
-              <a:rPr lang="en-US" b="1" dirty="0" smtClean="0"/>
-              <a:t>Frank M</a:t>
-            </a:r>
-          </a:p>
-          <a:p>
-            <a:pPr marL="114300" lvl="1" indent="0">
-              <a:buNone/>
-            </a:pPr>
-            <a:r>
-              <a:rPr lang="en-US" b="1" dirty="0" smtClean="0"/>
-              <a:t>Gwen F</a:t>
-            </a:r>
-            <a:endParaRPr lang="en-US" b="1" dirty="0"/>
-          </a:p>
-        </p:txBody>
-      </p:sp>
-      <p:sp>
-        <p:nvSpPr>
-          <p:cNvPr id="4" name="Content Placeholder 3"/>
-          <p:cNvSpPr>
-            <a:spLocks noGrp="1"/>
-          </p:cNvSpPr>
-          <p:nvPr>
-            <p:ph sz="half" idx="2"/>
-          </p:nvPr>
-        </p:nvSpPr>
-        <p:spPr>
-          <a:xfrm>
-            <a:off x="4139952" y="1412776"/>
-            <a:ext cx="4536504" cy="4967288"/>
-          </a:xfrm>
-          <a:ln>
-            <a:solidFill>
-              <a:schemeClr val="bg1">
-                <a:lumMod val="85000"/>
-              </a:schemeClr>
-            </a:solidFill>
-          </a:ln>
-        </p:spPr>
-        <p:txBody>
-          <a:bodyPr/>
-          <a:lstStyle/>
-          <a:p>
-            <a:pPr marL="0" indent="0">
-              <a:buNone/>
-            </a:pPr>
-            <a:r>
-              <a:rPr lang="en-US" sz="2400" dirty="0" smtClean="0"/>
-              <a:t>Some possible test cases</a:t>
-            </a:r>
-          </a:p>
-          <a:p>
-            <a:r>
-              <a:rPr lang="en-US" sz="2400" dirty="0" smtClean="0"/>
-              <a:t>Alice parent Bob . Bob parent Carol</a:t>
+            <a:r>
+              <a:rPr lang="en-US" sz="3200" dirty="0"/>
+              <a:t>We’ll use Protégé OWL v5.5 to implement a tiny ontology for people</a:t>
+            </a:r>
+          </a:p>
+          <a:p>
+            <a:r>
+              <a:rPr lang="en-US" sz="3200" dirty="0"/>
+              <a:t>Start by downloading and installing Protégé 5.5 (</a:t>
+            </a:r>
+            <a:r>
+              <a:rPr lang="en-US" sz="2800" dirty="0"/>
+              <a:t>You will need </a:t>
+            </a:r>
+            <a:r>
+              <a:rPr lang="en-US" dirty="0"/>
+              <a:t>the JRE installed</a:t>
+            </a:r>
+            <a:r>
+              <a:rPr lang="en-US" sz="2800" dirty="0"/>
+              <a:t>)</a:t>
+            </a:r>
+          </a:p>
+          <a:p>
+            <a:r>
+              <a:rPr lang="en-US" sz="3200" dirty="0"/>
+              <a:t>You may want to install </a:t>
+            </a:r>
+            <a:r>
+              <a:rPr lang="en-US" sz="3200" dirty="0" err="1"/>
+              <a:t>Graphviz</a:t>
+            </a:r>
+            <a:endParaRPr lang="en-US" sz="3200" dirty="0"/>
+          </a:p>
+          <a:p>
+            <a:r>
+              <a:rPr lang="en-US" sz="3200" dirty="0"/>
+              <a:t>Configure Protégé </a:t>
             </a:r>
           </a:p>
           <a:p>
             <a:pPr lvl="1"/>
             <a:r>
-              <a:rPr lang="en-US" sz="2000" dirty="0" smtClean="0"/>
-              <a:t>Alice grandparent Carol</a:t>
-            </a:r>
-          </a:p>
-          <a:p>
-            <a:r>
-              <a:rPr lang="en-US" sz="2400" dirty="0" smtClean="0"/>
-              <a:t>Alice parent Bob . Alice parent Don.</a:t>
-            </a:r>
-          </a:p>
-          <a:p>
-            <a:pPr lvl="1"/>
-            <a:r>
-              <a:rPr lang="en-US" sz="2000" dirty="0" smtClean="0"/>
-              <a:t>Contradiction</a:t>
-            </a:r>
-          </a:p>
-          <a:p>
-            <a:r>
-              <a:rPr lang="en-US" sz="2400" dirty="0" smtClean="0"/>
-              <a:t>Alice parent Bob . Pat parent Bob</a:t>
-            </a:r>
-          </a:p>
-          <a:p>
-            <a:pPr lvl="1"/>
-            <a:r>
-              <a:rPr lang="en-US" sz="2000" dirty="0" smtClean="0"/>
-              <a:t>Pat a female</a:t>
-            </a:r>
-          </a:p>
-          <a:p>
-            <a:r>
-              <a:rPr lang="en-US" sz="2400" dirty="0" smtClean="0"/>
-              <a:t>Alice parent Bob . Gwen parent Bob .</a:t>
-            </a:r>
-          </a:p>
-          <a:p>
-            <a:pPr lvl="1"/>
-            <a:r>
-              <a:rPr lang="en-US" sz="2000" dirty="0" smtClean="0"/>
-              <a:t>Alice owl:sameAs Gwen</a:t>
-            </a:r>
-            <a:endParaRPr lang="en-US" sz="2000" dirty="0"/>
+              <a:rPr lang="en-US" sz="3200" dirty="0"/>
+              <a:t>E.g., select a reasoner to use (e.g., </a:t>
+            </a:r>
+            <a:r>
+              <a:rPr lang="en-US" sz="3200" dirty="0" err="1"/>
+              <a:t>HermiT</a:t>
+            </a:r>
+            <a:r>
+              <a:rPr lang="en-US" sz="3200" dirty="0"/>
+              <a:t>)</a:t>
+            </a:r>
           </a:p>
         </p:txBody>
       </p:sp>
     </p:spTree>
     <p:extLst>
       <p:ext uri="{BB962C8B-B14F-4D97-AF65-F5344CB8AC3E}">
-        <p14:creationId xmlns:p14="http://schemas.microsoft.com/office/powerpoint/2010/main" val="1542402685"/>
+        <p14:creationId xmlns:p14="http://schemas.microsoft.com/office/powerpoint/2010/main" val="690464537"/>
       </p:ext>
     </p:extLst>
   </p:cSld>
   <p:clrMapOvr>
     <a:masterClrMapping/>
   </p:clrMapOvr>
-  <p:timing>
-    <p:tnLst>
-      <p:par>
-        <p:cTn id="1" dur="indefinite" restart="never" nodeType="tmRoot"/>
-      </p:par>
-    </p:tnLst>
-  </p:timing>
+</p:sld>
+</file>
+
+<file path=ppt/slides/slide17.xml><?xml version="1.0" encoding="utf-8"?>
+<p:sld xmlns:a="http://schemas.openxmlformats.org/drawingml/2006/main" xmlns:r="http://schemas.openxmlformats.org/officeDocument/2006/relationships" xmlns:p="http://schemas.openxmlformats.org/presentationml/2006/main">
+  <p:cSld>
+    <p:spTree>
+      <p:nvGrpSpPr>
+        <p:cNvPr id="1" name=""/>
+        <p:cNvGrpSpPr/>
+        <p:nvPr/>
+      </p:nvGrpSpPr>
+      <p:grpSpPr>
+        <a:xfrm>
+          <a:off x="0" y="0"/>
+          <a:ext cx="0" cy="0"/>
+          <a:chOff x="0" y="0"/>
+          <a:chExt cx="0" cy="0"/>
+        </a:xfrm>
+      </p:grpSpPr>
+      <p:sp>
+        <p:nvSpPr>
+          <p:cNvPr id="2" name="Title 1"/>
+          <p:cNvSpPr>
+            <a:spLocks noGrp="1"/>
+          </p:cNvSpPr>
+          <p:nvPr>
+            <p:ph type="title"/>
+          </p:nvPr>
+        </p:nvSpPr>
+        <p:spPr/>
+        <p:txBody>
+          <a:bodyPr/>
+          <a:lstStyle/>
+          <a:p>
+            <a:r>
+              <a:rPr lang="en-US" dirty="0"/>
+              <a:t>A basic workflow</a:t>
+            </a:r>
+          </a:p>
+        </p:txBody>
+      </p:sp>
+      <p:sp>
+        <p:nvSpPr>
+          <p:cNvPr id="3" name="Content Placeholder 2"/>
+          <p:cNvSpPr>
+            <a:spLocks noGrp="1"/>
+          </p:cNvSpPr>
+          <p:nvPr>
+            <p:ph idx="1"/>
+          </p:nvPr>
+        </p:nvSpPr>
+        <p:spPr>
+          <a:xfrm>
+            <a:off x="467544" y="1268760"/>
+            <a:ext cx="8496943" cy="5184576"/>
+          </a:xfrm>
+        </p:spPr>
+        <p:txBody>
+          <a:bodyPr/>
+          <a:lstStyle/>
+          <a:p>
+            <a:r>
+              <a:rPr lang="en-US" dirty="0"/>
+              <a:t>Think about </a:t>
+            </a:r>
+            <a:r>
+              <a:rPr lang="en-US" dirty="0" err="1"/>
+              <a:t>usecases</a:t>
+            </a:r>
+            <a:endParaRPr lang="en-US" dirty="0"/>
+          </a:p>
+          <a:p>
+            <a:r>
+              <a:rPr lang="en-US" dirty="0"/>
+              <a:t>Preliminaries</a:t>
+            </a:r>
+          </a:p>
+          <a:p>
+            <a:pPr lvl="1"/>
+            <a:r>
+              <a:rPr lang="en-US" dirty="0"/>
+              <a:t>Choose namespace URL, import other ontologies used</a:t>
+            </a:r>
+          </a:p>
+          <a:p>
+            <a:r>
+              <a:rPr lang="en-US" dirty="0"/>
+              <a:t>Identify and define classes</a:t>
+            </a:r>
+          </a:p>
+          <a:p>
+            <a:pPr lvl="1"/>
+            <a:r>
+              <a:rPr lang="en-US" dirty="0"/>
+              <a:t>Place in hierarchy, add </a:t>
+            </a:r>
+            <a:r>
+              <a:rPr lang="en-US" b="1" dirty="0"/>
+              <a:t>axioms</a:t>
+            </a:r>
+            <a:r>
+              <a:rPr lang="en-US" dirty="0"/>
+              <a:t> and run reasoner to check for errors or omissions</a:t>
+            </a:r>
+          </a:p>
+          <a:p>
+            <a:r>
+              <a:rPr lang="en-US" dirty="0"/>
+              <a:t>Identify and define properties</a:t>
+            </a:r>
+          </a:p>
+          <a:p>
+            <a:pPr lvl="1"/>
+            <a:r>
+              <a:rPr lang="en-US" dirty="0"/>
+              <a:t>Place in hierarchy, add </a:t>
+            </a:r>
+            <a:r>
+              <a:rPr lang="en-US" b="1" dirty="0"/>
+              <a:t>axioms</a:t>
+            </a:r>
+            <a:r>
+              <a:rPr lang="en-US" dirty="0"/>
+              <a:t>, run reasoner</a:t>
+            </a:r>
+          </a:p>
+          <a:p>
+            <a:r>
+              <a:rPr lang="en-US" dirty="0"/>
+              <a:t>Add individuals &amp; reasoner to check for problems</a:t>
+            </a:r>
+          </a:p>
+          <a:p>
+            <a:r>
+              <a:rPr lang="en-US" dirty="0"/>
+              <a:t>Add comments and labels</a:t>
+            </a:r>
+          </a:p>
+          <a:p>
+            <a:r>
+              <a:rPr lang="en-US" dirty="0"/>
+              <a:t>Export in desired formats, maybe upload to Web</a:t>
+            </a:r>
+          </a:p>
+          <a:p>
+            <a:pPr lvl="1"/>
+            <a:endParaRPr lang="en-US" dirty="0"/>
+          </a:p>
+        </p:txBody>
+      </p:sp>
+    </p:spTree>
+    <p:extLst>
+      <p:ext uri="{BB962C8B-B14F-4D97-AF65-F5344CB8AC3E}">
+        <p14:creationId xmlns:p14="http://schemas.microsoft.com/office/powerpoint/2010/main" val="3614103858"/>
+      </p:ext>
+    </p:extLst>
+  </p:cSld>
+  <p:clrMapOvr>
+    <a:masterClrMapping/>
+  </p:clrMapOvr>
+</p:sld>
+</file>
+
+<file path=ppt/slides/slide18.xml><?xml version="1.0" encoding="utf-8"?>
+<p:sld xmlns:a="http://schemas.openxmlformats.org/drawingml/2006/main" xmlns:r="http://schemas.openxmlformats.org/officeDocument/2006/relationships" xmlns:p="http://schemas.openxmlformats.org/presentationml/2006/main">
+  <p:cSld>
+    <p:spTree>
+      <p:nvGrpSpPr>
+        <p:cNvPr id="1" name=""/>
+        <p:cNvGrpSpPr/>
+        <p:nvPr/>
+      </p:nvGrpSpPr>
+      <p:grpSpPr>
+        <a:xfrm>
+          <a:off x="0" y="0"/>
+          <a:ext cx="0" cy="0"/>
+          <a:chOff x="0" y="0"/>
+          <a:chExt cx="0" cy="0"/>
+        </a:xfrm>
+      </p:grpSpPr>
+      <p:sp>
+        <p:nvSpPr>
+          <p:cNvPr id="2" name="Title 1"/>
+          <p:cNvSpPr>
+            <a:spLocks noGrp="1"/>
+          </p:cNvSpPr>
+          <p:nvPr>
+            <p:ph type="title"/>
+          </p:nvPr>
+        </p:nvSpPr>
+        <p:spPr/>
+        <p:txBody>
+          <a:bodyPr/>
+          <a:lstStyle/>
+          <a:p>
+            <a:r>
+              <a:rPr lang="en-US" dirty="0"/>
+              <a:t>More workflow steps</a:t>
+            </a:r>
+          </a:p>
+        </p:txBody>
+      </p:sp>
+      <p:sp>
+        <p:nvSpPr>
+          <p:cNvPr id="3" name="Content Placeholder 2"/>
+          <p:cNvSpPr>
+            <a:spLocks noGrp="1"/>
+          </p:cNvSpPr>
+          <p:nvPr>
+            <p:ph idx="1"/>
+          </p:nvPr>
+        </p:nvSpPr>
+        <p:spPr>
+          <a:xfrm>
+            <a:off x="467544" y="1051694"/>
+            <a:ext cx="8496943" cy="5184576"/>
+          </a:xfrm>
+        </p:spPr>
+        <p:txBody>
+          <a:bodyPr/>
+          <a:lstStyle/>
+          <a:p>
+            <a:r>
+              <a:rPr lang="en-US" sz="3200" dirty="0"/>
+              <a:t>Use </a:t>
+            </a:r>
+            <a:r>
+              <a:rPr lang="en-US" sz="3200" dirty="0">
+                <a:hlinkClick r:id="rId2"/>
+              </a:rPr>
+              <a:t>OOPS</a:t>
+            </a:r>
+            <a:r>
+              <a:rPr lang="en-US" sz="3200" dirty="0"/>
+              <a:t> to find common ontology pitfalls</a:t>
+            </a:r>
+          </a:p>
+          <a:p>
+            <a:pPr marL="395287" lvl="1" indent="0">
+              <a:buNone/>
+            </a:pPr>
+            <a:r>
+              <a:rPr lang="en-US" dirty="0" err="1"/>
+              <a:t>OntOlogy</a:t>
+            </a:r>
+            <a:r>
+              <a:rPr lang="en-US" dirty="0"/>
+              <a:t> Pitfall Scanner detect many common pitfalls introduced when developing ontologies</a:t>
+            </a:r>
+            <a:endParaRPr lang="en-US" sz="2800" dirty="0"/>
+          </a:p>
+          <a:p>
+            <a:r>
+              <a:rPr lang="en-US" sz="3200" dirty="0"/>
+              <a:t>Link concepts (and individuals) to common ontologies (e.g., DBpedia, Freebase, foaf)</a:t>
+            </a:r>
+          </a:p>
+          <a:p>
+            <a:pPr marL="395287" lvl="1" indent="0">
+              <a:buNone/>
+            </a:pPr>
+            <a:r>
+              <a:rPr lang="en-US" dirty="0"/>
+              <a:t>Use owl:sameAs</a:t>
+            </a:r>
+          </a:p>
+          <a:p>
+            <a:r>
+              <a:rPr lang="en-US" sz="3200" dirty="0"/>
+              <a:t>Generate visualizations</a:t>
+            </a:r>
+          </a:p>
+          <a:p>
+            <a:r>
+              <a:rPr lang="en-US" sz="3200" dirty="0"/>
+              <a:t>Produce documentation</a:t>
+            </a:r>
+          </a:p>
+          <a:p>
+            <a:r>
+              <a:rPr lang="en-US" sz="3200" dirty="0"/>
+              <a:t>Develop examples with your use case(s)</a:t>
+            </a:r>
+          </a:p>
+          <a:p>
+            <a:r>
+              <a:rPr lang="en-US" sz="3200" dirty="0"/>
+              <a:t>Encode data, describe in </a:t>
+            </a:r>
+            <a:r>
+              <a:rPr lang="en-US" sz="3200" dirty="0">
+                <a:hlinkClick r:id="rId3"/>
+              </a:rPr>
+              <a:t>VoID</a:t>
+            </a:r>
+            <a:r>
+              <a:rPr lang="en-US" sz="3200" dirty="0"/>
+              <a:t> (Vocabulary of Interlinked Datasets),  add to LOD cloud</a:t>
+            </a:r>
+          </a:p>
+        </p:txBody>
+      </p:sp>
+    </p:spTree>
+    <p:extLst>
+      <p:ext uri="{BB962C8B-B14F-4D97-AF65-F5344CB8AC3E}">
+        <p14:creationId xmlns:p14="http://schemas.microsoft.com/office/powerpoint/2010/main" val="2052901144"/>
+      </p:ext>
+    </p:extLst>
+  </p:cSld>
+  <p:clrMapOvr>
+    <a:masterClrMapping/>
+  </p:clrMapOvr>
+</p:sld>
+</file>
+
+<file path=ppt/slides/slide19.xml><?xml version="1.0" encoding="utf-8"?>
+<p:sld xmlns:a="http://schemas.openxmlformats.org/drawingml/2006/main" xmlns:r="http://schemas.openxmlformats.org/officeDocument/2006/relationships" xmlns:p="http://schemas.openxmlformats.org/presentationml/2006/main">
+  <p:cSld>
+    <p:spTree>
+      <p:nvGrpSpPr>
+        <p:cNvPr id="1" name=""/>
+        <p:cNvGrpSpPr/>
+        <p:nvPr/>
+      </p:nvGrpSpPr>
+      <p:grpSpPr>
+        <a:xfrm>
+          <a:off x="0" y="0"/>
+          <a:ext cx="0" cy="0"/>
+          <a:chOff x="0" y="0"/>
+          <a:chExt cx="0" cy="0"/>
+        </a:xfrm>
+      </p:grpSpPr>
+      <p:sp>
+        <p:nvSpPr>
+          <p:cNvPr id="2" name="Title 1"/>
+          <p:cNvSpPr>
+            <a:spLocks noGrp="1"/>
+          </p:cNvSpPr>
+          <p:nvPr>
+            <p:ph type="title"/>
+          </p:nvPr>
+        </p:nvSpPr>
+        <p:spPr/>
+        <p:txBody>
+          <a:bodyPr/>
+          <a:lstStyle/>
+          <a:p>
+            <a:r>
+              <a:rPr lang="en-US" dirty="0"/>
+              <a:t>Demonstration/HW4</a:t>
+            </a:r>
+          </a:p>
+        </p:txBody>
+      </p:sp>
+      <p:sp>
+        <p:nvSpPr>
+          <p:cNvPr id="3" name="Content Placeholder 2"/>
+          <p:cNvSpPr>
+            <a:spLocks noGrp="1"/>
+          </p:cNvSpPr>
+          <p:nvPr>
+            <p:ph idx="1"/>
+          </p:nvPr>
+        </p:nvSpPr>
+        <p:spPr>
+          <a:xfrm>
+            <a:off x="395289" y="1412874"/>
+            <a:ext cx="8353176" cy="5328493"/>
+          </a:xfrm>
+        </p:spPr>
+        <p:txBody>
+          <a:bodyPr/>
+          <a:lstStyle/>
+          <a:p>
+            <a:pPr marL="0" indent="0">
+              <a:buNone/>
+            </a:pPr>
+            <a:r>
+              <a:rPr lang="en-US" dirty="0"/>
+              <a:t>Use Protégé OWL (v5.5) to build a simple ontology for people based on the following</a:t>
+            </a:r>
+          </a:p>
+          <a:p>
+            <a:pPr marL="457200" lvl="1" indent="-228600"/>
+            <a:r>
+              <a:rPr lang="en-US" dirty="0"/>
+              <a:t>People have just one sex that’s either </a:t>
+            </a:r>
+            <a:r>
+              <a:rPr lang="en-US" i="1" dirty="0"/>
+              <a:t>male</a:t>
+            </a:r>
+            <a:r>
+              <a:rPr lang="en-US" dirty="0"/>
+              <a:t> or </a:t>
+            </a:r>
+            <a:r>
+              <a:rPr lang="en-US" i="1" dirty="0"/>
+              <a:t>female</a:t>
+            </a:r>
+            <a:r>
+              <a:rPr lang="en-US" dirty="0"/>
+              <a:t>, an integer age, and two parents, one male, one female</a:t>
+            </a:r>
+          </a:p>
+          <a:p>
+            <a:pPr marL="457200" lvl="1" indent="-228600"/>
+            <a:r>
+              <a:rPr lang="en-US" dirty="0"/>
+              <a:t>A person’s grandparent is the parent of their parent</a:t>
+            </a:r>
+          </a:p>
+          <a:p>
+            <a:pPr marL="457200" lvl="1" indent="-228600"/>
+            <a:r>
+              <a:rPr lang="en-US" dirty="0"/>
+              <a:t>Every person is either a man or a woman but not both</a:t>
+            </a:r>
+          </a:p>
+          <a:p>
+            <a:pPr marL="457200" lvl="1" indent="-228600"/>
+            <a:r>
+              <a:rPr lang="en-US" dirty="0"/>
+              <a:t>A man is defined as any person whose sex is male and a woman as any person whose sex is female</a:t>
+            </a:r>
+          </a:p>
+          <a:p>
+            <a:pPr marL="457200" lvl="1" indent="-228600"/>
+            <a:r>
+              <a:rPr lang="en-US" dirty="0"/>
+              <a:t>A boy is defined as a person whose sex is male and whose age is less than 18, a girl is …</a:t>
+            </a:r>
+          </a:p>
+          <a:p>
+            <a:pPr marL="457200" lvl="1" indent="-228600"/>
+            <a:r>
+              <a:rPr lang="en-US" dirty="0"/>
+              <a:t>A person is either an adult or (age &gt;18), minor (age &lt;18), </a:t>
+            </a:r>
+            <a:r>
+              <a:rPr lang="is-IS" dirty="0"/>
+              <a:t>…</a:t>
+            </a:r>
+            <a:endParaRPr lang="en-US" dirty="0"/>
+          </a:p>
+          <a:p>
+            <a:pPr marL="228600" lvl="1" indent="0">
+              <a:buNone/>
+            </a:pPr>
+            <a:endParaRPr lang="en-US" dirty="0"/>
+          </a:p>
+        </p:txBody>
+      </p:sp>
+    </p:spTree>
+    <p:extLst>
+      <p:ext uri="{BB962C8B-B14F-4D97-AF65-F5344CB8AC3E}">
+        <p14:creationId xmlns:p14="http://schemas.microsoft.com/office/powerpoint/2010/main" val="974337007"/>
+      </p:ext>
+    </p:extLst>
+  </p:cSld>
+  <p:clrMapOvr>
+    <a:masterClrMapping/>
+  </p:clrMapOvr>
 </p:sld>
 </file>
 
@@ -6169,7 +7276,7 @@
           <a:p>
             <a:pPr eaLnBrk="1" hangingPunct="1"/>
             <a:r>
-              <a:rPr lang="en-GB" dirty="0" smtClean="0"/>
+              <a:rPr lang="en-GB" dirty="0"/>
               <a:t>IDEs for Ontologies</a:t>
             </a:r>
             <a:endParaRPr lang="en-US" dirty="0"/>
@@ -6200,32 +7307,19 @@
               <a:defRPr/>
             </a:pPr>
             <a:r>
-              <a:rPr lang="en-US" sz="3200" dirty="0" smtClean="0"/>
+              <a:rPr lang="en-US" sz="3200" dirty="0"/>
               <a:t>Some people use simple text editors</a:t>
             </a:r>
-            <a:endParaRPr lang="en-US" sz="3200" dirty="0"/>
           </a:p>
           <a:p>
             <a:pPr marL="455613" lvl="1" indent="-228600" eaLnBrk="1" hangingPunct="1">
               <a:defRPr/>
             </a:pPr>
             <a:r>
-              <a:rPr lang="en-US" sz="2800" dirty="0" smtClean="0">
+              <a:rPr lang="en-US" sz="2800" dirty="0">
                 <a:ea typeface="ＭＳ Ｐゴシック" charset="0"/>
               </a:rPr>
-              <a:t>Working </a:t>
-            </a:r>
-            <a:r>
-              <a:rPr lang="en-US" sz="2800" dirty="0" smtClean="0">
-                <a:ea typeface="ＭＳ Ｐゴシック" charset="0"/>
-              </a:rPr>
-              <a:t>with </a:t>
-            </a:r>
-            <a:r>
-              <a:rPr lang="en-US" sz="2800" dirty="0" smtClean="0">
-                <a:ea typeface="ＭＳ Ｐゴシック" charset="0"/>
-              </a:rPr>
-              <a:t>XML serialization will drive you crazy</a:t>
+              <a:t>Working with XML serialization will drive you crazy</a:t>
             </a:r>
           </a:p>
           <a:p>
@@ -6233,21 +7327,18 @@
               <a:defRPr/>
             </a:pPr>
             <a:r>
-              <a:rPr lang="en-US" sz="2800" dirty="0" smtClean="0">
+              <a:rPr lang="en-US" sz="2800" dirty="0">
                 <a:ea typeface="ＭＳ Ｐゴシック" charset="0"/>
               </a:rPr>
               <a:t>Using Turtle or an abstract syntax works well</a:t>
             </a:r>
-            <a:endParaRPr lang="en-US" sz="2800" dirty="0">
-              <a:ea typeface="ＭＳ Ｐゴシック" charset="0"/>
-            </a:endParaRPr>
           </a:p>
           <a:p>
             <a:pPr marL="342900" indent="-342900" eaLnBrk="1" hangingPunct="1">
               <a:defRPr/>
             </a:pPr>
             <a:r>
-              <a:rPr lang="en-US" sz="3200" dirty="0" smtClean="0"/>
+              <a:rPr lang="en-US" sz="3200" dirty="0"/>
               <a:t>Others prefer an IDE</a:t>
             </a:r>
           </a:p>
@@ -6256,26 +7347,23 @@
               <a:defRPr/>
             </a:pPr>
             <a:r>
-              <a:rPr lang="en-US" sz="2800" dirty="0" smtClean="0"/>
+              <a:rPr lang="en-US" sz="2800" dirty="0"/>
               <a:t>Good IDEs include support for reasoning, visualization, and more</a:t>
             </a:r>
-            <a:endParaRPr lang="en-US" sz="2800" dirty="0"/>
           </a:p>
           <a:p>
             <a:pPr marL="342900" indent="-342900" eaLnBrk="1" hangingPunct="1">
               <a:defRPr/>
             </a:pPr>
             <a:r>
-              <a:rPr lang="en-US" sz="3200" dirty="0" smtClean="0"/>
-              <a:t>Protégé </a:t>
-            </a:r>
-            <a:r>
-              <a:rPr lang="en-US" sz="3200" dirty="0" smtClean="0"/>
-              <a:t>is </a:t>
-            </a:r>
-            <a:r>
-              <a:rPr lang="en-US" sz="3200" dirty="0" smtClean="0"/>
-              <a:t>a very popular IDE</a:t>
+              <a:rPr lang="en-US" sz="3200" dirty="0">
+                <a:hlinkClick r:id="rId3"/>
+              </a:rPr>
+              <a:t>Protégé</a:t>
+            </a:r>
+            <a:r>
+              <a:rPr lang="en-US" sz="3200" dirty="0"/>
+              <a:t> is a very popular IDE</a:t>
             </a:r>
           </a:p>
           <a:p>
@@ -6283,7 +7371,7 @@
               <a:defRPr/>
             </a:pPr>
             <a:r>
-              <a:rPr lang="en-US" sz="2800" dirty="0" smtClean="0"/>
+              <a:rPr lang="en-US" sz="2800" dirty="0"/>
               <a:t>From Stanford, free, lots of plugins</a:t>
             </a:r>
           </a:p>
@@ -6292,17 +7380,17 @@
               <a:defRPr/>
             </a:pPr>
             <a:r>
-              <a:rPr lang="en-US" sz="3200" dirty="0" smtClean="0"/>
+              <a:rPr lang="en-US" sz="3200" dirty="0"/>
               <a:t>TopQuadrant </a:t>
             </a:r>
             <a:r>
-              <a:rPr lang="en-US" sz="3200" dirty="0" smtClean="0">
-                <a:hlinkClick r:id="rId3"/>
+              <a:rPr lang="en-US" sz="3200" dirty="0">
+                <a:hlinkClick r:id="rId4"/>
               </a:rPr>
               <a:t>Composer</a:t>
             </a:r>
             <a:r>
-              <a:rPr lang="en-US" sz="3200" dirty="0" smtClean="0"/>
+              <a:rPr lang="en-US" sz="3200" dirty="0"/>
               <a:t> is also good</a:t>
             </a:r>
           </a:p>
@@ -6311,14 +7399,9 @@
               <a:defRPr/>
             </a:pPr>
             <a:r>
-              <a:rPr lang="en-US" sz="2800" dirty="0" smtClean="0"/>
-              <a:t>Feature rich but expensive ($600 for a </a:t>
-            </a:r>
-            <a:r>
-              <a:rPr lang="en-US" sz="2800" dirty="0" smtClean="0"/>
-              <a:t>single license)</a:t>
-            </a:r>
-            <a:endParaRPr lang="en-US" sz="2800" dirty="0" smtClean="0"/>
+              <a:rPr lang="en-US" sz="2800" dirty="0"/>
+              <a:t>Feature rich but expensive ($600 for a single license)</a:t>
+            </a:r>
           </a:p>
           <a:p>
             <a:pPr marL="342900" indent="-342900" eaLnBrk="1" hangingPunct="1">
@@ -6721,6 +7804,270 @@
 </p:sld>
 </file>
 
+<file path=ppt/slides/slide20.xml><?xml version="1.0" encoding="utf-8"?>
+<p:sld xmlns:a="http://schemas.openxmlformats.org/drawingml/2006/main" xmlns:r="http://schemas.openxmlformats.org/officeDocument/2006/relationships" xmlns:p="http://schemas.openxmlformats.org/presentationml/2006/main">
+  <p:cSld>
+    <p:spTree>
+      <p:nvGrpSpPr>
+        <p:cNvPr id="1" name=""/>
+        <p:cNvGrpSpPr/>
+        <p:nvPr/>
+      </p:nvGrpSpPr>
+      <p:grpSpPr>
+        <a:xfrm>
+          <a:off x="0" y="0"/>
+          <a:ext cx="0" cy="0"/>
+          <a:chOff x="0" y="0"/>
+          <a:chExt cx="0" cy="0"/>
+        </a:xfrm>
+      </p:grpSpPr>
+      <p:sp>
+        <p:nvSpPr>
+          <p:cNvPr id="2" name="Title 1"/>
+          <p:cNvSpPr>
+            <a:spLocks noGrp="1"/>
+          </p:cNvSpPr>
+          <p:nvPr>
+            <p:ph type="title"/>
+          </p:nvPr>
+        </p:nvSpPr>
+        <p:spPr/>
+        <p:txBody>
+          <a:bodyPr/>
+          <a:lstStyle/>
+          <a:p>
+            <a:r>
+              <a:rPr lang="en-US" dirty="0"/>
+              <a:t>Test cases</a:t>
+            </a:r>
+          </a:p>
+        </p:txBody>
+      </p:sp>
+      <p:sp>
+        <p:nvSpPr>
+          <p:cNvPr id="3" name="Content Placeholder 2"/>
+          <p:cNvSpPr>
+            <a:spLocks noGrp="1"/>
+          </p:cNvSpPr>
+          <p:nvPr>
+            <p:ph sz="half" idx="1"/>
+          </p:nvPr>
+        </p:nvSpPr>
+        <p:spPr>
+          <a:xfrm>
+            <a:off x="395288" y="1412875"/>
+            <a:ext cx="3312616" cy="4967288"/>
+          </a:xfrm>
+          <a:ln>
+            <a:solidFill>
+              <a:schemeClr val="bg2">
+                <a:lumMod val="20000"/>
+                <a:lumOff val="80000"/>
+              </a:schemeClr>
+            </a:solidFill>
+          </a:ln>
+        </p:spPr>
+        <p:txBody>
+          <a:bodyPr/>
+          <a:lstStyle/>
+          <a:p>
+            <a:pPr marL="0" indent="0">
+              <a:buNone/>
+            </a:pPr>
+            <a:r>
+              <a:rPr lang="en-US" b="1" dirty="0" err="1"/>
+              <a:t>AllDifferent</a:t>
+            </a:r>
+            <a:r>
+              <a:rPr lang="en-US" b="1" dirty="0"/>
+              <a:t> people</a:t>
+            </a:r>
+          </a:p>
+          <a:p>
+            <a:pPr marL="114300" lvl="1" indent="0">
+              <a:buNone/>
+            </a:pPr>
+            <a:r>
+              <a:rPr lang="en-US" b="1" dirty="0"/>
+              <a:t>Alice F</a:t>
+            </a:r>
+          </a:p>
+          <a:p>
+            <a:pPr marL="114300" lvl="1" indent="0">
+              <a:buNone/>
+            </a:pPr>
+            <a:r>
+              <a:rPr lang="en-US" b="1" dirty="0"/>
+              <a:t>Bob M</a:t>
+            </a:r>
+          </a:p>
+          <a:p>
+            <a:pPr marL="114300" lvl="1" indent="0">
+              <a:buNone/>
+            </a:pPr>
+            <a:r>
+              <a:rPr lang="en-US" b="1" dirty="0"/>
+              <a:t>Carol F</a:t>
+            </a:r>
+          </a:p>
+          <a:p>
+            <a:pPr marL="114300" lvl="1" indent="0">
+              <a:buNone/>
+            </a:pPr>
+            <a:r>
+              <a:rPr lang="en-US" b="1" dirty="0"/>
+              <a:t>Don M</a:t>
+            </a:r>
+          </a:p>
+          <a:p>
+            <a:pPr marL="114300" lvl="1" indent="0">
+              <a:buNone/>
+            </a:pPr>
+            <a:r>
+              <a:rPr lang="en-US" b="1" dirty="0"/>
+              <a:t>Edith F</a:t>
+            </a:r>
+          </a:p>
+          <a:p>
+            <a:pPr marL="114300" lvl="1" indent="0">
+              <a:buNone/>
+            </a:pPr>
+            <a:r>
+              <a:rPr lang="en-US" b="1" dirty="0"/>
+              <a:t>Pat ?</a:t>
+            </a:r>
+          </a:p>
+          <a:p>
+            <a:pPr marL="0" indent="-287337">
+              <a:buNone/>
+            </a:pPr>
+            <a:r>
+              <a:rPr lang="en-US" b="1" dirty="0"/>
+              <a:t>Other people</a:t>
+            </a:r>
+          </a:p>
+          <a:p>
+            <a:pPr marL="114300" lvl="1" indent="0">
+              <a:buNone/>
+            </a:pPr>
+            <a:r>
+              <a:rPr lang="en-US" b="1" dirty="0"/>
+              <a:t>Frank M</a:t>
+            </a:r>
+          </a:p>
+          <a:p>
+            <a:pPr marL="114300" lvl="1" indent="0">
+              <a:buNone/>
+            </a:pPr>
+            <a:r>
+              <a:rPr lang="en-US" b="1" dirty="0"/>
+              <a:t>Gwen F</a:t>
+            </a:r>
+          </a:p>
+        </p:txBody>
+      </p:sp>
+      <p:sp>
+        <p:nvSpPr>
+          <p:cNvPr id="4" name="Content Placeholder 3"/>
+          <p:cNvSpPr>
+            <a:spLocks noGrp="1"/>
+          </p:cNvSpPr>
+          <p:nvPr>
+            <p:ph sz="half" idx="2"/>
+          </p:nvPr>
+        </p:nvSpPr>
+        <p:spPr>
+          <a:xfrm>
+            <a:off x="4139952" y="1412776"/>
+            <a:ext cx="4536504" cy="4967288"/>
+          </a:xfrm>
+          <a:ln>
+            <a:solidFill>
+              <a:schemeClr val="bg1">
+                <a:lumMod val="85000"/>
+              </a:schemeClr>
+            </a:solidFill>
+          </a:ln>
+        </p:spPr>
+        <p:txBody>
+          <a:bodyPr/>
+          <a:lstStyle/>
+          <a:p>
+            <a:pPr marL="0" indent="0">
+              <a:buNone/>
+            </a:pPr>
+            <a:r>
+              <a:rPr lang="en-US" sz="2400" dirty="0"/>
+              <a:t>Some possible test cases</a:t>
+            </a:r>
+          </a:p>
+          <a:p>
+            <a:r>
+              <a:rPr lang="en-US" sz="2400" dirty="0"/>
+              <a:t>Alice parent Bob . Bob parent Carol</a:t>
+            </a:r>
+          </a:p>
+          <a:p>
+            <a:pPr lvl="1"/>
+            <a:r>
+              <a:rPr lang="en-US" sz="2000" dirty="0"/>
+              <a:t>Alice grandparent Carol</a:t>
+            </a:r>
+          </a:p>
+          <a:p>
+            <a:r>
+              <a:rPr lang="en-US" sz="2400" dirty="0"/>
+              <a:t>Alice parent Bob . Alice parent Don.</a:t>
+            </a:r>
+          </a:p>
+          <a:p>
+            <a:pPr lvl="1"/>
+            <a:r>
+              <a:rPr lang="en-US" sz="2000" dirty="0"/>
+              <a:t>Contradiction</a:t>
+            </a:r>
+          </a:p>
+          <a:p>
+            <a:r>
+              <a:rPr lang="en-US" sz="2400" dirty="0"/>
+              <a:t>Alice parent Bob . Pat parent Bob</a:t>
+            </a:r>
+          </a:p>
+          <a:p>
+            <a:pPr lvl="1"/>
+            <a:r>
+              <a:rPr lang="en-US" sz="2000" dirty="0"/>
+              <a:t>Pat a female</a:t>
+            </a:r>
+          </a:p>
+          <a:p>
+            <a:r>
+              <a:rPr lang="en-US" sz="2400" dirty="0"/>
+              <a:t>Alice parent Bob . Gwen parent Bob .</a:t>
+            </a:r>
+          </a:p>
+          <a:p>
+            <a:pPr lvl="1"/>
+            <a:r>
+              <a:rPr lang="en-US" sz="2000" dirty="0"/>
+              <a:t>Alice owl:sameAs Gwen</a:t>
+            </a:r>
+          </a:p>
+        </p:txBody>
+      </p:sp>
+    </p:spTree>
+    <p:extLst>
+      <p:ext uri="{BB962C8B-B14F-4D97-AF65-F5344CB8AC3E}">
+        <p14:creationId xmlns:p14="http://schemas.microsoft.com/office/powerpoint/2010/main" val="1542402685"/>
+      </p:ext>
+    </p:extLst>
+  </p:cSld>
+  <p:clrMapOvr>
+    <a:masterClrMapping/>
+  </p:clrMapOvr>
+</p:sld>
+</file>
+
 <file path=ppt/slides/slide3.xml><?xml version="1.0" encoding="utf-8"?>
 <p:sld xmlns:a="http://schemas.openxmlformats.org/drawingml/2006/main" xmlns:r="http://schemas.openxmlformats.org/officeDocument/2006/relationships" xmlns:p="http://schemas.openxmlformats.org/presentationml/2006/main">
   <p:cSld>
@@ -6754,10 +8101,9 @@
           <a:lstStyle/>
           <a:p>
             <a:r>
-              <a:rPr lang="en-US" dirty="0" smtClean="0"/>
-              <a:t>Protégé 5.1</a:t>
-            </a:r>
-            <a:endParaRPr lang="en-US" dirty="0"/>
+              <a:rPr lang="en-US" dirty="0"/>
+              <a:t>Protégé 5.5</a:t>
+            </a:r>
           </a:p>
         </p:txBody>
       </p:sp>
@@ -6801,13 +8147,6 @@
   <p:clrMapOvr>
     <a:masterClrMapping/>
   </p:clrMapOvr>
-  <p:timing>
-    <p:tnLst>
-      <p:par>
-        <p:cTn id="1" dur="indefinite" restart="never" nodeType="tmRoot"/>
-      </p:par>
-    </p:tnLst>
-  </p:timing>
 </p:sld>
 </file>
 
@@ -6844,14 +8183,9 @@
           <a:lstStyle/>
           <a:p>
             <a:r>
-              <a:rPr lang="en-US" dirty="0" smtClean="0"/>
-              <a:t>Protégé </a:t>
-            </a:r>
-            <a:r>
-              <a:rPr lang="en-US" dirty="0" smtClean="0"/>
-              <a:t>5.2</a:t>
-            </a:r>
-            <a:endParaRPr lang="en-US" dirty="0"/>
+              <a:rPr lang="en-US" dirty="0"/>
+              <a:t>Protégé 5.5</a:t>
+            </a:r>
           </a:p>
         </p:txBody>
       </p:sp>
@@ -6876,17 +8210,24 @@
               </a:spcAft>
             </a:pPr>
             <a:r>
-              <a:rPr lang="en-US" sz="3200" dirty="0" smtClean="0"/>
+              <a:rPr lang="en-US" sz="3200" dirty="0">
+                <a:hlinkClick r:id="rId2"/>
+              </a:rPr>
               <a:t>http://</a:t>
             </a:r>
             <a:r>
-              <a:rPr lang="en-US" sz="3200" dirty="0" err="1" smtClean="0"/>
+              <a:rPr lang="en-US" sz="3200" dirty="0" err="1">
+                <a:hlinkClick r:id="rId2"/>
+              </a:rPr>
               <a:t>protege.stanford.edu</a:t>
             </a:r>
             <a:r>
-              <a:rPr lang="en-US" sz="3200" dirty="0" smtClean="0"/>
+              <a:rPr lang="en-US" sz="3200" dirty="0">
+                <a:hlinkClick r:id="rId2"/>
+              </a:rPr>
               <a:t>/</a:t>
             </a:r>
+            <a:endParaRPr lang="en-US" sz="3200" dirty="0"/>
           </a:p>
           <a:p>
             <a:pPr>
@@ -6895,14 +8236,9 @@
               </a:spcAft>
             </a:pPr>
             <a:r>
-              <a:rPr lang="en-US" sz="3200" dirty="0" smtClean="0"/>
-              <a:t>Free, open source ontology editor and KB </a:t>
-            </a:r>
-            <a:r>
-              <a:rPr lang="en-US" sz="3200" dirty="0" smtClean="0"/>
-              <a:t>framework </a:t>
-            </a:r>
-            <a:endParaRPr lang="en-US" sz="3200" dirty="0" smtClean="0"/>
+              <a:rPr lang="en-US" sz="3200" dirty="0"/>
+              <a:t>Free, open source ontology editor and KB framework </a:t>
+            </a:r>
           </a:p>
           <a:p>
             <a:pPr>
@@ -6911,7 +8247,7 @@
               </a:spcAft>
             </a:pPr>
             <a:r>
-              <a:rPr lang="en-US" sz="3200" dirty="0" smtClean="0"/>
+              <a:rPr lang="en-US" sz="3200" dirty="0"/>
               <a:t>Predates OWL, still supports earlier Frames representation</a:t>
             </a:r>
           </a:p>
@@ -6922,12 +8258,19 @@
               </a:spcAft>
             </a:pPr>
             <a:r>
-              <a:rPr lang="en-US" sz="3200" dirty="0" smtClean="0"/>
-              <a:t>In Java, extensible, large community of </a:t>
-            </a:r>
-            <a:r>
-              <a:rPr lang="en-US" sz="3200" dirty="0" smtClean="0"/>
-              <a:t>users</a:t>
+              <a:rPr lang="en-US" sz="3200" dirty="0"/>
+              <a:t>In Java, extensible, large community of users</a:t>
+            </a:r>
+          </a:p>
+          <a:p>
+            <a:pPr lvl="1">
+              <a:spcAft>
+                <a:spcPts val="600"/>
+              </a:spcAft>
+            </a:pPr>
+            <a:r>
+              <a:rPr lang="en-US" sz="2800" dirty="0"/>
+              <a:t>Requires Java Runtime Environment</a:t>
             </a:r>
           </a:p>
           <a:p>
@@ -6937,26 +8280,25 @@
               </a:spcAft>
             </a:pPr>
             <a:r>
-              <a:rPr lang="en-US" sz="3200" dirty="0" smtClean="0">
-                <a:hlinkClick r:id="rId2"/>
+              <a:rPr lang="en-US" sz="3200" dirty="0">
+                <a:hlinkClick r:id="rId3"/>
               </a:rPr>
               <a:t>Desktop</a:t>
             </a:r>
             <a:r>
-              <a:rPr lang="en-US" sz="3200" dirty="0" smtClean="0"/>
+              <a:rPr lang="en-US" sz="3200" dirty="0"/>
               <a:t> and </a:t>
             </a:r>
             <a:r>
-              <a:rPr lang="en-US" sz="3200" dirty="0" smtClean="0">
-                <a:hlinkClick r:id="rId3"/>
+              <a:rPr lang="en-US" sz="3200" dirty="0">
+                <a:hlinkClick r:id="rId4"/>
               </a:rPr>
               <a:t>Web</a:t>
             </a:r>
             <a:r>
-              <a:rPr lang="en-US" sz="3200" dirty="0" smtClean="0"/>
+              <a:rPr lang="en-US" sz="3200" dirty="0"/>
               <a:t> versions</a:t>
             </a:r>
-            <a:endParaRPr lang="en-US" sz="3200" dirty="0" smtClean="0"/>
           </a:p>
           <a:p>
             <a:pPr lvl="1">
@@ -6965,16 +8307,8 @@
               </a:spcAft>
             </a:pPr>
             <a:r>
-              <a:rPr lang="en-US" sz="2800" dirty="0" smtClean="0"/>
-              <a:t>Works will under </a:t>
-            </a:r>
-            <a:r>
               <a:rPr lang="en-US" sz="2800" dirty="0"/>
-              <a:t>L</a:t>
-            </a:r>
-            <a:r>
-              <a:rPr lang="en-US" sz="2800" dirty="0" smtClean="0"/>
-              <a:t>inux, Mac OS X and Windows</a:t>
+              <a:t>Works will under Linux, Mac OS X and Windows</a:t>
             </a:r>
           </a:p>
         </p:txBody>
@@ -6989,13 +8323,6 @@
   <p:clrMapOvr>
     <a:masterClrMapping/>
   </p:clrMapOvr>
-  <p:timing>
-    <p:tnLst>
-      <p:par>
-        <p:cTn id="1" dur="indefinite" restart="never" nodeType="tmRoot"/>
-      </p:par>
-    </p:tnLst>
-  </p:timing>
 </p:sld>
 </file>
 
@@ -7032,12 +8359,8 @@
           <a:lstStyle/>
           <a:p>
             <a:r>
-              <a:rPr lang="en-US" dirty="0" smtClean="0"/>
-              <a:t>Desktop </a:t>
-            </a:r>
-            <a:r>
               <a:rPr lang="en-US" dirty="0"/>
-              <a:t>Protégé </a:t>
+              <a:t>Desktop Protégé </a:t>
             </a:r>
           </a:p>
         </p:txBody>
@@ -7118,14 +8441,9 @@
           <a:lstStyle/>
           <a:p>
             <a:r>
-              <a:rPr lang="en-US" dirty="0" smtClean="0"/>
-              <a:t>Web </a:t>
-            </a:r>
-            <a:r>
               <a:rPr lang="en-US" dirty="0"/>
-              <a:t>Protégé </a:t>
-            </a:r>
-            <a:endParaRPr lang="en-US" dirty="0"/>
+              <a:t>Web Protégé </a:t>
+            </a:r>
           </a:p>
         </p:txBody>
       </p:sp>
@@ -7205,10 +8523,9 @@
           <a:lstStyle/>
           <a:p>
             <a:r>
-              <a:rPr lang="en-US" dirty="0" smtClean="0"/>
+              <a:rPr lang="en-US" dirty="0"/>
               <a:t>YAS: Yet Another Syntax</a:t>
             </a:r>
-            <a:endParaRPr lang="en-US" dirty="0"/>
           </a:p>
         </p:txBody>
       </p:sp>
@@ -7235,26 +8552,13 @@
           <a:p>
             <a:r>
               <a:rPr lang="en-US" dirty="0"/>
-              <a:t>Protégé uses the Manchester </a:t>
-            </a:r>
-            <a:r>
-              <a:rPr lang="en-US" dirty="0" smtClean="0"/>
-              <a:t>syntax</a:t>
-            </a:r>
-            <a:endParaRPr lang="en-US" dirty="0"/>
+              <a:t>Protégé uses the Manchester syntax</a:t>
+            </a:r>
           </a:p>
           <a:p>
             <a:r>
               <a:rPr lang="en-US" dirty="0"/>
-              <a:t>S</a:t>
-            </a:r>
-            <a:r>
-              <a:rPr lang="en-US" dirty="0" smtClean="0"/>
-              <a:t>impler </a:t>
-            </a:r>
-            <a:r>
-              <a:rPr lang="en-US" dirty="0"/>
-              <a:t>and more compact: “some” and “only”, not “</a:t>
+              <a:t>Simpler and more compact: “some” and “only”, not “</a:t>
             </a:r>
             <a:r>
               <a:rPr lang="en-US" dirty="0" err="1"/>
@@ -7285,27 +8589,17 @@
               <a:t>http://bit.ly/manSyn</a:t>
             </a:r>
             <a:r>
-              <a:rPr lang="en-US" dirty="0" smtClean="0"/>
-              <a:t>),  </a:t>
-            </a:r>
-            <a:r>
               <a:rPr lang="en-US" dirty="0"/>
-              <a:t>used in the OWL 2 Primer (</a:t>
+              <a:t>),  used in the OWL 2 Primer (</a:t>
             </a:r>
             <a:r>
               <a:rPr lang="en-US" dirty="0">
                 <a:hlinkClick r:id="rId3"/>
               </a:rPr>
-              <a:t>http://bit.ly/</a:t>
-            </a:r>
-            <a:r>
-              <a:rPr lang="en-US" dirty="0" smtClean="0">
-                <a:hlinkClick r:id="rId3"/>
-              </a:rPr>
-              <a:t>OWL2Pri</a:t>
-            </a:r>
-            <a:r>
-              <a:rPr lang="en-US" dirty="0" smtClean="0"/>
+              <a:t>http://bit.ly/OWL2Pri</a:t>
+            </a:r>
+            <a:r>
+              <a:rPr lang="en-US" dirty="0"/>
               <a:t>)</a:t>
             </a:r>
           </a:p>
@@ -7324,15 +8618,7 @@
             </a:pPr>
             <a:r>
               <a:rPr lang="en-US" sz="2800" dirty="0"/>
-              <a:t> </a:t>
-            </a:r>
-            <a:r>
-              <a:rPr lang="en-US" sz="2800" dirty="0" smtClean="0"/>
-              <a:t>  Annotations</a:t>
-            </a:r>
-            <a:r>
-              <a:rPr lang="en-US" sz="2800" dirty="0"/>
-              <a:t>: </a:t>
+              <a:t>   Annotations: </a:t>
             </a:r>
             <a:r>
               <a:rPr lang="en-US" sz="2800" dirty="0" err="1"/>
@@ -7349,27 +8635,15 @@
             </a:pPr>
             <a:r>
               <a:rPr lang="en-US" sz="2800" dirty="0"/>
-              <a:t> </a:t>
-            </a:r>
-            <a:r>
-              <a:rPr lang="en-US" sz="2800" dirty="0" smtClean="0"/>
-              <a:t>  </a:t>
-            </a:r>
-            <a:r>
-              <a:rPr lang="en-US" sz="2800" dirty="0" err="1" smtClean="0"/>
+              <a:t>   </a:t>
+            </a:r>
+            <a:r>
+              <a:rPr lang="en-US" sz="2800" dirty="0" err="1"/>
               <a:t>EquivalentTo</a:t>
             </a:r>
             <a:r>
               <a:rPr lang="en-US" sz="2800" dirty="0"/>
-              <a:t>: </a:t>
-            </a:r>
-            <a:r>
-              <a:rPr lang="en-US" sz="2800" dirty="0" smtClean="0"/>
-              <a:t>adult </a:t>
-            </a:r>
-            <a:r>
-              <a:rPr lang="en-US" sz="2800" dirty="0"/>
-              <a:t>and male and person</a:t>
+              <a:t>: adult and male and person</a:t>
             </a:r>
           </a:p>
           <a:p>
@@ -7387,13 +8661,6 @@
   <p:clrMapOvr>
     <a:masterClrMapping/>
   </p:clrMapOvr>
-  <p:timing>
-    <p:tnLst>
-      <p:par>
-        <p:cTn id="1" dur="indefinite" restart="never" nodeType="tmRoot"/>
-      </p:par>
-    </p:tnLst>
-  </p:timing>
 </p:sld>
 </file>
 
@@ -7682,13 +8949,6 @@
   <p:clrMapOvr>
     <a:masterClrMapping/>
   </p:clrMapOvr>
-  <p:timing>
-    <p:tnLst>
-      <p:par>
-        <p:cTn id="1" dur="indefinite" restart="never" nodeType="tmRoot"/>
-      </p:par>
-    </p:tnLst>
-  </p:timing>
 </p:sld>
 </file>
 
@@ -7977,13 +9237,6 @@
   <p:clrMapOvr>
     <a:masterClrMapping/>
   </p:clrMapOvr>
-  <p:timing>
-    <p:tnLst>
-      <p:par>
-        <p:cTn id="1" dur="indefinite" restart="never" nodeType="tmRoot"/>
-      </p:par>
-    </p:tnLst>
-  </p:timing>
 </p:sld>
 </file>
 

--- a/notes/10_protege/IDEs.pptx
+++ b/notes/10_protege/IDEs.pptx
@@ -4443,7 +4443,7 @@
                 <a:latin typeface="Calibri" panose="020F0502020204030204" pitchFamily="34" charset="0"/>
                 <a:cs typeface="Calibri" panose="020F0502020204030204" pitchFamily="34" charset="0"/>
               </a:rPr>
-              <a:t>Things where all of their children are mail</a:t>
+              <a:t>Things where all of their children are male</a:t>
             </a:r>
             <a:endParaRPr lang="en-US" sz="2800" dirty="0">
               <a:latin typeface="Calibri" panose="020F0502020204030204" pitchFamily="34" charset="0"/>

--- a/notes/10_protege/IDEs.pptx
+++ b/notes/10_protege/IDEs.pptx
@@ -5,10 +5,10 @@
     <p:sldMasterId id="2147483649" r:id="rId1"/>
   </p:sldMasterIdLst>
   <p:notesMasterIdLst>
-    <p:notesMasterId r:id="rId22"/>
+    <p:notesMasterId r:id="rId29"/>
   </p:notesMasterIdLst>
   <p:handoutMasterIdLst>
-    <p:handoutMasterId r:id="rId23"/>
+    <p:handoutMasterId r:id="rId30"/>
   </p:handoutMasterIdLst>
   <p:sldIdLst>
     <p:sldId id="257" r:id="rId2"/>
@@ -29,8 +29,15 @@
     <p:sldId id="269" r:id="rId17"/>
     <p:sldId id="268" r:id="rId18"/>
     <p:sldId id="272" r:id="rId19"/>
-    <p:sldId id="266" r:id="rId20"/>
-    <p:sldId id="271" r:id="rId21"/>
+    <p:sldId id="280" r:id="rId20"/>
+    <p:sldId id="282" r:id="rId21"/>
+    <p:sldId id="281" r:id="rId22"/>
+    <p:sldId id="283" r:id="rId23"/>
+    <p:sldId id="284" r:id="rId24"/>
+    <p:sldId id="285" r:id="rId25"/>
+    <p:sldId id="286" r:id="rId26"/>
+    <p:sldId id="266" r:id="rId27"/>
+    <p:sldId id="271" r:id="rId28"/>
   </p:sldIdLst>
   <p:sldSz cx="9144000" cy="6858000" type="screen4x3"/>
   <p:notesSz cx="9601200" cy="7315200"/>
@@ -579,10 +586,10 @@
           </a:ln>
           <a:extLst>
             <a:ext uri="{FAA26D3D-D897-4be2-8F04-BA451C77F1D7}">
-              <ma14:placeholderFlag xmlns="" xmlns:ma14="http://schemas.microsoft.com/office/mac/drawingml/2011/main" val="1"/>
+              <ma14:placeholderFlag xmlns:ma14="http://schemas.microsoft.com/office/mac/drawingml/2011/main" xmlns="" val="1"/>
             </a:ext>
             <a:ext uri="{909E8E84-426E-40dd-AFC4-6F175D3DCCD1}">
-              <a14:hiddenFill xmlns:a14="http://schemas.microsoft.com/office/drawing/2010/main" xmlns="">
+              <a14:hiddenFill xmlns="" xmlns:a14="http://schemas.microsoft.com/office/drawing/2010/main">
                 <a:solidFill>
                   <a:srgbClr val="FFFFFF"/>
                 </a:solidFill>
@@ -1007,14 +1014,14 @@
           <a:ln/>
           <a:extLst>
             <a:ext uri="{909E8E84-426E-40dd-AFC4-6F175D3DCCD1}">
-              <a14:hiddenFill xmlns:a14="http://schemas.microsoft.com/office/drawing/2010/main" xmlns="">
+              <a14:hiddenFill xmlns="" xmlns:a14="http://schemas.microsoft.com/office/drawing/2010/main">
                 <a:solidFill>
                   <a:srgbClr val="FFFFFF"/>
                 </a:solidFill>
               </a14:hiddenFill>
             </a:ext>
             <a:ext uri="{91240B29-F687-4f45-9708-019B960494DF}">
-              <a14:hiddenLine xmlns:a14="http://schemas.microsoft.com/office/drawing/2010/main" xmlns="" w="9525">
+              <a14:hiddenLine xmlns="" xmlns:a14="http://schemas.microsoft.com/office/drawing/2010/main" w="9525">
                 <a:solidFill>
                   <a:srgbClr val="000000"/>
                 </a:solidFill>
@@ -1183,17 +1190,17 @@
           <a:ln/>
           <a:extLst>
             <a:ext uri="{FAA26D3D-D897-4be2-8F04-BA451C77F1D7}">
-              <ma14:placeholderFlag xmlns="" xmlns:ma14="http://schemas.microsoft.com/office/mac/drawingml/2011/main" val="1"/>
+              <ma14:placeholderFlag xmlns:ma14="http://schemas.microsoft.com/office/mac/drawingml/2011/main" xmlns="" val="1"/>
             </a:ext>
             <a:ext uri="{909E8E84-426E-40dd-AFC4-6F175D3DCCD1}">
-              <a14:hiddenFill xmlns:a14="http://schemas.microsoft.com/office/drawing/2010/main" xmlns="">
+              <a14:hiddenFill xmlns="" xmlns:a14="http://schemas.microsoft.com/office/drawing/2010/main">
                 <a:solidFill>
                   <a:srgbClr val="FFFFFF"/>
                 </a:solidFill>
               </a14:hiddenFill>
             </a:ext>
             <a:ext uri="{91240B29-F687-4f45-9708-019B960494DF}">
-              <a14:hiddenLine xmlns:a14="http://schemas.microsoft.com/office/drawing/2010/main" xmlns="" w="9525">
+              <a14:hiddenLine xmlns="" xmlns:a14="http://schemas.microsoft.com/office/drawing/2010/main" w="9525">
                 <a:solidFill>
                   <a:srgbClr val="000000"/>
                 </a:solidFill>
@@ -1253,14 +1260,14 @@
           <a:ln/>
           <a:extLst>
             <a:ext uri="{909E8E84-426E-40dd-AFC4-6F175D3DCCD1}">
-              <a14:hiddenFill xmlns:a14="http://schemas.microsoft.com/office/drawing/2010/main" xmlns="">
+              <a14:hiddenFill xmlns="" xmlns:a14="http://schemas.microsoft.com/office/drawing/2010/main">
                 <a:solidFill>
                   <a:srgbClr val="FFFFFF"/>
                 </a:solidFill>
               </a14:hiddenFill>
             </a:ext>
             <a:ext uri="{91240B29-F687-4f45-9708-019B960494DF}">
-              <a14:hiddenLine xmlns:a14="http://schemas.microsoft.com/office/drawing/2010/main" xmlns="" w="9525">
+              <a14:hiddenLine xmlns="" xmlns:a14="http://schemas.microsoft.com/office/drawing/2010/main" w="9525">
                 <a:solidFill>
                   <a:srgbClr val="000000"/>
                 </a:solidFill>
@@ -1429,17 +1436,17 @@
           <a:ln/>
           <a:extLst>
             <a:ext uri="{FAA26D3D-D897-4be2-8F04-BA451C77F1D7}">
-              <ma14:placeholderFlag xmlns="" xmlns:ma14="http://schemas.microsoft.com/office/mac/drawingml/2011/main" val="1"/>
+              <ma14:placeholderFlag xmlns:ma14="http://schemas.microsoft.com/office/mac/drawingml/2011/main" xmlns="" val="1"/>
             </a:ext>
             <a:ext uri="{909E8E84-426E-40dd-AFC4-6F175D3DCCD1}">
-              <a14:hiddenFill xmlns:a14="http://schemas.microsoft.com/office/drawing/2010/main" xmlns="">
+              <a14:hiddenFill xmlns="" xmlns:a14="http://schemas.microsoft.com/office/drawing/2010/main">
                 <a:solidFill>
                   <a:srgbClr val="FFFFFF"/>
                 </a:solidFill>
               </a14:hiddenFill>
             </a:ext>
             <a:ext uri="{91240B29-F687-4f45-9708-019B960494DF}">
-              <a14:hiddenLine xmlns:a14="http://schemas.microsoft.com/office/drawing/2010/main" xmlns="" w="9525">
+              <a14:hiddenLine xmlns="" xmlns:a14="http://schemas.microsoft.com/office/drawing/2010/main" w="9525">
                 <a:solidFill>
                   <a:srgbClr val="000000"/>
                 </a:solidFill>
@@ -3214,10 +3221,10 @@
           </a:ln>
           <a:extLst>
             <a:ext uri="{FAA26D3D-D897-4be2-8F04-BA451C77F1D7}">
-              <ma14:placeholderFlag xmlns="" xmlns:ma14="http://schemas.microsoft.com/office/mac/drawingml/2011/main" val="1"/>
+              <ma14:placeholderFlag xmlns:ma14="http://schemas.microsoft.com/office/mac/drawingml/2011/main" xmlns="" val="1"/>
             </a:ext>
             <a:ext uri="{91240B29-F687-4f45-9708-019B960494DF}">
-              <a14:hiddenLine xmlns:a14="http://schemas.microsoft.com/office/drawing/2010/main" xmlns="" w="9525">
+              <a14:hiddenLine xmlns="" xmlns:a14="http://schemas.microsoft.com/office/drawing/2010/main" w="9525">
                 <a:solidFill>
                   <a:srgbClr val="000000"/>
                 </a:solidFill>
@@ -3309,17 +3316,17 @@
           </a:ln>
           <a:extLst>
             <a:ext uri="{FAA26D3D-D897-4be2-8F04-BA451C77F1D7}">
-              <ma14:placeholderFlag xmlns="" xmlns:ma14="http://schemas.microsoft.com/office/mac/drawingml/2011/main" val="1"/>
+              <ma14:placeholderFlag xmlns:ma14="http://schemas.microsoft.com/office/mac/drawingml/2011/main" xmlns="" val="1"/>
             </a:ext>
             <a:ext uri="{909E8E84-426E-40dd-AFC4-6F175D3DCCD1}">
-              <a14:hiddenFill xmlns:a14="http://schemas.microsoft.com/office/drawing/2010/main" xmlns="">
+              <a14:hiddenFill xmlns="" xmlns:a14="http://schemas.microsoft.com/office/drawing/2010/main">
                 <a:solidFill>
                   <a:srgbClr val="FFFFFF"/>
                 </a:solidFill>
               </a14:hiddenFill>
             </a:ext>
             <a:ext uri="{91240B29-F687-4f45-9708-019B960494DF}">
-              <a14:hiddenLine xmlns:a14="http://schemas.microsoft.com/office/drawing/2010/main" xmlns="" w="9525">
+              <a14:hiddenLine xmlns="" xmlns:a14="http://schemas.microsoft.com/office/drawing/2010/main" w="9525">
                 <a:solidFill>
                   <a:srgbClr val="000000"/>
                 </a:solidFill>
@@ -3958,7 +3965,7 @@
           <a:noFill/>
           <a:extLst>
             <a:ext uri="{909E8E84-426E-40dd-AFC4-6F175D3DCCD1}">
-              <a14:hiddenFill xmlns:a14="http://schemas.microsoft.com/office/drawing/2010/main" xmlns="">
+              <a14:hiddenFill xmlns="" xmlns:a14="http://schemas.microsoft.com/office/drawing/2010/main">
                 <a:solidFill>
                   <a:srgbClr val="E1F4FF"/>
                 </a:solidFill>
@@ -4056,14 +4063,14 @@
           </a:ln>
           <a:extLst>
             <a:ext uri="{909E8E84-426E-40dd-AFC4-6F175D3DCCD1}">
-              <a14:hiddenFill xmlns:a14="http://schemas.microsoft.com/office/drawing/2010/main" xmlns="">
+              <a14:hiddenFill xmlns="" xmlns:a14="http://schemas.microsoft.com/office/drawing/2010/main">
                 <a:solidFill>
                   <a:srgbClr val="FFFFFF"/>
                 </a:solidFill>
               </a14:hiddenFill>
             </a:ext>
             <a:ext uri="{91240B29-F687-4f45-9708-019B960494DF}">
-              <a14:hiddenLine xmlns:a14="http://schemas.microsoft.com/office/drawing/2010/main" xmlns="" w="9525">
+              <a14:hiddenLine xmlns="" xmlns:a14="http://schemas.microsoft.com/office/drawing/2010/main" w="9525">
                 <a:solidFill>
                   <a:srgbClr val="000000"/>
                 </a:solidFill>
@@ -4115,14 +4122,14 @@
           <a:ln/>
           <a:extLst>
             <a:ext uri="{909E8E84-426E-40dd-AFC4-6F175D3DCCD1}">
-              <a14:hiddenFill xmlns:a14="http://schemas.microsoft.com/office/drawing/2010/main" xmlns="">
+              <a14:hiddenFill xmlns="" xmlns:a14="http://schemas.microsoft.com/office/drawing/2010/main">
                 <a:solidFill>
                   <a:srgbClr val="FFFFFF"/>
                 </a:solidFill>
               </a14:hiddenFill>
             </a:ext>
             <a:ext uri="{91240B29-F687-4f45-9708-019B960494DF}">
-              <a14:hiddenLine xmlns:a14="http://schemas.microsoft.com/office/drawing/2010/main" xmlns="" w="9525">
+              <a14:hiddenLine xmlns="" xmlns:a14="http://schemas.microsoft.com/office/drawing/2010/main" w="9525">
                 <a:solidFill>
                   <a:srgbClr val="000000"/>
                 </a:solidFill>
@@ -4349,14 +4356,14 @@
           </a:ln>
           <a:extLst>
             <a:ext uri="{909E8E84-426E-40dd-AFC4-6F175D3DCCD1}">
-              <a14:hiddenFill xmlns:a14="http://schemas.microsoft.com/office/drawing/2010/main" xmlns="">
+              <a14:hiddenFill xmlns="" xmlns:a14="http://schemas.microsoft.com/office/drawing/2010/main">
                 <a:solidFill>
                   <a:srgbClr val="FFFFFF"/>
                 </a:solidFill>
               </a14:hiddenFill>
             </a:ext>
             <a:ext uri="{91240B29-F687-4f45-9708-019B960494DF}">
-              <a14:hiddenLine xmlns:a14="http://schemas.microsoft.com/office/drawing/2010/main" xmlns="" w="9525">
+              <a14:hiddenLine xmlns="" xmlns:a14="http://schemas.microsoft.com/office/drawing/2010/main" w="9525">
                 <a:solidFill>
                   <a:srgbClr val="000000"/>
                 </a:solidFill>
@@ -4474,14 +4481,14 @@
           </a:ln>
           <a:extLst>
             <a:ext uri="{909E8E84-426E-40dd-AFC4-6F175D3DCCD1}">
-              <a14:hiddenFill xmlns:a14="http://schemas.microsoft.com/office/drawing/2010/main" xmlns="">
+              <a14:hiddenFill xmlns="" xmlns:a14="http://schemas.microsoft.com/office/drawing/2010/main">
                 <a:solidFill>
                   <a:srgbClr val="FFFFFF"/>
                 </a:solidFill>
               </a14:hiddenFill>
             </a:ext>
             <a:ext uri="{91240B29-F687-4f45-9708-019B960494DF}">
-              <a14:hiddenLine xmlns:a14="http://schemas.microsoft.com/office/drawing/2010/main" xmlns="" w="9525">
+              <a14:hiddenLine xmlns="" xmlns:a14="http://schemas.microsoft.com/office/drawing/2010/main" w="9525">
                 <a:solidFill>
                   <a:srgbClr val="000000"/>
                 </a:solidFill>
@@ -4533,14 +4540,14 @@
           <a:ln/>
           <a:extLst>
             <a:ext uri="{909E8E84-426E-40dd-AFC4-6F175D3DCCD1}">
-              <a14:hiddenFill xmlns:a14="http://schemas.microsoft.com/office/drawing/2010/main" xmlns="">
+              <a14:hiddenFill xmlns="" xmlns:a14="http://schemas.microsoft.com/office/drawing/2010/main">
                 <a:solidFill>
                   <a:srgbClr val="FFFFFF"/>
                 </a:solidFill>
               </a14:hiddenFill>
             </a:ext>
             <a:ext uri="{91240B29-F687-4f45-9708-019B960494DF}">
-              <a14:hiddenLine xmlns:a14="http://schemas.microsoft.com/office/drawing/2010/main" xmlns="" w="9525">
+              <a14:hiddenLine xmlns="" xmlns:a14="http://schemas.microsoft.com/office/drawing/2010/main" w="9525">
                 <a:solidFill>
                   <a:srgbClr val="000000"/>
                 </a:solidFill>
@@ -4770,14 +4777,14 @@
           </a:ln>
           <a:extLst>
             <a:ext uri="{909E8E84-426E-40dd-AFC4-6F175D3DCCD1}">
-              <a14:hiddenFill xmlns:a14="http://schemas.microsoft.com/office/drawing/2010/main" xmlns="">
+              <a14:hiddenFill xmlns="" xmlns:a14="http://schemas.microsoft.com/office/drawing/2010/main">
                 <a:solidFill>
                   <a:srgbClr val="FFFFFF"/>
                 </a:solidFill>
               </a14:hiddenFill>
             </a:ext>
             <a:ext uri="{91240B29-F687-4f45-9708-019B960494DF}">
-              <a14:hiddenLine xmlns:a14="http://schemas.microsoft.com/office/drawing/2010/main" xmlns="" w="9525">
+              <a14:hiddenLine xmlns="" xmlns:a14="http://schemas.microsoft.com/office/drawing/2010/main" w="9525">
                 <a:solidFill>
                   <a:srgbClr val="000000"/>
                 </a:solidFill>
@@ -4895,14 +4902,14 @@
           </a:ln>
           <a:extLst>
             <a:ext uri="{909E8E84-426E-40dd-AFC4-6F175D3DCCD1}">
-              <a14:hiddenFill xmlns:a14="http://schemas.microsoft.com/office/drawing/2010/main" xmlns="">
+              <a14:hiddenFill xmlns="" xmlns:a14="http://schemas.microsoft.com/office/drawing/2010/main">
                 <a:solidFill>
                   <a:srgbClr val="FFFFFF"/>
                 </a:solidFill>
               </a14:hiddenFill>
             </a:ext>
             <a:ext uri="{91240B29-F687-4f45-9708-019B960494DF}">
-              <a14:hiddenLine xmlns:a14="http://schemas.microsoft.com/office/drawing/2010/main" xmlns="" w="9525">
+              <a14:hiddenLine xmlns="" xmlns:a14="http://schemas.microsoft.com/office/drawing/2010/main" w="9525">
                 <a:solidFill>
                   <a:srgbClr val="000000"/>
                 </a:solidFill>
@@ -4954,14 +4961,14 @@
           <a:ln/>
           <a:extLst>
             <a:ext uri="{909E8E84-426E-40dd-AFC4-6F175D3DCCD1}">
-              <a14:hiddenFill xmlns:a14="http://schemas.microsoft.com/office/drawing/2010/main" xmlns="">
+              <a14:hiddenFill xmlns="" xmlns:a14="http://schemas.microsoft.com/office/drawing/2010/main">
                 <a:solidFill>
                   <a:srgbClr val="FFFFFF"/>
                 </a:solidFill>
               </a14:hiddenFill>
             </a:ext>
             <a:ext uri="{91240B29-F687-4f45-9708-019B960494DF}">
-              <a14:hiddenLine xmlns:a14="http://schemas.microsoft.com/office/drawing/2010/main" xmlns="" w="9525">
+              <a14:hiddenLine xmlns="" xmlns:a14="http://schemas.microsoft.com/office/drawing/2010/main" w="9525">
                 <a:solidFill>
                   <a:srgbClr val="000000"/>
                 </a:solidFill>
@@ -5381,14 +5388,14 @@
           </a:ln>
           <a:extLst>
             <a:ext uri="{909E8E84-426E-40dd-AFC4-6F175D3DCCD1}">
-              <a14:hiddenFill xmlns:a14="http://schemas.microsoft.com/office/drawing/2010/main" xmlns="">
+              <a14:hiddenFill xmlns="" xmlns:a14="http://schemas.microsoft.com/office/drawing/2010/main">
                 <a:solidFill>
                   <a:srgbClr val="FFFFFF"/>
                 </a:solidFill>
               </a14:hiddenFill>
             </a:ext>
             <a:ext uri="{91240B29-F687-4f45-9708-019B960494DF}">
-              <a14:hiddenLine xmlns:a14="http://schemas.microsoft.com/office/drawing/2010/main" xmlns="" w="9525">
+              <a14:hiddenLine xmlns="" xmlns:a14="http://schemas.microsoft.com/office/drawing/2010/main" w="9525">
                 <a:solidFill>
                   <a:srgbClr val="000000"/>
                 </a:solidFill>
@@ -5587,14 +5594,14 @@
           </a:ln>
           <a:extLst>
             <a:ext uri="{909E8E84-426E-40dd-AFC4-6F175D3DCCD1}">
-              <a14:hiddenFill xmlns:a14="http://schemas.microsoft.com/office/drawing/2010/main" xmlns="">
+              <a14:hiddenFill xmlns="" xmlns:a14="http://schemas.microsoft.com/office/drawing/2010/main">
                 <a:solidFill>
                   <a:srgbClr val="FFFFFF"/>
                 </a:solidFill>
               </a14:hiddenFill>
             </a:ext>
             <a:ext uri="{91240B29-F687-4f45-9708-019B960494DF}">
-              <a14:hiddenLine xmlns:a14="http://schemas.microsoft.com/office/drawing/2010/main" xmlns="" w="9525">
+              <a14:hiddenLine xmlns="" xmlns:a14="http://schemas.microsoft.com/office/drawing/2010/main" w="9525">
                 <a:solidFill>
                   <a:srgbClr val="000000"/>
                 </a:solidFill>
@@ -5646,14 +5653,14 @@
           <a:ln/>
           <a:extLst>
             <a:ext uri="{909E8E84-426E-40dd-AFC4-6F175D3DCCD1}">
-              <a14:hiddenFill xmlns:a14="http://schemas.microsoft.com/office/drawing/2010/main" xmlns="">
+              <a14:hiddenFill xmlns="" xmlns:a14="http://schemas.microsoft.com/office/drawing/2010/main">
                 <a:solidFill>
                   <a:srgbClr val="FFFFFF"/>
                 </a:solidFill>
               </a14:hiddenFill>
             </a:ext>
             <a:ext uri="{91240B29-F687-4f45-9708-019B960494DF}">
-              <a14:hiddenLine xmlns:a14="http://schemas.microsoft.com/office/drawing/2010/main" xmlns="" w="9525">
+              <a14:hiddenLine xmlns="" xmlns:a14="http://schemas.microsoft.com/office/drawing/2010/main" w="9525">
                 <a:solidFill>
                   <a:srgbClr val="000000"/>
                 </a:solidFill>
@@ -5880,14 +5887,14 @@
           </a:ln>
           <a:extLst>
             <a:ext uri="{909E8E84-426E-40dd-AFC4-6F175D3DCCD1}">
-              <a14:hiddenFill xmlns:a14="http://schemas.microsoft.com/office/drawing/2010/main" xmlns="">
+              <a14:hiddenFill xmlns="" xmlns:a14="http://schemas.microsoft.com/office/drawing/2010/main">
                 <a:solidFill>
                   <a:srgbClr val="FFFFFF"/>
                 </a:solidFill>
               </a14:hiddenFill>
             </a:ext>
             <a:ext uri="{91240B29-F687-4f45-9708-019B960494DF}">
-              <a14:hiddenLine xmlns:a14="http://schemas.microsoft.com/office/drawing/2010/main" xmlns="" w="9525">
+              <a14:hiddenLine xmlns="" xmlns:a14="http://schemas.microsoft.com/office/drawing/2010/main" w="9525">
                 <a:solidFill>
                   <a:srgbClr val="000000"/>
                 </a:solidFill>
@@ -6172,14 +6179,14 @@
           </a:ln>
           <a:extLst>
             <a:ext uri="{909E8E84-426E-40dd-AFC4-6F175D3DCCD1}">
-              <a14:hiddenFill xmlns:a14="http://schemas.microsoft.com/office/drawing/2010/main" xmlns="">
+              <a14:hiddenFill xmlns="" xmlns:a14="http://schemas.microsoft.com/office/drawing/2010/main">
                 <a:solidFill>
                   <a:srgbClr val="FFFFFF"/>
                 </a:solidFill>
               </a14:hiddenFill>
             </a:ext>
             <a:ext uri="{91240B29-F687-4f45-9708-019B960494DF}">
-              <a14:hiddenLine xmlns:a14="http://schemas.microsoft.com/office/drawing/2010/main" xmlns="" w="9525">
+              <a14:hiddenLine xmlns="" xmlns:a14="http://schemas.microsoft.com/office/drawing/2010/main" w="9525">
                 <a:solidFill>
                   <a:srgbClr val="000000"/>
                 </a:solidFill>
@@ -6249,14 +6256,14 @@
           <a:ln/>
           <a:extLst>
             <a:ext uri="{909E8E84-426E-40dd-AFC4-6F175D3DCCD1}">
-              <a14:hiddenFill xmlns:a14="http://schemas.microsoft.com/office/drawing/2010/main" xmlns="">
+              <a14:hiddenFill xmlns="" xmlns:a14="http://schemas.microsoft.com/office/drawing/2010/main">
                 <a:solidFill>
                   <a:srgbClr val="FFFFFF"/>
                 </a:solidFill>
               </a14:hiddenFill>
             </a:ext>
             <a:ext uri="{91240B29-F687-4f45-9708-019B960494DF}">
-              <a14:hiddenLine xmlns:a14="http://schemas.microsoft.com/office/drawing/2010/main" xmlns="" w="9525">
+              <a14:hiddenLine xmlns="" xmlns:a14="http://schemas.microsoft.com/office/drawing/2010/main" w="9525">
                 <a:solidFill>
                   <a:srgbClr val="000000"/>
                 </a:solidFill>
@@ -7110,7 +7117,13 @@
       </p:grpSpPr>
       <p:sp>
         <p:nvSpPr>
-          <p:cNvPr id="2" name="Title 1"/>
+          <p:cNvPr id="2" name="Title 1">
+            <a:extLst>
+              <a:ext uri="{FF2B5EF4-FFF2-40B4-BE49-F238E27FC236}">
+                <a16:creationId xmlns:a16="http://schemas.microsoft.com/office/drawing/2014/main" id="{8C371DE5-C207-5A4F-91A6-DD52705CC5CA}"/>
+              </a:ext>
+            </a:extLst>
+          </p:cNvPr>
           <p:cNvSpPr>
             <a:spLocks noGrp="1"/>
           </p:cNvSpPr>
@@ -7124,115 +7137,49 @@
           <a:lstStyle/>
           <a:p>
             <a:r>
-              <a:rPr lang="en-US" dirty="0"/>
-              <a:t>Demonstration/HW4</a:t>
-            </a:r>
+              <a:rPr lang="en-US" dirty="0">
+                <a:hlinkClick r:id="rId2"/>
+              </a:rPr>
+              <a:t>http://oops.linkeddata.es/</a:t>
+            </a:r>
+            <a:endParaRPr lang="en-US" dirty="0"/>
           </a:p>
         </p:txBody>
       </p:sp>
-      <p:sp>
-        <p:nvSpPr>
-          <p:cNvPr id="3" name="Content Placeholder 2"/>
-          <p:cNvSpPr>
-            <a:spLocks noGrp="1"/>
-          </p:cNvSpPr>
-          <p:nvPr>
-            <p:ph idx="1"/>
-          </p:nvPr>
-        </p:nvSpPr>
+      <p:pic>
+        <p:nvPicPr>
+          <p:cNvPr id="14" name="Picture 13">
+            <a:extLst>
+              <a:ext uri="{FF2B5EF4-FFF2-40B4-BE49-F238E27FC236}">
+                <a16:creationId xmlns:a16="http://schemas.microsoft.com/office/drawing/2014/main" id="{9BD2B34A-5C48-EA45-B5D6-F9C9FF981385}"/>
+              </a:ext>
+            </a:extLst>
+          </p:cNvPr>
+          <p:cNvPicPr>
+            <a:picLocks noChangeAspect="1"/>
+          </p:cNvPicPr>
+          <p:nvPr/>
+        </p:nvPicPr>
+        <p:blipFill>
+          <a:blip r:embed="rId3"/>
+          <a:stretch>
+            <a:fillRect/>
+          </a:stretch>
+        </p:blipFill>
         <p:spPr>
           <a:xfrm>
-            <a:off x="395289" y="1412874"/>
-            <a:ext cx="8353176" cy="5328493"/>
+            <a:off x="539552" y="1260914"/>
+            <a:ext cx="8028384" cy="5480454"/>
           </a:xfrm>
+          <a:prstGeom prst="rect">
+            <a:avLst/>
+          </a:prstGeom>
         </p:spPr>
-        <p:txBody>
-          <a:bodyPr/>
-          <a:lstStyle/>
-          <a:p>
-            <a:pPr marL="0" indent="0">
-              <a:buNone/>
-            </a:pPr>
-            <a:r>
-              <a:rPr lang="en-US" dirty="0"/>
-              <a:t>Use Protégé OWL (v5.5) to build a simple ontology for people based on the following</a:t>
-            </a:r>
-          </a:p>
-          <a:p>
-            <a:pPr marL="457200" lvl="1" indent="-228600"/>
-            <a:r>
-              <a:rPr lang="en-US" dirty="0"/>
-              <a:t>People have just one sex that’s either </a:t>
-            </a:r>
-            <a:r>
-              <a:rPr lang="en-US" i="1" dirty="0"/>
-              <a:t>male</a:t>
-            </a:r>
-            <a:r>
-              <a:rPr lang="en-US" dirty="0"/>
-              <a:t> or </a:t>
-            </a:r>
-            <a:r>
-              <a:rPr lang="en-US" i="1" dirty="0"/>
-              <a:t>female</a:t>
-            </a:r>
-            <a:r>
-              <a:rPr lang="en-US" dirty="0"/>
-              <a:t>, an integer age, and two parents, one male, one female</a:t>
-            </a:r>
-          </a:p>
-          <a:p>
-            <a:pPr marL="457200" lvl="1" indent="-228600"/>
-            <a:r>
-              <a:rPr lang="en-US" dirty="0"/>
-              <a:t>A person’s grandparent is the parent of their parent</a:t>
-            </a:r>
-          </a:p>
-          <a:p>
-            <a:pPr marL="457200" lvl="1" indent="-228600"/>
-            <a:r>
-              <a:rPr lang="en-US" dirty="0"/>
-              <a:t>Every person is either a man or a woman but not both</a:t>
-            </a:r>
-          </a:p>
-          <a:p>
-            <a:pPr marL="457200" lvl="1" indent="-228600"/>
-            <a:r>
-              <a:rPr lang="en-US" dirty="0"/>
-              <a:t>A man is defined as any person whose sex is male and a woman as any person whose sex is female</a:t>
-            </a:r>
-          </a:p>
-          <a:p>
-            <a:pPr marL="457200" lvl="1" indent="-228600"/>
-            <a:r>
-              <a:rPr lang="en-US" dirty="0"/>
-              <a:t>A boy is defined as a person whose sex is male and whose age is less than 18, a girl is …</a:t>
-            </a:r>
-          </a:p>
-          <a:p>
-            <a:pPr marL="457200" lvl="1" indent="-228600"/>
-            <a:r>
-              <a:rPr lang="en-US" dirty="0"/>
-              <a:t>A person is either an adult or (age &gt;18), minor (age &lt;18), </a:t>
-            </a:r>
-            <a:r>
-              <a:rPr lang="is-IS" dirty="0"/>
-              <a:t>…</a:t>
-            </a:r>
-            <a:endParaRPr lang="en-US" dirty="0"/>
-          </a:p>
-          <a:p>
-            <a:pPr marL="228600" lvl="1" indent="0">
-              <a:buNone/>
-            </a:pPr>
-            <a:endParaRPr lang="en-US" dirty="0"/>
-          </a:p>
-        </p:txBody>
-      </p:sp>
+      </p:pic>
     </p:spTree>
     <p:extLst>
       <p:ext uri="{BB962C8B-B14F-4D97-AF65-F5344CB8AC3E}">
-        <p14:creationId xmlns:p14="http://schemas.microsoft.com/office/powerpoint/2010/main" val="974337007"/>
+        <p14:creationId xmlns:p14="http://schemas.microsoft.com/office/powerpoint/2010/main" val="656675490"/>
       </p:ext>
     </p:extLst>
   </p:cSld>
@@ -7823,6 +7770,1074 @@
       </p:grpSpPr>
       <p:sp>
         <p:nvSpPr>
+          <p:cNvPr id="2" name="Title 1">
+            <a:extLst>
+              <a:ext uri="{FF2B5EF4-FFF2-40B4-BE49-F238E27FC236}">
+                <a16:creationId xmlns:a16="http://schemas.microsoft.com/office/drawing/2014/main" id="{8600F745-78EC-BD4E-ABCE-5524C8D97399}"/>
+              </a:ext>
+            </a:extLst>
+          </p:cNvPr>
+          <p:cNvSpPr>
+            <a:spLocks noGrp="1"/>
+          </p:cNvSpPr>
+          <p:nvPr>
+            <p:ph type="title"/>
+          </p:nvPr>
+        </p:nvSpPr>
+        <p:spPr/>
+        <p:txBody>
+          <a:bodyPr/>
+          <a:lstStyle/>
+          <a:p>
+            <a:r>
+              <a:rPr lang="en-US" dirty="0"/>
+              <a:t>What to watch out for</a:t>
+            </a:r>
+          </a:p>
+        </p:txBody>
+      </p:sp>
+      <p:sp>
+        <p:nvSpPr>
+          <p:cNvPr id="3" name="Content Placeholder 2">
+            <a:extLst>
+              <a:ext uri="{FF2B5EF4-FFF2-40B4-BE49-F238E27FC236}">
+                <a16:creationId xmlns:a16="http://schemas.microsoft.com/office/drawing/2014/main" id="{97EF9465-0B4B-984F-9D5D-7DC8B630D0E4}"/>
+              </a:ext>
+            </a:extLst>
+          </p:cNvPr>
+          <p:cNvSpPr>
+            <a:spLocks noGrp="1"/>
+          </p:cNvSpPr>
+          <p:nvPr>
+            <p:ph idx="1"/>
+          </p:nvPr>
+        </p:nvSpPr>
+        <p:spPr/>
+        <p:txBody>
+          <a:bodyPr/>
+          <a:lstStyle/>
+          <a:p>
+            <a:r>
+              <a:rPr lang="en-US" sz="3200" dirty="0"/>
+              <a:t>After editing your ontology or data you should (1) stop the reasoner and (2) run it again</a:t>
+            </a:r>
+          </a:p>
+          <a:p>
+            <a:r>
+              <a:rPr lang="en-US" sz="3200" dirty="0"/>
+              <a:t>Look for any of the following problems</a:t>
+            </a:r>
+          </a:p>
+          <a:p>
+            <a:pPr lvl="1"/>
+            <a:r>
+              <a:rPr lang="en-US" sz="2800" dirty="0"/>
+              <a:t>Unexpected inferences</a:t>
+            </a:r>
+          </a:p>
+          <a:p>
+            <a:pPr lvl="1"/>
+            <a:r>
+              <a:rPr lang="en-US" sz="2800" dirty="0"/>
+              <a:t>Missing inferences</a:t>
+            </a:r>
+          </a:p>
+          <a:p>
+            <a:pPr lvl="1"/>
+            <a:r>
+              <a:rPr lang="en-US" sz="2800" dirty="0"/>
+              <a:t>Reasoner stops with an error</a:t>
+            </a:r>
+          </a:p>
+          <a:p>
+            <a:pPr lvl="1"/>
+            <a:r>
+              <a:rPr lang="en-US" sz="2800" dirty="0"/>
+              <a:t>Reasoner stops after finding a contradiction</a:t>
+            </a:r>
+          </a:p>
+          <a:p>
+            <a:pPr lvl="1"/>
+            <a:r>
+              <a:rPr lang="en-US" sz="2800" dirty="0"/>
+              <a:t>Reasoner concludes a class is equivalent to </a:t>
+            </a:r>
+            <a:r>
+              <a:rPr lang="en-US" sz="2800" dirty="0" err="1"/>
+              <a:t>owl:Nothing</a:t>
+            </a:r>
+            <a:endParaRPr lang="en-US" sz="2800" dirty="0"/>
+          </a:p>
+          <a:p>
+            <a:pPr lvl="1"/>
+            <a:endParaRPr lang="en-US" dirty="0"/>
+          </a:p>
+          <a:p>
+            <a:pPr lvl="1"/>
+            <a:endParaRPr lang="en-US" dirty="0"/>
+          </a:p>
+          <a:p>
+            <a:pPr marL="292100" lvl="1" indent="-173038"/>
+            <a:endParaRPr lang="en-US" dirty="0"/>
+          </a:p>
+        </p:txBody>
+      </p:sp>
+    </p:spTree>
+    <p:extLst>
+      <p:ext uri="{BB962C8B-B14F-4D97-AF65-F5344CB8AC3E}">
+        <p14:creationId xmlns:p14="http://schemas.microsoft.com/office/powerpoint/2010/main" val="3470839070"/>
+      </p:ext>
+    </p:extLst>
+  </p:cSld>
+  <p:clrMapOvr>
+    <a:masterClrMapping/>
+  </p:clrMapOvr>
+</p:sld>
+</file>
+
+<file path=ppt/slides/slide21.xml><?xml version="1.0" encoding="utf-8"?>
+<p:sld xmlns:a="http://schemas.openxmlformats.org/drawingml/2006/main" xmlns:r="http://schemas.openxmlformats.org/officeDocument/2006/relationships" xmlns:p="http://schemas.openxmlformats.org/presentationml/2006/main">
+  <p:cSld>
+    <p:spTree>
+      <p:nvGrpSpPr>
+        <p:cNvPr id="1" name=""/>
+        <p:cNvGrpSpPr/>
+        <p:nvPr/>
+      </p:nvGrpSpPr>
+      <p:grpSpPr>
+        <a:xfrm>
+          <a:off x="0" y="0"/>
+          <a:ext cx="0" cy="0"/>
+          <a:chOff x="0" y="0"/>
+          <a:chExt cx="0" cy="0"/>
+        </a:xfrm>
+      </p:grpSpPr>
+      <p:sp>
+        <p:nvSpPr>
+          <p:cNvPr id="2" name="Title 1">
+            <a:extLst>
+              <a:ext uri="{FF2B5EF4-FFF2-40B4-BE49-F238E27FC236}">
+                <a16:creationId xmlns:a16="http://schemas.microsoft.com/office/drawing/2014/main" id="{4B4FD5DE-0648-3C4B-BF4B-D302D88832FF}"/>
+              </a:ext>
+            </a:extLst>
+          </p:cNvPr>
+          <p:cNvSpPr>
+            <a:spLocks noGrp="1"/>
+          </p:cNvSpPr>
+          <p:nvPr>
+            <p:ph type="title"/>
+          </p:nvPr>
+        </p:nvSpPr>
+        <p:spPr/>
+        <p:txBody>
+          <a:bodyPr/>
+          <a:lstStyle/>
+          <a:p>
+            <a:r>
+              <a:rPr lang="en-US" dirty="0"/>
+              <a:t>Error: Impossible Class</a:t>
+            </a:r>
+          </a:p>
+        </p:txBody>
+      </p:sp>
+      <p:pic>
+        <p:nvPicPr>
+          <p:cNvPr id="5" name="Content Placeholder 4">
+            <a:extLst>
+              <a:ext uri="{FF2B5EF4-FFF2-40B4-BE49-F238E27FC236}">
+                <a16:creationId xmlns:a16="http://schemas.microsoft.com/office/drawing/2014/main" id="{663A7701-6C2C-7147-894E-0D114F802061}"/>
+              </a:ext>
+            </a:extLst>
+          </p:cNvPr>
+          <p:cNvPicPr>
+            <a:picLocks noGrp="1" noChangeAspect="1"/>
+          </p:cNvPicPr>
+          <p:nvPr>
+            <p:ph idx="1"/>
+          </p:nvPr>
+        </p:nvPicPr>
+        <p:blipFill>
+          <a:blip r:embed="rId2"/>
+          <a:stretch>
+            <a:fillRect/>
+          </a:stretch>
+        </p:blipFill>
+        <p:spPr>
+          <a:xfrm>
+            <a:off x="611560" y="1000397"/>
+            <a:ext cx="8349018" cy="5945188"/>
+          </a:xfrm>
+        </p:spPr>
+      </p:pic>
+      <p:sp>
+        <p:nvSpPr>
+          <p:cNvPr id="6" name="Oval 5">
+            <a:extLst>
+              <a:ext uri="{FF2B5EF4-FFF2-40B4-BE49-F238E27FC236}">
+                <a16:creationId xmlns:a16="http://schemas.microsoft.com/office/drawing/2014/main" id="{B8B3885A-AB05-0D4E-9485-EE0932DD0DEA}"/>
+              </a:ext>
+            </a:extLst>
+          </p:cNvPr>
+          <p:cNvSpPr/>
+          <p:nvPr/>
+        </p:nvSpPr>
+        <p:spPr>
+          <a:xfrm>
+            <a:off x="3131840" y="3580879"/>
+            <a:ext cx="1224136" cy="784225"/>
+          </a:xfrm>
+          <a:prstGeom prst="ellipse">
+            <a:avLst/>
+          </a:prstGeom>
+          <a:noFill/>
+          <a:ln w="25400">
+            <a:solidFill>
+              <a:srgbClr val="FF0000"/>
+            </a:solidFill>
+          </a:ln>
+        </p:spPr>
+        <p:style>
+          <a:lnRef idx="1">
+            <a:schemeClr val="accent1"/>
+          </a:lnRef>
+          <a:fillRef idx="3">
+            <a:schemeClr val="accent1"/>
+          </a:fillRef>
+          <a:effectRef idx="2">
+            <a:schemeClr val="accent1"/>
+          </a:effectRef>
+          <a:fontRef idx="minor">
+            <a:schemeClr val="lt1"/>
+          </a:fontRef>
+        </p:style>
+        <p:txBody>
+          <a:bodyPr rtlCol="0" anchor="ctr"/>
+          <a:lstStyle/>
+          <a:p>
+            <a:pPr algn="ctr"/>
+            <a:endParaRPr lang="en-US"/>
+          </a:p>
+        </p:txBody>
+      </p:sp>
+    </p:spTree>
+    <p:extLst>
+      <p:ext uri="{BB962C8B-B14F-4D97-AF65-F5344CB8AC3E}">
+        <p14:creationId xmlns:p14="http://schemas.microsoft.com/office/powerpoint/2010/main" val="3401454459"/>
+      </p:ext>
+    </p:extLst>
+  </p:cSld>
+  <p:clrMapOvr>
+    <a:masterClrMapping/>
+  </p:clrMapOvr>
+</p:sld>
+</file>
+
+<file path=ppt/slides/slide22.xml><?xml version="1.0" encoding="utf-8"?>
+<p:sld xmlns:a="http://schemas.openxmlformats.org/drawingml/2006/main" xmlns:r="http://schemas.openxmlformats.org/officeDocument/2006/relationships" xmlns:p="http://schemas.openxmlformats.org/presentationml/2006/main">
+  <p:cSld>
+    <p:spTree>
+      <p:nvGrpSpPr>
+        <p:cNvPr id="1" name=""/>
+        <p:cNvGrpSpPr/>
+        <p:nvPr/>
+      </p:nvGrpSpPr>
+      <p:grpSpPr>
+        <a:xfrm>
+          <a:off x="0" y="0"/>
+          <a:ext cx="0" cy="0"/>
+          <a:chOff x="0" y="0"/>
+          <a:chExt cx="0" cy="0"/>
+        </a:xfrm>
+      </p:grpSpPr>
+      <p:sp>
+        <p:nvSpPr>
+          <p:cNvPr id="2" name="Title 1">
+            <a:extLst>
+              <a:ext uri="{FF2B5EF4-FFF2-40B4-BE49-F238E27FC236}">
+                <a16:creationId xmlns:a16="http://schemas.microsoft.com/office/drawing/2014/main" id="{18D7F73B-DBB5-D34D-8726-B412A87B5DCD}"/>
+              </a:ext>
+            </a:extLst>
+          </p:cNvPr>
+          <p:cNvSpPr>
+            <a:spLocks noGrp="1"/>
+          </p:cNvSpPr>
+          <p:nvPr>
+            <p:ph type="title"/>
+          </p:nvPr>
+        </p:nvSpPr>
+        <p:spPr/>
+        <p:txBody>
+          <a:bodyPr/>
+          <a:lstStyle/>
+          <a:p>
+            <a:r>
+              <a:rPr lang="en-US" dirty="0"/>
+              <a:t>Inconsistent Ontology </a:t>
+            </a:r>
+          </a:p>
+        </p:txBody>
+      </p:sp>
+      <p:pic>
+        <p:nvPicPr>
+          <p:cNvPr id="5" name="Content Placeholder 4">
+            <a:extLst>
+              <a:ext uri="{FF2B5EF4-FFF2-40B4-BE49-F238E27FC236}">
+                <a16:creationId xmlns:a16="http://schemas.microsoft.com/office/drawing/2014/main" id="{668FC523-C14D-2A4D-87F0-24CE18A64B4E}"/>
+              </a:ext>
+            </a:extLst>
+          </p:cNvPr>
+          <p:cNvPicPr>
+            <a:picLocks noGrp="1" noChangeAspect="1"/>
+          </p:cNvPicPr>
+          <p:nvPr>
+            <p:ph idx="1"/>
+          </p:nvPr>
+        </p:nvPicPr>
+        <p:blipFill>
+          <a:blip r:embed="rId2"/>
+          <a:stretch>
+            <a:fillRect/>
+          </a:stretch>
+        </p:blipFill>
+        <p:spPr>
+          <a:xfrm>
+            <a:off x="444570" y="1412874"/>
+            <a:ext cx="7824385" cy="5256485"/>
+          </a:xfrm>
+        </p:spPr>
+      </p:pic>
+      <p:sp>
+        <p:nvSpPr>
+          <p:cNvPr id="6" name="Oval 5">
+            <a:extLst>
+              <a:ext uri="{FF2B5EF4-FFF2-40B4-BE49-F238E27FC236}">
+                <a16:creationId xmlns:a16="http://schemas.microsoft.com/office/drawing/2014/main" id="{54963A6B-D9C1-A34A-B7FA-E88BEB259DD9}"/>
+              </a:ext>
+            </a:extLst>
+          </p:cNvPr>
+          <p:cNvSpPr/>
+          <p:nvPr/>
+        </p:nvSpPr>
+        <p:spPr>
+          <a:xfrm>
+            <a:off x="1187624" y="2276872"/>
+            <a:ext cx="5976664" cy="2520280"/>
+          </a:xfrm>
+          <a:prstGeom prst="ellipse">
+            <a:avLst/>
+          </a:prstGeom>
+          <a:noFill/>
+          <a:ln w="25400">
+            <a:solidFill>
+              <a:srgbClr val="FF0000"/>
+            </a:solidFill>
+          </a:ln>
+        </p:spPr>
+        <p:style>
+          <a:lnRef idx="1">
+            <a:schemeClr val="accent1"/>
+          </a:lnRef>
+          <a:fillRef idx="3">
+            <a:schemeClr val="accent1"/>
+          </a:fillRef>
+          <a:effectRef idx="2">
+            <a:schemeClr val="accent1"/>
+          </a:effectRef>
+          <a:fontRef idx="minor">
+            <a:schemeClr val="lt1"/>
+          </a:fontRef>
+        </p:style>
+        <p:txBody>
+          <a:bodyPr rtlCol="0" anchor="ctr"/>
+          <a:lstStyle/>
+          <a:p>
+            <a:pPr algn="ctr"/>
+            <a:endParaRPr lang="en-US"/>
+          </a:p>
+        </p:txBody>
+      </p:sp>
+      <p:sp>
+        <p:nvSpPr>
+          <p:cNvPr id="7" name="Oval 6">
+            <a:extLst>
+              <a:ext uri="{FF2B5EF4-FFF2-40B4-BE49-F238E27FC236}">
+                <a16:creationId xmlns:a16="http://schemas.microsoft.com/office/drawing/2014/main" id="{E8C959AF-16A4-D949-BDB6-B3AA4011B383}"/>
+              </a:ext>
+            </a:extLst>
+          </p:cNvPr>
+          <p:cNvSpPr/>
+          <p:nvPr/>
+        </p:nvSpPr>
+        <p:spPr>
+          <a:xfrm>
+            <a:off x="7532712" y="6239562"/>
+            <a:ext cx="1224136" cy="784225"/>
+          </a:xfrm>
+          <a:prstGeom prst="ellipse">
+            <a:avLst/>
+          </a:prstGeom>
+          <a:noFill/>
+          <a:ln w="25400">
+            <a:solidFill>
+              <a:srgbClr val="FF0000"/>
+            </a:solidFill>
+          </a:ln>
+        </p:spPr>
+        <p:style>
+          <a:lnRef idx="1">
+            <a:schemeClr val="accent1"/>
+          </a:lnRef>
+          <a:fillRef idx="3">
+            <a:schemeClr val="accent1"/>
+          </a:fillRef>
+          <a:effectRef idx="2">
+            <a:schemeClr val="accent1"/>
+          </a:effectRef>
+          <a:fontRef idx="minor">
+            <a:schemeClr val="lt1"/>
+          </a:fontRef>
+        </p:style>
+        <p:txBody>
+          <a:bodyPr rtlCol="0" anchor="ctr"/>
+          <a:lstStyle/>
+          <a:p>
+            <a:pPr algn="ctr"/>
+            <a:endParaRPr lang="en-US"/>
+          </a:p>
+        </p:txBody>
+      </p:sp>
+    </p:spTree>
+    <p:extLst>
+      <p:ext uri="{BB962C8B-B14F-4D97-AF65-F5344CB8AC3E}">
+        <p14:creationId xmlns:p14="http://schemas.microsoft.com/office/powerpoint/2010/main" val="1004469525"/>
+      </p:ext>
+    </p:extLst>
+  </p:cSld>
+  <p:clrMapOvr>
+    <a:masterClrMapping/>
+  </p:clrMapOvr>
+</p:sld>
+</file>
+
+<file path=ppt/slides/slide23.xml><?xml version="1.0" encoding="utf-8"?>
+<p:sld xmlns:a="http://schemas.openxmlformats.org/drawingml/2006/main" xmlns:r="http://schemas.openxmlformats.org/officeDocument/2006/relationships" xmlns:p="http://schemas.openxmlformats.org/presentationml/2006/main">
+  <p:cSld>
+    <p:spTree>
+      <p:nvGrpSpPr>
+        <p:cNvPr id="1" name=""/>
+        <p:cNvGrpSpPr/>
+        <p:nvPr/>
+      </p:nvGrpSpPr>
+      <p:grpSpPr>
+        <a:xfrm>
+          <a:off x="0" y="0"/>
+          <a:ext cx="0" cy="0"/>
+          <a:chOff x="0" y="0"/>
+          <a:chExt cx="0" cy="0"/>
+        </a:xfrm>
+      </p:grpSpPr>
+      <p:sp>
+        <p:nvSpPr>
+          <p:cNvPr id="2" name="Title 1">
+            <a:extLst>
+              <a:ext uri="{FF2B5EF4-FFF2-40B4-BE49-F238E27FC236}">
+                <a16:creationId xmlns:a16="http://schemas.microsoft.com/office/drawing/2014/main" id="{43927360-EA13-D543-AA4B-9F9453925B53}"/>
+              </a:ext>
+            </a:extLst>
+          </p:cNvPr>
+          <p:cNvSpPr>
+            <a:spLocks noGrp="1"/>
+          </p:cNvSpPr>
+          <p:nvPr>
+            <p:ph type="title"/>
+          </p:nvPr>
+        </p:nvSpPr>
+        <p:spPr/>
+        <p:txBody>
+          <a:bodyPr/>
+          <a:lstStyle/>
+          <a:p>
+            <a:r>
+              <a:rPr lang="en-US" dirty="0"/>
+              <a:t>Reasoner fails</a:t>
+            </a:r>
+          </a:p>
+        </p:txBody>
+      </p:sp>
+      <p:pic>
+        <p:nvPicPr>
+          <p:cNvPr id="5" name="Picture 4">
+            <a:extLst>
+              <a:ext uri="{FF2B5EF4-FFF2-40B4-BE49-F238E27FC236}">
+                <a16:creationId xmlns:a16="http://schemas.microsoft.com/office/drawing/2014/main" id="{EC7E8CDA-B4E5-FD4A-A857-38DB630E4C54}"/>
+              </a:ext>
+            </a:extLst>
+          </p:cNvPr>
+          <p:cNvPicPr>
+            <a:picLocks noChangeAspect="1"/>
+          </p:cNvPicPr>
+          <p:nvPr/>
+        </p:nvPicPr>
+        <p:blipFill>
+          <a:blip r:embed="rId2"/>
+          <a:stretch>
+            <a:fillRect/>
+          </a:stretch>
+        </p:blipFill>
+        <p:spPr>
+          <a:xfrm>
+            <a:off x="0" y="908720"/>
+            <a:ext cx="9144000" cy="6375042"/>
+          </a:xfrm>
+          <a:prstGeom prst="rect">
+            <a:avLst/>
+          </a:prstGeom>
+        </p:spPr>
+      </p:pic>
+      <p:sp>
+        <p:nvSpPr>
+          <p:cNvPr id="6" name="Oval 5">
+            <a:extLst>
+              <a:ext uri="{FF2B5EF4-FFF2-40B4-BE49-F238E27FC236}">
+                <a16:creationId xmlns:a16="http://schemas.microsoft.com/office/drawing/2014/main" id="{78E99035-097B-644A-9BC4-2446785162E2}"/>
+              </a:ext>
+            </a:extLst>
+          </p:cNvPr>
+          <p:cNvSpPr/>
+          <p:nvPr/>
+        </p:nvSpPr>
+        <p:spPr>
+          <a:xfrm>
+            <a:off x="8100392" y="6309320"/>
+            <a:ext cx="864096" cy="680442"/>
+          </a:xfrm>
+          <a:prstGeom prst="ellipse">
+            <a:avLst/>
+          </a:prstGeom>
+          <a:noFill/>
+          <a:ln w="25400">
+            <a:solidFill>
+              <a:srgbClr val="FF0000"/>
+            </a:solidFill>
+          </a:ln>
+        </p:spPr>
+        <p:style>
+          <a:lnRef idx="1">
+            <a:schemeClr val="accent1"/>
+          </a:lnRef>
+          <a:fillRef idx="3">
+            <a:schemeClr val="accent1"/>
+          </a:fillRef>
+          <a:effectRef idx="2">
+            <a:schemeClr val="accent1"/>
+          </a:effectRef>
+          <a:fontRef idx="minor">
+            <a:schemeClr val="lt1"/>
+          </a:fontRef>
+        </p:style>
+        <p:txBody>
+          <a:bodyPr rtlCol="0" anchor="ctr"/>
+          <a:lstStyle/>
+          <a:p>
+            <a:pPr algn="ctr"/>
+            <a:endParaRPr lang="en-US"/>
+          </a:p>
+        </p:txBody>
+      </p:sp>
+    </p:spTree>
+    <p:extLst>
+      <p:ext uri="{BB962C8B-B14F-4D97-AF65-F5344CB8AC3E}">
+        <p14:creationId xmlns:p14="http://schemas.microsoft.com/office/powerpoint/2010/main" val="35288652"/>
+      </p:ext>
+    </p:extLst>
+  </p:cSld>
+  <p:clrMapOvr>
+    <a:masterClrMapping/>
+  </p:clrMapOvr>
+</p:sld>
+</file>
+
+<file path=ppt/slides/slide24.xml><?xml version="1.0" encoding="utf-8"?>
+<p:sld xmlns:a="http://schemas.openxmlformats.org/drawingml/2006/main" xmlns:r="http://schemas.openxmlformats.org/officeDocument/2006/relationships" xmlns:p="http://schemas.openxmlformats.org/presentationml/2006/main">
+  <p:cSld>
+    <p:spTree>
+      <p:nvGrpSpPr>
+        <p:cNvPr id="1" name=""/>
+        <p:cNvGrpSpPr/>
+        <p:nvPr/>
+      </p:nvGrpSpPr>
+      <p:grpSpPr>
+        <a:xfrm>
+          <a:off x="0" y="0"/>
+          <a:ext cx="0" cy="0"/>
+          <a:chOff x="0" y="0"/>
+          <a:chExt cx="0" cy="0"/>
+        </a:xfrm>
+      </p:grpSpPr>
+      <p:sp>
+        <p:nvSpPr>
+          <p:cNvPr id="2" name="Title 1">
+            <a:extLst>
+              <a:ext uri="{FF2B5EF4-FFF2-40B4-BE49-F238E27FC236}">
+                <a16:creationId xmlns:a16="http://schemas.microsoft.com/office/drawing/2014/main" id="{43927360-EA13-D543-AA4B-9F9453925B53}"/>
+              </a:ext>
+            </a:extLst>
+          </p:cNvPr>
+          <p:cNvSpPr>
+            <a:spLocks noGrp="1"/>
+          </p:cNvSpPr>
+          <p:nvPr>
+            <p:ph type="title"/>
+          </p:nvPr>
+        </p:nvSpPr>
+        <p:spPr/>
+        <p:txBody>
+          <a:bodyPr/>
+          <a:lstStyle/>
+          <a:p>
+            <a:r>
+              <a:rPr lang="en-US" dirty="0"/>
+              <a:t>Reasoner fails</a:t>
+            </a:r>
+          </a:p>
+        </p:txBody>
+      </p:sp>
+      <p:pic>
+        <p:nvPicPr>
+          <p:cNvPr id="5" name="Picture 4">
+            <a:extLst>
+              <a:ext uri="{FF2B5EF4-FFF2-40B4-BE49-F238E27FC236}">
+                <a16:creationId xmlns:a16="http://schemas.microsoft.com/office/drawing/2014/main" id="{EC7E8CDA-B4E5-FD4A-A857-38DB630E4C54}"/>
+              </a:ext>
+            </a:extLst>
+          </p:cNvPr>
+          <p:cNvPicPr>
+            <a:picLocks noChangeAspect="1"/>
+          </p:cNvPicPr>
+          <p:nvPr/>
+        </p:nvPicPr>
+        <p:blipFill>
+          <a:blip r:embed="rId2"/>
+          <a:stretch>
+            <a:fillRect/>
+          </a:stretch>
+        </p:blipFill>
+        <p:spPr>
+          <a:xfrm>
+            <a:off x="0" y="908720"/>
+            <a:ext cx="9144000" cy="6375042"/>
+          </a:xfrm>
+          <a:prstGeom prst="rect">
+            <a:avLst/>
+          </a:prstGeom>
+        </p:spPr>
+      </p:pic>
+      <p:pic>
+        <p:nvPicPr>
+          <p:cNvPr id="4" name="Picture 3">
+            <a:extLst>
+              <a:ext uri="{FF2B5EF4-FFF2-40B4-BE49-F238E27FC236}">
+                <a16:creationId xmlns:a16="http://schemas.microsoft.com/office/drawing/2014/main" id="{7CFAC675-201D-A94D-82D9-24C6B9A4ECD1}"/>
+              </a:ext>
+            </a:extLst>
+          </p:cNvPr>
+          <p:cNvPicPr>
+            <a:picLocks noChangeAspect="1"/>
+          </p:cNvPicPr>
+          <p:nvPr/>
+        </p:nvPicPr>
+        <p:blipFill>
+          <a:blip r:embed="rId3"/>
+          <a:stretch>
+            <a:fillRect/>
+          </a:stretch>
+        </p:blipFill>
+        <p:spPr>
+          <a:xfrm>
+            <a:off x="-180528" y="1124744"/>
+            <a:ext cx="8363675" cy="5082728"/>
+          </a:xfrm>
+          <a:prstGeom prst="rect">
+            <a:avLst/>
+          </a:prstGeom>
+        </p:spPr>
+      </p:pic>
+    </p:spTree>
+    <p:extLst>
+      <p:ext uri="{BB962C8B-B14F-4D97-AF65-F5344CB8AC3E}">
+        <p14:creationId xmlns:p14="http://schemas.microsoft.com/office/powerpoint/2010/main" val="2975004965"/>
+      </p:ext>
+    </p:extLst>
+  </p:cSld>
+  <p:clrMapOvr>
+    <a:masterClrMapping/>
+  </p:clrMapOvr>
+</p:sld>
+</file>
+
+<file path=ppt/slides/slide25.xml><?xml version="1.0" encoding="utf-8"?>
+<p:sld xmlns:a="http://schemas.openxmlformats.org/drawingml/2006/main" xmlns:r="http://schemas.openxmlformats.org/officeDocument/2006/relationships" xmlns:p="http://schemas.openxmlformats.org/presentationml/2006/main">
+  <p:cSld>
+    <p:spTree>
+      <p:nvGrpSpPr>
+        <p:cNvPr id="1" name=""/>
+        <p:cNvGrpSpPr/>
+        <p:nvPr/>
+      </p:nvGrpSpPr>
+      <p:grpSpPr>
+        <a:xfrm>
+          <a:off x="0" y="0"/>
+          <a:ext cx="0" cy="0"/>
+          <a:chOff x="0" y="0"/>
+          <a:chExt cx="0" cy="0"/>
+        </a:xfrm>
+      </p:grpSpPr>
+      <p:sp>
+        <p:nvSpPr>
+          <p:cNvPr id="2" name="Title 1">
+            <a:extLst>
+              <a:ext uri="{FF2B5EF4-FFF2-40B4-BE49-F238E27FC236}">
+                <a16:creationId xmlns:a16="http://schemas.microsoft.com/office/drawing/2014/main" id="{43927360-EA13-D543-AA4B-9F9453925B53}"/>
+              </a:ext>
+            </a:extLst>
+          </p:cNvPr>
+          <p:cNvSpPr>
+            <a:spLocks noGrp="1"/>
+          </p:cNvSpPr>
+          <p:nvPr>
+            <p:ph type="title"/>
+          </p:nvPr>
+        </p:nvSpPr>
+        <p:spPr/>
+        <p:txBody>
+          <a:bodyPr/>
+          <a:lstStyle/>
+          <a:p>
+            <a:r>
+              <a:rPr lang="en-US" dirty="0"/>
+              <a:t>Reasoner fails</a:t>
+            </a:r>
+          </a:p>
+        </p:txBody>
+      </p:sp>
+      <p:pic>
+        <p:nvPicPr>
+          <p:cNvPr id="5" name="Picture 4">
+            <a:extLst>
+              <a:ext uri="{FF2B5EF4-FFF2-40B4-BE49-F238E27FC236}">
+                <a16:creationId xmlns:a16="http://schemas.microsoft.com/office/drawing/2014/main" id="{EC7E8CDA-B4E5-FD4A-A857-38DB630E4C54}"/>
+              </a:ext>
+            </a:extLst>
+          </p:cNvPr>
+          <p:cNvPicPr>
+            <a:picLocks noChangeAspect="1"/>
+          </p:cNvPicPr>
+          <p:nvPr/>
+        </p:nvPicPr>
+        <p:blipFill>
+          <a:blip r:embed="rId2"/>
+          <a:stretch>
+            <a:fillRect/>
+          </a:stretch>
+        </p:blipFill>
+        <p:spPr>
+          <a:xfrm>
+            <a:off x="0" y="908720"/>
+            <a:ext cx="9144000" cy="6375042"/>
+          </a:xfrm>
+          <a:prstGeom prst="rect">
+            <a:avLst/>
+          </a:prstGeom>
+        </p:spPr>
+      </p:pic>
+      <p:pic>
+        <p:nvPicPr>
+          <p:cNvPr id="4" name="Picture 3">
+            <a:extLst>
+              <a:ext uri="{FF2B5EF4-FFF2-40B4-BE49-F238E27FC236}">
+                <a16:creationId xmlns:a16="http://schemas.microsoft.com/office/drawing/2014/main" id="{7CFAC675-201D-A94D-82D9-24C6B9A4ECD1}"/>
+              </a:ext>
+            </a:extLst>
+          </p:cNvPr>
+          <p:cNvPicPr>
+            <a:picLocks noChangeAspect="1"/>
+          </p:cNvPicPr>
+          <p:nvPr/>
+        </p:nvPicPr>
+        <p:blipFill>
+          <a:blip r:embed="rId3"/>
+          <a:stretch>
+            <a:fillRect/>
+          </a:stretch>
+        </p:blipFill>
+        <p:spPr>
+          <a:xfrm>
+            <a:off x="-180528" y="1124744"/>
+            <a:ext cx="8363675" cy="5082728"/>
+          </a:xfrm>
+          <a:prstGeom prst="rect">
+            <a:avLst/>
+          </a:prstGeom>
+        </p:spPr>
+      </p:pic>
+      <p:sp>
+        <p:nvSpPr>
+          <p:cNvPr id="3" name="TextBox 2">
+            <a:extLst>
+              <a:ext uri="{FF2B5EF4-FFF2-40B4-BE49-F238E27FC236}">
+                <a16:creationId xmlns:a16="http://schemas.microsoft.com/office/drawing/2014/main" id="{741B2E01-FAED-DD42-9FA4-163C23E59F74}"/>
+              </a:ext>
+            </a:extLst>
+          </p:cNvPr>
+          <p:cNvSpPr txBox="1"/>
+          <p:nvPr/>
+        </p:nvSpPr>
+        <p:spPr>
+          <a:xfrm>
+            <a:off x="1739390" y="3271624"/>
+            <a:ext cx="6431565" cy="2677656"/>
+          </a:xfrm>
+          <a:prstGeom prst="rect">
+            <a:avLst/>
+          </a:prstGeom>
+          <a:solidFill>
+            <a:schemeClr val="bg1">
+              <a:lumMod val="65000"/>
+            </a:schemeClr>
+          </a:solidFill>
+        </p:spPr>
+        <p:txBody>
+          <a:bodyPr wrap="square" rtlCol="0">
+            <a:spAutoFit/>
+          </a:bodyPr>
+          <a:lstStyle/>
+          <a:p>
+            <a:pPr marL="285750" indent="-285750">
+              <a:buFont typeface="Arial" panose="020B0604020202020204" pitchFamily="34" charset="0"/>
+              <a:buChar char="•"/>
+            </a:pPr>
+            <a:r>
+              <a:rPr lang="en-US" sz="2400" b="1" dirty="0">
+                <a:solidFill>
+                  <a:schemeClr val="bg1"/>
+                </a:solidFill>
+              </a:rPr>
+              <a:t>Owl reasoners don’t like a property to be transitive and  irreflexive or asymmetric</a:t>
+            </a:r>
+          </a:p>
+          <a:p>
+            <a:pPr marL="285750" indent="-285750">
+              <a:buFont typeface="Arial" panose="020B0604020202020204" pitchFamily="34" charset="0"/>
+              <a:buChar char="•"/>
+            </a:pPr>
+            <a:r>
+              <a:rPr lang="en-US" sz="2400" b="1" dirty="0">
+                <a:solidFill>
+                  <a:schemeClr val="bg1"/>
+                </a:solidFill>
+              </a:rPr>
+              <a:t>Restriction is necessary in order to guarantee decidability of reasoning problems for OWL 2 DL</a:t>
+            </a:r>
+          </a:p>
+          <a:p>
+            <a:pPr marL="285750" indent="-285750">
+              <a:buFont typeface="Arial" panose="020B0604020202020204" pitchFamily="34" charset="0"/>
+              <a:buChar char="•"/>
+            </a:pPr>
+            <a:r>
+              <a:rPr lang="en-US" sz="2400" b="1" dirty="0">
+                <a:solidFill>
+                  <a:schemeClr val="bg1"/>
+                </a:solidFill>
+              </a:rPr>
+              <a:t>You can make a property transitive via rules as a work around</a:t>
+            </a:r>
+          </a:p>
+        </p:txBody>
+      </p:sp>
+    </p:spTree>
+    <p:extLst>
+      <p:ext uri="{BB962C8B-B14F-4D97-AF65-F5344CB8AC3E}">
+        <p14:creationId xmlns:p14="http://schemas.microsoft.com/office/powerpoint/2010/main" val="3277888959"/>
+      </p:ext>
+    </p:extLst>
+  </p:cSld>
+  <p:clrMapOvr>
+    <a:masterClrMapping/>
+  </p:clrMapOvr>
+</p:sld>
+</file>
+
+<file path=ppt/slides/slide26.xml><?xml version="1.0" encoding="utf-8"?>
+<p:sld xmlns:a="http://schemas.openxmlformats.org/drawingml/2006/main" xmlns:r="http://schemas.openxmlformats.org/officeDocument/2006/relationships" xmlns:p="http://schemas.openxmlformats.org/presentationml/2006/main">
+  <p:cSld>
+    <p:spTree>
+      <p:nvGrpSpPr>
+        <p:cNvPr id="1" name=""/>
+        <p:cNvGrpSpPr/>
+        <p:nvPr/>
+      </p:nvGrpSpPr>
+      <p:grpSpPr>
+        <a:xfrm>
+          <a:off x="0" y="0"/>
+          <a:ext cx="0" cy="0"/>
+          <a:chOff x="0" y="0"/>
+          <a:chExt cx="0" cy="0"/>
+        </a:xfrm>
+      </p:grpSpPr>
+      <p:sp>
+        <p:nvSpPr>
+          <p:cNvPr id="2" name="Title 1"/>
+          <p:cNvSpPr>
+            <a:spLocks noGrp="1"/>
+          </p:cNvSpPr>
+          <p:nvPr>
+            <p:ph type="title"/>
+          </p:nvPr>
+        </p:nvSpPr>
+        <p:spPr/>
+        <p:txBody>
+          <a:bodyPr/>
+          <a:lstStyle/>
+          <a:p>
+            <a:r>
+              <a:rPr lang="en-US" dirty="0"/>
+              <a:t>Demonstration/HW4</a:t>
+            </a:r>
+          </a:p>
+        </p:txBody>
+      </p:sp>
+      <p:sp>
+        <p:nvSpPr>
+          <p:cNvPr id="3" name="Content Placeholder 2"/>
+          <p:cNvSpPr>
+            <a:spLocks noGrp="1"/>
+          </p:cNvSpPr>
+          <p:nvPr>
+            <p:ph idx="1"/>
+          </p:nvPr>
+        </p:nvSpPr>
+        <p:spPr>
+          <a:xfrm>
+            <a:off x="395289" y="1412874"/>
+            <a:ext cx="8353176" cy="5328493"/>
+          </a:xfrm>
+        </p:spPr>
+        <p:txBody>
+          <a:bodyPr/>
+          <a:lstStyle/>
+          <a:p>
+            <a:pPr marL="0" indent="0">
+              <a:buNone/>
+            </a:pPr>
+            <a:r>
+              <a:rPr lang="en-US" dirty="0"/>
+              <a:t>Use Protégé OWL (v5.5) to build a simple ontology for people based on the following</a:t>
+            </a:r>
+          </a:p>
+          <a:p>
+            <a:pPr marL="457200" lvl="1" indent="-228600"/>
+            <a:r>
+              <a:rPr lang="en-US" dirty="0"/>
+              <a:t>People have just one sex that’s either </a:t>
+            </a:r>
+            <a:r>
+              <a:rPr lang="en-US" i="1" dirty="0"/>
+              <a:t>male</a:t>
+            </a:r>
+            <a:r>
+              <a:rPr lang="en-US" dirty="0"/>
+              <a:t> or </a:t>
+            </a:r>
+            <a:r>
+              <a:rPr lang="en-US" i="1" dirty="0"/>
+              <a:t>female</a:t>
+            </a:r>
+            <a:r>
+              <a:rPr lang="en-US" dirty="0"/>
+              <a:t>, an integer age, and two parents, one male, one female</a:t>
+            </a:r>
+          </a:p>
+          <a:p>
+            <a:pPr marL="457200" lvl="1" indent="-228600"/>
+            <a:r>
+              <a:rPr lang="en-US" dirty="0"/>
+              <a:t>A person’s grandparent is the parent of their parent</a:t>
+            </a:r>
+          </a:p>
+          <a:p>
+            <a:pPr marL="457200" lvl="1" indent="-228600"/>
+            <a:r>
+              <a:rPr lang="en-US" dirty="0"/>
+              <a:t>Every person is either a man or a woman but not both</a:t>
+            </a:r>
+          </a:p>
+          <a:p>
+            <a:pPr marL="457200" lvl="1" indent="-228600"/>
+            <a:r>
+              <a:rPr lang="en-US" dirty="0"/>
+              <a:t>A man is defined as any person whose sex is male and a woman as any person whose sex is female</a:t>
+            </a:r>
+          </a:p>
+          <a:p>
+            <a:pPr marL="457200" lvl="1" indent="-228600"/>
+            <a:r>
+              <a:rPr lang="en-US" dirty="0"/>
+              <a:t>A boy is defined as a person whose sex is male and whose age is less than 18, a girl is …</a:t>
+            </a:r>
+          </a:p>
+          <a:p>
+            <a:pPr marL="457200" lvl="1" indent="-228600"/>
+            <a:r>
+              <a:rPr lang="en-US" dirty="0"/>
+              <a:t>A person is either an adult or (age &gt;18), minor (age &lt;18), </a:t>
+            </a:r>
+            <a:r>
+              <a:rPr lang="is-IS" dirty="0"/>
+              <a:t>…</a:t>
+            </a:r>
+            <a:endParaRPr lang="en-US" dirty="0"/>
+          </a:p>
+          <a:p>
+            <a:pPr marL="228600" lvl="1" indent="0">
+              <a:buNone/>
+            </a:pPr>
+            <a:endParaRPr lang="en-US" dirty="0"/>
+          </a:p>
+        </p:txBody>
+      </p:sp>
+    </p:spTree>
+    <p:extLst>
+      <p:ext uri="{BB962C8B-B14F-4D97-AF65-F5344CB8AC3E}">
+        <p14:creationId xmlns:p14="http://schemas.microsoft.com/office/powerpoint/2010/main" val="974337007"/>
+      </p:ext>
+    </p:extLst>
+  </p:cSld>
+  <p:clrMapOvr>
+    <a:masterClrMapping/>
+  </p:clrMapOvr>
+</p:sld>
+</file>
+
+<file path=ppt/slides/slide27.xml><?xml version="1.0" encoding="utf-8"?>
+<p:sld xmlns:a="http://schemas.openxmlformats.org/drawingml/2006/main" xmlns:r="http://schemas.openxmlformats.org/officeDocument/2006/relationships" xmlns:p="http://schemas.openxmlformats.org/presentationml/2006/main">
+  <p:cSld>
+    <p:spTree>
+      <p:nvGrpSpPr>
+        <p:cNvPr id="1" name=""/>
+        <p:cNvGrpSpPr/>
+        <p:nvPr/>
+      </p:nvGrpSpPr>
+      <p:grpSpPr>
+        <a:xfrm>
+          <a:off x="0" y="0"/>
+          <a:ext cx="0" cy="0"/>
+          <a:chOff x="0" y="0"/>
+          <a:chExt cx="0" cy="0"/>
+        </a:xfrm>
+      </p:grpSpPr>
+      <p:sp>
+        <p:nvSpPr>
           <p:cNvPr id="2" name="Title 1"/>
           <p:cNvSpPr>
             <a:spLocks noGrp="1"/>
@@ -8740,14 +9755,14 @@
           </a:ln>
           <a:extLst>
             <a:ext uri="{909E8E84-426E-40dd-AFC4-6F175D3DCCD1}">
-              <a14:hiddenFill xmlns:a14="http://schemas.microsoft.com/office/drawing/2010/main" xmlns="">
+              <a14:hiddenFill xmlns="" xmlns:a14="http://schemas.microsoft.com/office/drawing/2010/main">
                 <a:solidFill>
                   <a:srgbClr val="FFFFFF"/>
                 </a:solidFill>
               </a14:hiddenFill>
             </a:ext>
             <a:ext uri="{91240B29-F687-4f45-9708-019B960494DF}">
-              <a14:hiddenLine xmlns:a14="http://schemas.microsoft.com/office/drawing/2010/main" xmlns="" w="9525">
+              <a14:hiddenLine xmlns="" xmlns:a14="http://schemas.microsoft.com/office/drawing/2010/main" w="9525">
                 <a:solidFill>
                   <a:srgbClr val="000000"/>
                 </a:solidFill>
@@ -8781,14 +9796,14 @@
           <a:ln/>
           <a:extLst>
             <a:ext uri="{909E8E84-426E-40dd-AFC4-6F175D3DCCD1}">
-              <a14:hiddenFill xmlns:a14="http://schemas.microsoft.com/office/drawing/2010/main" xmlns="">
+              <a14:hiddenFill xmlns="" xmlns:a14="http://schemas.microsoft.com/office/drawing/2010/main">
                 <a:solidFill>
                   <a:srgbClr val="FFFFFF"/>
                 </a:solidFill>
               </a14:hiddenFill>
             </a:ext>
             <a:ext uri="{91240B29-F687-4f45-9708-019B960494DF}">
-              <a14:hiddenLine xmlns:a14="http://schemas.microsoft.com/office/drawing/2010/main" xmlns="" w="9525">
+              <a14:hiddenLine xmlns="" xmlns:a14="http://schemas.microsoft.com/office/drawing/2010/main" w="9525">
                 <a:solidFill>
                   <a:srgbClr val="000000"/>
                 </a:solidFill>
@@ -9028,14 +10043,14 @@
           </a:ln>
           <a:extLst>
             <a:ext uri="{909E8E84-426E-40dd-AFC4-6F175D3DCCD1}">
-              <a14:hiddenFill xmlns:a14="http://schemas.microsoft.com/office/drawing/2010/main" xmlns="">
+              <a14:hiddenFill xmlns="" xmlns:a14="http://schemas.microsoft.com/office/drawing/2010/main">
                 <a:solidFill>
                   <a:srgbClr val="FFFFFF"/>
                 </a:solidFill>
               </a14:hiddenFill>
             </a:ext>
             <a:ext uri="{91240B29-F687-4f45-9708-019B960494DF}">
-              <a14:hiddenLine xmlns:a14="http://schemas.microsoft.com/office/drawing/2010/main" xmlns="" w="9525">
+              <a14:hiddenLine xmlns="" xmlns:a14="http://schemas.microsoft.com/office/drawing/2010/main" w="9525">
                 <a:solidFill>
                   <a:srgbClr val="000000"/>
                 </a:solidFill>
@@ -9069,14 +10084,14 @@
           <a:ln/>
           <a:extLst>
             <a:ext uri="{909E8E84-426E-40dd-AFC4-6F175D3DCCD1}">
-              <a14:hiddenFill xmlns:a14="http://schemas.microsoft.com/office/drawing/2010/main" xmlns="">
+              <a14:hiddenFill xmlns="" xmlns:a14="http://schemas.microsoft.com/office/drawing/2010/main">
                 <a:solidFill>
                   <a:srgbClr val="FFFFFF"/>
                 </a:solidFill>
               </a14:hiddenFill>
             </a:ext>
             <a:ext uri="{91240B29-F687-4f45-9708-019B960494DF}">
-              <a14:hiddenLine xmlns:a14="http://schemas.microsoft.com/office/drawing/2010/main" xmlns="" w="9525">
+              <a14:hiddenLine xmlns="" xmlns:a14="http://schemas.microsoft.com/office/drawing/2010/main" w="9525">
                 <a:solidFill>
                   <a:srgbClr val="000000"/>
                 </a:solidFill>
